--- a/Pre-Entrega Proyecto Final/Presentacion Pre-Entega Proyecto Final.pptx
+++ b/Pre-Entrega Proyecto Final/Presentacion Pre-Entega Proyecto Final.pptx
@@ -13,21 +13,44 @@
     <p:sldId id="258" r:id="rId8"/>
     <p:sldId id="259" r:id="rId9"/>
     <p:sldId id="260" r:id="rId10"/>
+    <p:sldId id="261" r:id="rId11"/>
+    <p:sldId id="262" r:id="rId12"/>
+    <p:sldId id="263" r:id="rId13"/>
+    <p:sldId id="264" r:id="rId14"/>
+    <p:sldId id="265" r:id="rId15"/>
+    <p:sldId id="266" r:id="rId16"/>
+    <p:sldId id="267" r:id="rId17"/>
+    <p:sldId id="268" r:id="rId18"/>
+    <p:sldId id="269" r:id="rId19"/>
+    <p:sldId id="270" r:id="rId20"/>
+    <p:sldId id="271" r:id="rId21"/>
+    <p:sldId id="272" r:id="rId22"/>
+    <p:sldId id="273" r:id="rId23"/>
+    <p:sldId id="274" r:id="rId24"/>
+    <p:sldId id="275" r:id="rId25"/>
+    <p:sldId id="276" r:id="rId26"/>
+    <p:sldId id="277" r:id="rId27"/>
+    <p:sldId id="278" r:id="rId28"/>
+    <p:sldId id="279" r:id="rId29"/>
+    <p:sldId id="280" r:id="rId30"/>
+    <p:sldId id="281" r:id="rId31"/>
+    <p:sldId id="282" r:id="rId32"/>
+    <p:sldId id="283" r:id="rId33"/>
   </p:sldIdLst>
   <p:sldSz cy="5143500" cx="9144000"/>
   <p:notesSz cx="6858000" cy="9144000"/>
   <p:embeddedFontLst>
     <p:embeddedFont>
       <p:font typeface="Roboto"/>
-      <p:regular r:id="rId11"/>
-      <p:bold r:id="rId12"/>
-      <p:italic r:id="rId13"/>
-      <p:boldItalic r:id="rId14"/>
+      <p:regular r:id="rId34"/>
+      <p:bold r:id="rId35"/>
+      <p:italic r:id="rId36"/>
+      <p:boldItalic r:id="rId37"/>
     </p:embeddedFont>
     <p:embeddedFont>
       <p:font typeface="Lexend"/>
-      <p:regular r:id="rId15"/>
-      <p:bold r:id="rId16"/>
+      <p:regular r:id="rId38"/>
+      <p:bold r:id="rId39"/>
     </p:embeddedFont>
   </p:embeddedFontLst>
   <p:defaultTextStyle>
@@ -803,6 +826,996 @@
 </p:notes>
 </file>
 
+<file path=ppt/notesSlides/notesSlide10.xml><?xml version="1.0" encoding="utf-8"?>
+<p:notes xmlns:a="http://schemas.openxmlformats.org/drawingml/2006/main" xmlns:r="http://schemas.openxmlformats.org/officeDocument/2006/relationships" xmlns:mc="http://schemas.openxmlformats.org/markup-compatibility/2006" xmlns:mv="urn:schemas-microsoft-com:mac:vml" xmlns:p="http://schemas.openxmlformats.org/presentationml/2006/main" xmlns:c="http://schemas.openxmlformats.org/drawingml/2006/chart" xmlns:dgm="http://schemas.openxmlformats.org/drawingml/2006/diagram" xmlns:o="urn:schemas-microsoft-com:office:office" xmlns:v="urn:schemas-microsoft-com:vml" xmlns:pvml="urn:schemas-microsoft-com:office:powerpoint" xmlns:com="http://schemas.openxmlformats.org/drawingml/2006/compatibility" xmlns:p14="http://schemas.microsoft.com/office/powerpoint/2010/main" xmlns:p15="http://schemas.microsoft.com/office/powerpoint/2012/main" xmlns:ahyp="http://schemas.microsoft.com/office/drawing/2018/hyperlinkcolor" showMasterPhAnim="0" showMasterSp="0">
+  <p:cSld>
+    <p:spTree>
+      <p:nvGrpSpPr>
+        <p:cNvPr id="104" name="Shape 104"/>
+        <p:cNvGrpSpPr/>
+        <p:nvPr/>
+      </p:nvGrpSpPr>
+      <p:grpSpPr>
+        <a:xfrm>
+          <a:off x="0" y="0"/>
+          <a:ext cx="0" cy="0"/>
+          <a:chOff x="0" y="0"/>
+          <a:chExt cx="0" cy="0"/>
+        </a:xfrm>
+      </p:grpSpPr>
+      <p:sp>
+        <p:nvSpPr>
+          <p:cNvPr id="105" name="Google Shape;105;g1ef86a23d8c_0_29:notes"/>
+          <p:cNvSpPr/>
+          <p:nvPr>
+            <p:ph idx="2" type="sldImg"/>
+          </p:nvPr>
+        </p:nvSpPr>
+        <p:spPr>
+          <a:xfrm>
+            <a:off x="381300" y="685800"/>
+            <a:ext cx="6096000" cy="3429000"/>
+          </a:xfrm>
+          <a:custGeom>
+            <a:rect b="b" l="l" r="r" t="t"/>
+            <a:pathLst>
+              <a:path extrusionOk="0" h="120000" w="120000">
+                <a:moveTo>
+                  <a:pt x="0" y="0"/>
+                </a:moveTo>
+                <a:lnTo>
+                  <a:pt x="120000" y="0"/>
+                </a:lnTo>
+                <a:lnTo>
+                  <a:pt x="120000" y="120000"/>
+                </a:lnTo>
+                <a:lnTo>
+                  <a:pt x="0" y="120000"/>
+                </a:lnTo>
+                <a:close/>
+              </a:path>
+            </a:pathLst>
+          </a:custGeom>
+        </p:spPr>
+      </p:sp>
+      <p:sp>
+        <p:nvSpPr>
+          <p:cNvPr id="106" name="Google Shape;106;g1ef86a23d8c_0_29:notes"/>
+          <p:cNvSpPr txBox="1"/>
+          <p:nvPr>
+            <p:ph idx="1" type="body"/>
+          </p:nvPr>
+        </p:nvSpPr>
+        <p:spPr>
+          <a:xfrm>
+            <a:off x="685800" y="4343400"/>
+            <a:ext cx="5486400" cy="4114800"/>
+          </a:xfrm>
+          <a:prstGeom prst="rect">
+            <a:avLst/>
+          </a:prstGeom>
+        </p:spPr>
+        <p:txBody>
+          <a:bodyPr anchorCtr="0" anchor="t" bIns="91425" lIns="91425" spcFirstLastPara="1" rIns="91425" wrap="square" tIns="91425">
+            <a:noAutofit/>
+          </a:bodyPr>
+          <a:lstStyle/>
+          <a:p>
+            <a:pPr indent="0" lvl="0" marL="0" rtl="0" algn="l">
+              <a:spcBef>
+                <a:spcPts val="0"/>
+              </a:spcBef>
+              <a:spcAft>
+                <a:spcPts val="0"/>
+              </a:spcAft>
+              <a:buNone/>
+            </a:pPr>
+            <a:r>
+              <a:t/>
+            </a:r>
+            <a:endParaRPr/>
+          </a:p>
+        </p:txBody>
+      </p:sp>
+    </p:spTree>
+  </p:cSld>
+  <p:clrMapOvr>
+    <a:masterClrMapping/>
+  </p:clrMapOvr>
+</p:notes>
+</file>
+
+<file path=ppt/notesSlides/notesSlide11.xml><?xml version="1.0" encoding="utf-8"?>
+<p:notes xmlns:a="http://schemas.openxmlformats.org/drawingml/2006/main" xmlns:r="http://schemas.openxmlformats.org/officeDocument/2006/relationships" xmlns:mc="http://schemas.openxmlformats.org/markup-compatibility/2006" xmlns:mv="urn:schemas-microsoft-com:mac:vml" xmlns:p="http://schemas.openxmlformats.org/presentationml/2006/main" xmlns:c="http://schemas.openxmlformats.org/drawingml/2006/chart" xmlns:dgm="http://schemas.openxmlformats.org/drawingml/2006/diagram" xmlns:o="urn:schemas-microsoft-com:office:office" xmlns:v="urn:schemas-microsoft-com:vml" xmlns:pvml="urn:schemas-microsoft-com:office:powerpoint" xmlns:com="http://schemas.openxmlformats.org/drawingml/2006/compatibility" xmlns:p14="http://schemas.microsoft.com/office/powerpoint/2010/main" xmlns:p15="http://schemas.microsoft.com/office/powerpoint/2012/main" xmlns:ahyp="http://schemas.microsoft.com/office/drawing/2018/hyperlinkcolor" showMasterPhAnim="0" showMasterSp="0">
+  <p:cSld>
+    <p:spTree>
+      <p:nvGrpSpPr>
+        <p:cNvPr id="110" name="Shape 110"/>
+        <p:cNvGrpSpPr/>
+        <p:nvPr/>
+      </p:nvGrpSpPr>
+      <p:grpSpPr>
+        <a:xfrm>
+          <a:off x="0" y="0"/>
+          <a:ext cx="0" cy="0"/>
+          <a:chOff x="0" y="0"/>
+          <a:chExt cx="0" cy="0"/>
+        </a:xfrm>
+      </p:grpSpPr>
+      <p:sp>
+        <p:nvSpPr>
+          <p:cNvPr id="111" name="Google Shape;111;g1ef86a23d8c_0_24:notes"/>
+          <p:cNvSpPr/>
+          <p:nvPr>
+            <p:ph idx="2" type="sldImg"/>
+          </p:nvPr>
+        </p:nvSpPr>
+        <p:spPr>
+          <a:xfrm>
+            <a:off x="381300" y="685800"/>
+            <a:ext cx="6096000" cy="3429000"/>
+          </a:xfrm>
+          <a:custGeom>
+            <a:rect b="b" l="l" r="r" t="t"/>
+            <a:pathLst>
+              <a:path extrusionOk="0" h="120000" w="120000">
+                <a:moveTo>
+                  <a:pt x="0" y="0"/>
+                </a:moveTo>
+                <a:lnTo>
+                  <a:pt x="120000" y="0"/>
+                </a:lnTo>
+                <a:lnTo>
+                  <a:pt x="120000" y="120000"/>
+                </a:lnTo>
+                <a:lnTo>
+                  <a:pt x="0" y="120000"/>
+                </a:lnTo>
+                <a:close/>
+              </a:path>
+            </a:pathLst>
+          </a:custGeom>
+        </p:spPr>
+      </p:sp>
+      <p:sp>
+        <p:nvSpPr>
+          <p:cNvPr id="112" name="Google Shape;112;g1ef86a23d8c_0_24:notes"/>
+          <p:cNvSpPr txBox="1"/>
+          <p:nvPr>
+            <p:ph idx="1" type="body"/>
+          </p:nvPr>
+        </p:nvSpPr>
+        <p:spPr>
+          <a:xfrm>
+            <a:off x="685800" y="4343400"/>
+            <a:ext cx="5486400" cy="4114800"/>
+          </a:xfrm>
+          <a:prstGeom prst="rect">
+            <a:avLst/>
+          </a:prstGeom>
+        </p:spPr>
+        <p:txBody>
+          <a:bodyPr anchorCtr="0" anchor="t" bIns="91425" lIns="91425" spcFirstLastPara="1" rIns="91425" wrap="square" tIns="91425">
+            <a:noAutofit/>
+          </a:bodyPr>
+          <a:lstStyle/>
+          <a:p>
+            <a:pPr indent="0" lvl="0" marL="0" rtl="0" algn="l">
+              <a:spcBef>
+                <a:spcPts val="0"/>
+              </a:spcBef>
+              <a:spcAft>
+                <a:spcPts val="0"/>
+              </a:spcAft>
+              <a:buNone/>
+            </a:pPr>
+            <a:r>
+              <a:t/>
+            </a:r>
+            <a:endParaRPr/>
+          </a:p>
+        </p:txBody>
+      </p:sp>
+    </p:spTree>
+  </p:cSld>
+  <p:clrMapOvr>
+    <a:masterClrMapping/>
+  </p:clrMapOvr>
+</p:notes>
+</file>
+
+<file path=ppt/notesSlides/notesSlide12.xml><?xml version="1.0" encoding="utf-8"?>
+<p:notes xmlns:a="http://schemas.openxmlformats.org/drawingml/2006/main" xmlns:r="http://schemas.openxmlformats.org/officeDocument/2006/relationships" xmlns:mc="http://schemas.openxmlformats.org/markup-compatibility/2006" xmlns:mv="urn:schemas-microsoft-com:mac:vml" xmlns:p="http://schemas.openxmlformats.org/presentationml/2006/main" xmlns:c="http://schemas.openxmlformats.org/drawingml/2006/chart" xmlns:dgm="http://schemas.openxmlformats.org/drawingml/2006/diagram" xmlns:o="urn:schemas-microsoft-com:office:office" xmlns:v="urn:schemas-microsoft-com:vml" xmlns:pvml="urn:schemas-microsoft-com:office:powerpoint" xmlns:com="http://schemas.openxmlformats.org/drawingml/2006/compatibility" xmlns:p14="http://schemas.microsoft.com/office/powerpoint/2010/main" xmlns:p15="http://schemas.microsoft.com/office/powerpoint/2012/main" xmlns:ahyp="http://schemas.microsoft.com/office/drawing/2018/hyperlinkcolor" showMasterPhAnim="0" showMasterSp="0">
+  <p:cSld>
+    <p:spTree>
+      <p:nvGrpSpPr>
+        <p:cNvPr id="116" name="Shape 116"/>
+        <p:cNvGrpSpPr/>
+        <p:nvPr/>
+      </p:nvGrpSpPr>
+      <p:grpSpPr>
+        <a:xfrm>
+          <a:off x="0" y="0"/>
+          <a:ext cx="0" cy="0"/>
+          <a:chOff x="0" y="0"/>
+          <a:chExt cx="0" cy="0"/>
+        </a:xfrm>
+      </p:grpSpPr>
+      <p:sp>
+        <p:nvSpPr>
+          <p:cNvPr id="117" name="Google Shape;117;g1ef86a23d8c_0_75:notes"/>
+          <p:cNvSpPr/>
+          <p:nvPr>
+            <p:ph idx="2" type="sldImg"/>
+          </p:nvPr>
+        </p:nvSpPr>
+        <p:spPr>
+          <a:xfrm>
+            <a:off x="381300" y="685800"/>
+            <a:ext cx="6096000" cy="3429000"/>
+          </a:xfrm>
+          <a:custGeom>
+            <a:rect b="b" l="l" r="r" t="t"/>
+            <a:pathLst>
+              <a:path extrusionOk="0" h="120000" w="120000">
+                <a:moveTo>
+                  <a:pt x="0" y="0"/>
+                </a:moveTo>
+                <a:lnTo>
+                  <a:pt x="120000" y="0"/>
+                </a:lnTo>
+                <a:lnTo>
+                  <a:pt x="120000" y="120000"/>
+                </a:lnTo>
+                <a:lnTo>
+                  <a:pt x="0" y="120000"/>
+                </a:lnTo>
+                <a:close/>
+              </a:path>
+            </a:pathLst>
+          </a:custGeom>
+        </p:spPr>
+      </p:sp>
+      <p:sp>
+        <p:nvSpPr>
+          <p:cNvPr id="118" name="Google Shape;118;g1ef86a23d8c_0_75:notes"/>
+          <p:cNvSpPr txBox="1"/>
+          <p:nvPr>
+            <p:ph idx="1" type="body"/>
+          </p:nvPr>
+        </p:nvSpPr>
+        <p:spPr>
+          <a:xfrm>
+            <a:off x="685800" y="4343400"/>
+            <a:ext cx="5486400" cy="4114800"/>
+          </a:xfrm>
+          <a:prstGeom prst="rect">
+            <a:avLst/>
+          </a:prstGeom>
+        </p:spPr>
+        <p:txBody>
+          <a:bodyPr anchorCtr="0" anchor="t" bIns="91425" lIns="91425" spcFirstLastPara="1" rIns="91425" wrap="square" tIns="91425">
+            <a:noAutofit/>
+          </a:bodyPr>
+          <a:lstStyle/>
+          <a:p>
+            <a:pPr indent="0" lvl="0" marL="0" rtl="0" algn="l">
+              <a:spcBef>
+                <a:spcPts val="0"/>
+              </a:spcBef>
+              <a:spcAft>
+                <a:spcPts val="0"/>
+              </a:spcAft>
+              <a:buNone/>
+            </a:pPr>
+            <a:r>
+              <a:t/>
+            </a:r>
+            <a:endParaRPr/>
+          </a:p>
+        </p:txBody>
+      </p:sp>
+    </p:spTree>
+  </p:cSld>
+  <p:clrMapOvr>
+    <a:masterClrMapping/>
+  </p:clrMapOvr>
+</p:notes>
+</file>
+
+<file path=ppt/notesSlides/notesSlide13.xml><?xml version="1.0" encoding="utf-8"?>
+<p:notes xmlns:a="http://schemas.openxmlformats.org/drawingml/2006/main" xmlns:r="http://schemas.openxmlformats.org/officeDocument/2006/relationships" xmlns:mc="http://schemas.openxmlformats.org/markup-compatibility/2006" xmlns:mv="urn:schemas-microsoft-com:mac:vml" xmlns:p="http://schemas.openxmlformats.org/presentationml/2006/main" xmlns:c="http://schemas.openxmlformats.org/drawingml/2006/chart" xmlns:dgm="http://schemas.openxmlformats.org/drawingml/2006/diagram" xmlns:o="urn:schemas-microsoft-com:office:office" xmlns:v="urn:schemas-microsoft-com:vml" xmlns:pvml="urn:schemas-microsoft-com:office:powerpoint" xmlns:com="http://schemas.openxmlformats.org/drawingml/2006/compatibility" xmlns:p14="http://schemas.microsoft.com/office/powerpoint/2010/main" xmlns:p15="http://schemas.microsoft.com/office/powerpoint/2012/main" xmlns:ahyp="http://schemas.microsoft.com/office/drawing/2018/hyperlinkcolor" showMasterPhAnim="0" showMasterSp="0">
+  <p:cSld>
+    <p:spTree>
+      <p:nvGrpSpPr>
+        <p:cNvPr id="121" name="Shape 121"/>
+        <p:cNvGrpSpPr/>
+        <p:nvPr/>
+      </p:nvGrpSpPr>
+      <p:grpSpPr>
+        <a:xfrm>
+          <a:off x="0" y="0"/>
+          <a:ext cx="0" cy="0"/>
+          <a:chOff x="0" y="0"/>
+          <a:chExt cx="0" cy="0"/>
+        </a:xfrm>
+      </p:grpSpPr>
+      <p:sp>
+        <p:nvSpPr>
+          <p:cNvPr id="122" name="Google Shape;122;g1ef86a23d8c_0_35:notes"/>
+          <p:cNvSpPr/>
+          <p:nvPr>
+            <p:ph idx="2" type="sldImg"/>
+          </p:nvPr>
+        </p:nvSpPr>
+        <p:spPr>
+          <a:xfrm>
+            <a:off x="381300" y="685800"/>
+            <a:ext cx="6096000" cy="3429000"/>
+          </a:xfrm>
+          <a:custGeom>
+            <a:rect b="b" l="l" r="r" t="t"/>
+            <a:pathLst>
+              <a:path extrusionOk="0" h="120000" w="120000">
+                <a:moveTo>
+                  <a:pt x="0" y="0"/>
+                </a:moveTo>
+                <a:lnTo>
+                  <a:pt x="120000" y="0"/>
+                </a:lnTo>
+                <a:lnTo>
+                  <a:pt x="120000" y="120000"/>
+                </a:lnTo>
+                <a:lnTo>
+                  <a:pt x="0" y="120000"/>
+                </a:lnTo>
+                <a:close/>
+              </a:path>
+            </a:pathLst>
+          </a:custGeom>
+        </p:spPr>
+      </p:sp>
+      <p:sp>
+        <p:nvSpPr>
+          <p:cNvPr id="123" name="Google Shape;123;g1ef86a23d8c_0_35:notes"/>
+          <p:cNvSpPr txBox="1"/>
+          <p:nvPr>
+            <p:ph idx="1" type="body"/>
+          </p:nvPr>
+        </p:nvSpPr>
+        <p:spPr>
+          <a:xfrm>
+            <a:off x="685800" y="4343400"/>
+            <a:ext cx="5486400" cy="4114800"/>
+          </a:xfrm>
+          <a:prstGeom prst="rect">
+            <a:avLst/>
+          </a:prstGeom>
+        </p:spPr>
+        <p:txBody>
+          <a:bodyPr anchorCtr="0" anchor="t" bIns="91425" lIns="91425" spcFirstLastPara="1" rIns="91425" wrap="square" tIns="91425">
+            <a:noAutofit/>
+          </a:bodyPr>
+          <a:lstStyle/>
+          <a:p>
+            <a:pPr indent="0" lvl="0" marL="0" rtl="0" algn="l">
+              <a:spcBef>
+                <a:spcPts val="0"/>
+              </a:spcBef>
+              <a:spcAft>
+                <a:spcPts val="0"/>
+              </a:spcAft>
+              <a:buNone/>
+            </a:pPr>
+            <a:r>
+              <a:t/>
+            </a:r>
+            <a:endParaRPr/>
+          </a:p>
+        </p:txBody>
+      </p:sp>
+    </p:spTree>
+  </p:cSld>
+  <p:clrMapOvr>
+    <a:masterClrMapping/>
+  </p:clrMapOvr>
+</p:notes>
+</file>
+
+<file path=ppt/notesSlides/notesSlide14.xml><?xml version="1.0" encoding="utf-8"?>
+<p:notes xmlns:a="http://schemas.openxmlformats.org/drawingml/2006/main" xmlns:r="http://schemas.openxmlformats.org/officeDocument/2006/relationships" xmlns:mc="http://schemas.openxmlformats.org/markup-compatibility/2006" xmlns:mv="urn:schemas-microsoft-com:mac:vml" xmlns:p="http://schemas.openxmlformats.org/presentationml/2006/main" xmlns:c="http://schemas.openxmlformats.org/drawingml/2006/chart" xmlns:dgm="http://schemas.openxmlformats.org/drawingml/2006/diagram" xmlns:o="urn:schemas-microsoft-com:office:office" xmlns:v="urn:schemas-microsoft-com:vml" xmlns:pvml="urn:schemas-microsoft-com:office:powerpoint" xmlns:com="http://schemas.openxmlformats.org/drawingml/2006/compatibility" xmlns:p14="http://schemas.microsoft.com/office/powerpoint/2010/main" xmlns:p15="http://schemas.microsoft.com/office/powerpoint/2012/main" xmlns:ahyp="http://schemas.microsoft.com/office/drawing/2018/hyperlinkcolor" showMasterPhAnim="0" showMasterSp="0">
+  <p:cSld>
+    <p:spTree>
+      <p:nvGrpSpPr>
+        <p:cNvPr id="127" name="Shape 127"/>
+        <p:cNvGrpSpPr/>
+        <p:nvPr/>
+      </p:nvGrpSpPr>
+      <p:grpSpPr>
+        <a:xfrm>
+          <a:off x="0" y="0"/>
+          <a:ext cx="0" cy="0"/>
+          <a:chOff x="0" y="0"/>
+          <a:chExt cx="0" cy="0"/>
+        </a:xfrm>
+      </p:grpSpPr>
+      <p:sp>
+        <p:nvSpPr>
+          <p:cNvPr id="128" name="Google Shape;128;g1ef86a23d8c_0_40:notes"/>
+          <p:cNvSpPr/>
+          <p:nvPr>
+            <p:ph idx="2" type="sldImg"/>
+          </p:nvPr>
+        </p:nvSpPr>
+        <p:spPr>
+          <a:xfrm>
+            <a:off x="381300" y="685800"/>
+            <a:ext cx="6096000" cy="3429000"/>
+          </a:xfrm>
+          <a:custGeom>
+            <a:rect b="b" l="l" r="r" t="t"/>
+            <a:pathLst>
+              <a:path extrusionOk="0" h="120000" w="120000">
+                <a:moveTo>
+                  <a:pt x="0" y="0"/>
+                </a:moveTo>
+                <a:lnTo>
+                  <a:pt x="120000" y="0"/>
+                </a:lnTo>
+                <a:lnTo>
+                  <a:pt x="120000" y="120000"/>
+                </a:lnTo>
+                <a:lnTo>
+                  <a:pt x="0" y="120000"/>
+                </a:lnTo>
+                <a:close/>
+              </a:path>
+            </a:pathLst>
+          </a:custGeom>
+        </p:spPr>
+      </p:sp>
+      <p:sp>
+        <p:nvSpPr>
+          <p:cNvPr id="129" name="Google Shape;129;g1ef86a23d8c_0_40:notes"/>
+          <p:cNvSpPr txBox="1"/>
+          <p:nvPr>
+            <p:ph idx="1" type="body"/>
+          </p:nvPr>
+        </p:nvSpPr>
+        <p:spPr>
+          <a:xfrm>
+            <a:off x="685800" y="4343400"/>
+            <a:ext cx="5486400" cy="4114800"/>
+          </a:xfrm>
+          <a:prstGeom prst="rect">
+            <a:avLst/>
+          </a:prstGeom>
+        </p:spPr>
+        <p:txBody>
+          <a:bodyPr anchorCtr="0" anchor="t" bIns="91425" lIns="91425" spcFirstLastPara="1" rIns="91425" wrap="square" tIns="91425">
+            <a:noAutofit/>
+          </a:bodyPr>
+          <a:lstStyle/>
+          <a:p>
+            <a:pPr indent="0" lvl="0" marL="0" rtl="0" algn="l">
+              <a:spcBef>
+                <a:spcPts val="0"/>
+              </a:spcBef>
+              <a:spcAft>
+                <a:spcPts val="0"/>
+              </a:spcAft>
+              <a:buNone/>
+            </a:pPr>
+            <a:r>
+              <a:t/>
+            </a:r>
+            <a:endParaRPr/>
+          </a:p>
+        </p:txBody>
+      </p:sp>
+    </p:spTree>
+  </p:cSld>
+  <p:clrMapOvr>
+    <a:masterClrMapping/>
+  </p:clrMapOvr>
+</p:notes>
+</file>
+
+<file path=ppt/notesSlides/notesSlide15.xml><?xml version="1.0" encoding="utf-8"?>
+<p:notes xmlns:a="http://schemas.openxmlformats.org/drawingml/2006/main" xmlns:r="http://schemas.openxmlformats.org/officeDocument/2006/relationships" xmlns:mc="http://schemas.openxmlformats.org/markup-compatibility/2006" xmlns:mv="urn:schemas-microsoft-com:mac:vml" xmlns:p="http://schemas.openxmlformats.org/presentationml/2006/main" xmlns:c="http://schemas.openxmlformats.org/drawingml/2006/chart" xmlns:dgm="http://schemas.openxmlformats.org/drawingml/2006/diagram" xmlns:o="urn:schemas-microsoft-com:office:office" xmlns:v="urn:schemas-microsoft-com:vml" xmlns:pvml="urn:schemas-microsoft-com:office:powerpoint" xmlns:com="http://schemas.openxmlformats.org/drawingml/2006/compatibility" xmlns:p14="http://schemas.microsoft.com/office/powerpoint/2010/main" xmlns:p15="http://schemas.microsoft.com/office/powerpoint/2012/main" xmlns:ahyp="http://schemas.microsoft.com/office/drawing/2018/hyperlinkcolor" showMasterPhAnim="0" showMasterSp="0">
+  <p:cSld>
+    <p:spTree>
+      <p:nvGrpSpPr>
+        <p:cNvPr id="133" name="Shape 133"/>
+        <p:cNvGrpSpPr/>
+        <p:nvPr/>
+      </p:nvGrpSpPr>
+      <p:grpSpPr>
+        <a:xfrm>
+          <a:off x="0" y="0"/>
+          <a:ext cx="0" cy="0"/>
+          <a:chOff x="0" y="0"/>
+          <a:chExt cx="0" cy="0"/>
+        </a:xfrm>
+      </p:grpSpPr>
+      <p:sp>
+        <p:nvSpPr>
+          <p:cNvPr id="134" name="Google Shape;134;g1ef86a23d8c_0_49:notes"/>
+          <p:cNvSpPr/>
+          <p:nvPr>
+            <p:ph idx="2" type="sldImg"/>
+          </p:nvPr>
+        </p:nvSpPr>
+        <p:spPr>
+          <a:xfrm>
+            <a:off x="381300" y="685800"/>
+            <a:ext cx="6096000" cy="3429000"/>
+          </a:xfrm>
+          <a:custGeom>
+            <a:rect b="b" l="l" r="r" t="t"/>
+            <a:pathLst>
+              <a:path extrusionOk="0" h="120000" w="120000">
+                <a:moveTo>
+                  <a:pt x="0" y="0"/>
+                </a:moveTo>
+                <a:lnTo>
+                  <a:pt x="120000" y="0"/>
+                </a:lnTo>
+                <a:lnTo>
+                  <a:pt x="120000" y="120000"/>
+                </a:lnTo>
+                <a:lnTo>
+                  <a:pt x="0" y="120000"/>
+                </a:lnTo>
+                <a:close/>
+              </a:path>
+            </a:pathLst>
+          </a:custGeom>
+        </p:spPr>
+      </p:sp>
+      <p:sp>
+        <p:nvSpPr>
+          <p:cNvPr id="135" name="Google Shape;135;g1ef86a23d8c_0_49:notes"/>
+          <p:cNvSpPr txBox="1"/>
+          <p:nvPr>
+            <p:ph idx="1" type="body"/>
+          </p:nvPr>
+        </p:nvSpPr>
+        <p:spPr>
+          <a:xfrm>
+            <a:off x="685800" y="4343400"/>
+            <a:ext cx="5486400" cy="4114800"/>
+          </a:xfrm>
+          <a:prstGeom prst="rect">
+            <a:avLst/>
+          </a:prstGeom>
+        </p:spPr>
+        <p:txBody>
+          <a:bodyPr anchorCtr="0" anchor="t" bIns="91425" lIns="91425" spcFirstLastPara="1" rIns="91425" wrap="square" tIns="91425">
+            <a:noAutofit/>
+          </a:bodyPr>
+          <a:lstStyle/>
+          <a:p>
+            <a:pPr indent="0" lvl="0" marL="0" rtl="0" algn="l">
+              <a:spcBef>
+                <a:spcPts val="0"/>
+              </a:spcBef>
+              <a:spcAft>
+                <a:spcPts val="0"/>
+              </a:spcAft>
+              <a:buNone/>
+            </a:pPr>
+            <a:r>
+              <a:t/>
+            </a:r>
+            <a:endParaRPr/>
+          </a:p>
+        </p:txBody>
+      </p:sp>
+    </p:spTree>
+  </p:cSld>
+  <p:clrMapOvr>
+    <a:masterClrMapping/>
+  </p:clrMapOvr>
+</p:notes>
+</file>
+
+<file path=ppt/notesSlides/notesSlide16.xml><?xml version="1.0" encoding="utf-8"?>
+<p:notes xmlns:a="http://schemas.openxmlformats.org/drawingml/2006/main" xmlns:r="http://schemas.openxmlformats.org/officeDocument/2006/relationships" xmlns:mc="http://schemas.openxmlformats.org/markup-compatibility/2006" xmlns:mv="urn:schemas-microsoft-com:mac:vml" xmlns:p="http://schemas.openxmlformats.org/presentationml/2006/main" xmlns:c="http://schemas.openxmlformats.org/drawingml/2006/chart" xmlns:dgm="http://schemas.openxmlformats.org/drawingml/2006/diagram" xmlns:o="urn:schemas-microsoft-com:office:office" xmlns:v="urn:schemas-microsoft-com:vml" xmlns:pvml="urn:schemas-microsoft-com:office:powerpoint" xmlns:com="http://schemas.openxmlformats.org/drawingml/2006/compatibility" xmlns:p14="http://schemas.microsoft.com/office/powerpoint/2010/main" xmlns:p15="http://schemas.microsoft.com/office/powerpoint/2012/main" xmlns:ahyp="http://schemas.microsoft.com/office/drawing/2018/hyperlinkcolor" showMasterPhAnim="0" showMasterSp="0">
+  <p:cSld>
+    <p:spTree>
+      <p:nvGrpSpPr>
+        <p:cNvPr id="139" name="Shape 139"/>
+        <p:cNvGrpSpPr/>
+        <p:nvPr/>
+      </p:nvGrpSpPr>
+      <p:grpSpPr>
+        <a:xfrm>
+          <a:off x="0" y="0"/>
+          <a:ext cx="0" cy="0"/>
+          <a:chOff x="0" y="0"/>
+          <a:chExt cx="0" cy="0"/>
+        </a:xfrm>
+      </p:grpSpPr>
+      <p:sp>
+        <p:nvSpPr>
+          <p:cNvPr id="140" name="Google Shape;140;g1ef86a23d8c_0_54:notes"/>
+          <p:cNvSpPr/>
+          <p:nvPr>
+            <p:ph idx="2" type="sldImg"/>
+          </p:nvPr>
+        </p:nvSpPr>
+        <p:spPr>
+          <a:xfrm>
+            <a:off x="381300" y="685800"/>
+            <a:ext cx="6096000" cy="3429000"/>
+          </a:xfrm>
+          <a:custGeom>
+            <a:rect b="b" l="l" r="r" t="t"/>
+            <a:pathLst>
+              <a:path extrusionOk="0" h="120000" w="120000">
+                <a:moveTo>
+                  <a:pt x="0" y="0"/>
+                </a:moveTo>
+                <a:lnTo>
+                  <a:pt x="120000" y="0"/>
+                </a:lnTo>
+                <a:lnTo>
+                  <a:pt x="120000" y="120000"/>
+                </a:lnTo>
+                <a:lnTo>
+                  <a:pt x="0" y="120000"/>
+                </a:lnTo>
+                <a:close/>
+              </a:path>
+            </a:pathLst>
+          </a:custGeom>
+        </p:spPr>
+      </p:sp>
+      <p:sp>
+        <p:nvSpPr>
+          <p:cNvPr id="141" name="Google Shape;141;g1ef86a23d8c_0_54:notes"/>
+          <p:cNvSpPr txBox="1"/>
+          <p:nvPr>
+            <p:ph idx="1" type="body"/>
+          </p:nvPr>
+        </p:nvSpPr>
+        <p:spPr>
+          <a:xfrm>
+            <a:off x="685800" y="4343400"/>
+            <a:ext cx="5486400" cy="4114800"/>
+          </a:xfrm>
+          <a:prstGeom prst="rect">
+            <a:avLst/>
+          </a:prstGeom>
+        </p:spPr>
+        <p:txBody>
+          <a:bodyPr anchorCtr="0" anchor="t" bIns="91425" lIns="91425" spcFirstLastPara="1" rIns="91425" wrap="square" tIns="91425">
+            <a:noAutofit/>
+          </a:bodyPr>
+          <a:lstStyle/>
+          <a:p>
+            <a:pPr indent="0" lvl="0" marL="0" rtl="0" algn="l">
+              <a:spcBef>
+                <a:spcPts val="0"/>
+              </a:spcBef>
+              <a:spcAft>
+                <a:spcPts val="0"/>
+              </a:spcAft>
+              <a:buNone/>
+            </a:pPr>
+            <a:r>
+              <a:t/>
+            </a:r>
+            <a:endParaRPr/>
+          </a:p>
+        </p:txBody>
+      </p:sp>
+    </p:spTree>
+  </p:cSld>
+  <p:clrMapOvr>
+    <a:masterClrMapping/>
+  </p:clrMapOvr>
+</p:notes>
+</file>
+
+<file path=ppt/notesSlides/notesSlide17.xml><?xml version="1.0" encoding="utf-8"?>
+<p:notes xmlns:a="http://schemas.openxmlformats.org/drawingml/2006/main" xmlns:r="http://schemas.openxmlformats.org/officeDocument/2006/relationships" xmlns:mc="http://schemas.openxmlformats.org/markup-compatibility/2006" xmlns:mv="urn:schemas-microsoft-com:mac:vml" xmlns:p="http://schemas.openxmlformats.org/presentationml/2006/main" xmlns:c="http://schemas.openxmlformats.org/drawingml/2006/chart" xmlns:dgm="http://schemas.openxmlformats.org/drawingml/2006/diagram" xmlns:o="urn:schemas-microsoft-com:office:office" xmlns:v="urn:schemas-microsoft-com:vml" xmlns:pvml="urn:schemas-microsoft-com:office:powerpoint" xmlns:com="http://schemas.openxmlformats.org/drawingml/2006/compatibility" xmlns:p14="http://schemas.microsoft.com/office/powerpoint/2010/main" xmlns:p15="http://schemas.microsoft.com/office/powerpoint/2012/main" xmlns:ahyp="http://schemas.microsoft.com/office/drawing/2018/hyperlinkcolor" showMasterPhAnim="0" showMasterSp="0">
+  <p:cSld>
+    <p:spTree>
+      <p:nvGrpSpPr>
+        <p:cNvPr id="145" name="Shape 145"/>
+        <p:cNvGrpSpPr/>
+        <p:nvPr/>
+      </p:nvGrpSpPr>
+      <p:grpSpPr>
+        <a:xfrm>
+          <a:off x="0" y="0"/>
+          <a:ext cx="0" cy="0"/>
+          <a:chOff x="0" y="0"/>
+          <a:chExt cx="0" cy="0"/>
+        </a:xfrm>
+      </p:grpSpPr>
+      <p:sp>
+        <p:nvSpPr>
+          <p:cNvPr id="146" name="Google Shape;146;g1ef86a23d8c_0_60:notes"/>
+          <p:cNvSpPr/>
+          <p:nvPr>
+            <p:ph idx="2" type="sldImg"/>
+          </p:nvPr>
+        </p:nvSpPr>
+        <p:spPr>
+          <a:xfrm>
+            <a:off x="381300" y="685800"/>
+            <a:ext cx="6096000" cy="3429000"/>
+          </a:xfrm>
+          <a:custGeom>
+            <a:rect b="b" l="l" r="r" t="t"/>
+            <a:pathLst>
+              <a:path extrusionOk="0" h="120000" w="120000">
+                <a:moveTo>
+                  <a:pt x="0" y="0"/>
+                </a:moveTo>
+                <a:lnTo>
+                  <a:pt x="120000" y="0"/>
+                </a:lnTo>
+                <a:lnTo>
+                  <a:pt x="120000" y="120000"/>
+                </a:lnTo>
+                <a:lnTo>
+                  <a:pt x="0" y="120000"/>
+                </a:lnTo>
+                <a:close/>
+              </a:path>
+            </a:pathLst>
+          </a:custGeom>
+        </p:spPr>
+      </p:sp>
+      <p:sp>
+        <p:nvSpPr>
+          <p:cNvPr id="147" name="Google Shape;147;g1ef86a23d8c_0_60:notes"/>
+          <p:cNvSpPr txBox="1"/>
+          <p:nvPr>
+            <p:ph idx="1" type="body"/>
+          </p:nvPr>
+        </p:nvSpPr>
+        <p:spPr>
+          <a:xfrm>
+            <a:off x="685800" y="4343400"/>
+            <a:ext cx="5486400" cy="4114800"/>
+          </a:xfrm>
+          <a:prstGeom prst="rect">
+            <a:avLst/>
+          </a:prstGeom>
+        </p:spPr>
+        <p:txBody>
+          <a:bodyPr anchorCtr="0" anchor="t" bIns="91425" lIns="91425" spcFirstLastPara="1" rIns="91425" wrap="square" tIns="91425">
+            <a:noAutofit/>
+          </a:bodyPr>
+          <a:lstStyle/>
+          <a:p>
+            <a:pPr indent="0" lvl="0" marL="0" rtl="0" algn="l">
+              <a:spcBef>
+                <a:spcPts val="0"/>
+              </a:spcBef>
+              <a:spcAft>
+                <a:spcPts val="0"/>
+              </a:spcAft>
+              <a:buNone/>
+            </a:pPr>
+            <a:r>
+              <a:t/>
+            </a:r>
+            <a:endParaRPr/>
+          </a:p>
+        </p:txBody>
+      </p:sp>
+    </p:spTree>
+  </p:cSld>
+  <p:clrMapOvr>
+    <a:masterClrMapping/>
+  </p:clrMapOvr>
+</p:notes>
+</file>
+
+<file path=ppt/notesSlides/notesSlide18.xml><?xml version="1.0" encoding="utf-8"?>
+<p:notes xmlns:a="http://schemas.openxmlformats.org/drawingml/2006/main" xmlns:r="http://schemas.openxmlformats.org/officeDocument/2006/relationships" xmlns:mc="http://schemas.openxmlformats.org/markup-compatibility/2006" xmlns:mv="urn:schemas-microsoft-com:mac:vml" xmlns:p="http://schemas.openxmlformats.org/presentationml/2006/main" xmlns:c="http://schemas.openxmlformats.org/drawingml/2006/chart" xmlns:dgm="http://schemas.openxmlformats.org/drawingml/2006/diagram" xmlns:o="urn:schemas-microsoft-com:office:office" xmlns:v="urn:schemas-microsoft-com:vml" xmlns:pvml="urn:schemas-microsoft-com:office:powerpoint" xmlns:com="http://schemas.openxmlformats.org/drawingml/2006/compatibility" xmlns:p14="http://schemas.microsoft.com/office/powerpoint/2010/main" xmlns:p15="http://schemas.microsoft.com/office/powerpoint/2012/main" xmlns:ahyp="http://schemas.microsoft.com/office/drawing/2018/hyperlinkcolor" showMasterPhAnim="0" showMasterSp="0">
+  <p:cSld>
+    <p:spTree>
+      <p:nvGrpSpPr>
+        <p:cNvPr id="151" name="Shape 151"/>
+        <p:cNvGrpSpPr/>
+        <p:nvPr/>
+      </p:nvGrpSpPr>
+      <p:grpSpPr>
+        <a:xfrm>
+          <a:off x="0" y="0"/>
+          <a:ext cx="0" cy="0"/>
+          <a:chOff x="0" y="0"/>
+          <a:chExt cx="0" cy="0"/>
+        </a:xfrm>
+      </p:grpSpPr>
+      <p:sp>
+        <p:nvSpPr>
+          <p:cNvPr id="152" name="Google Shape;152;g1ef86a23d8c_0_65:notes"/>
+          <p:cNvSpPr/>
+          <p:nvPr>
+            <p:ph idx="2" type="sldImg"/>
+          </p:nvPr>
+        </p:nvSpPr>
+        <p:spPr>
+          <a:xfrm>
+            <a:off x="381300" y="685800"/>
+            <a:ext cx="6096000" cy="3429000"/>
+          </a:xfrm>
+          <a:custGeom>
+            <a:rect b="b" l="l" r="r" t="t"/>
+            <a:pathLst>
+              <a:path extrusionOk="0" h="120000" w="120000">
+                <a:moveTo>
+                  <a:pt x="0" y="0"/>
+                </a:moveTo>
+                <a:lnTo>
+                  <a:pt x="120000" y="0"/>
+                </a:lnTo>
+                <a:lnTo>
+                  <a:pt x="120000" y="120000"/>
+                </a:lnTo>
+                <a:lnTo>
+                  <a:pt x="0" y="120000"/>
+                </a:lnTo>
+                <a:close/>
+              </a:path>
+            </a:pathLst>
+          </a:custGeom>
+        </p:spPr>
+      </p:sp>
+      <p:sp>
+        <p:nvSpPr>
+          <p:cNvPr id="153" name="Google Shape;153;g1ef86a23d8c_0_65:notes"/>
+          <p:cNvSpPr txBox="1"/>
+          <p:nvPr>
+            <p:ph idx="1" type="body"/>
+          </p:nvPr>
+        </p:nvSpPr>
+        <p:spPr>
+          <a:xfrm>
+            <a:off x="685800" y="4343400"/>
+            <a:ext cx="5486400" cy="4114800"/>
+          </a:xfrm>
+          <a:prstGeom prst="rect">
+            <a:avLst/>
+          </a:prstGeom>
+        </p:spPr>
+        <p:txBody>
+          <a:bodyPr anchorCtr="0" anchor="t" bIns="91425" lIns="91425" spcFirstLastPara="1" rIns="91425" wrap="square" tIns="91425">
+            <a:noAutofit/>
+          </a:bodyPr>
+          <a:lstStyle/>
+          <a:p>
+            <a:pPr indent="0" lvl="0" marL="0" rtl="0" algn="l">
+              <a:spcBef>
+                <a:spcPts val="0"/>
+              </a:spcBef>
+              <a:spcAft>
+                <a:spcPts val="0"/>
+              </a:spcAft>
+              <a:buNone/>
+            </a:pPr>
+            <a:r>
+              <a:t/>
+            </a:r>
+            <a:endParaRPr/>
+          </a:p>
+        </p:txBody>
+      </p:sp>
+    </p:spTree>
+  </p:cSld>
+  <p:clrMapOvr>
+    <a:masterClrMapping/>
+  </p:clrMapOvr>
+</p:notes>
+</file>
+
+<file path=ppt/notesSlides/notesSlide19.xml><?xml version="1.0" encoding="utf-8"?>
+<p:notes xmlns:a="http://schemas.openxmlformats.org/drawingml/2006/main" xmlns:r="http://schemas.openxmlformats.org/officeDocument/2006/relationships" xmlns:mc="http://schemas.openxmlformats.org/markup-compatibility/2006" xmlns:mv="urn:schemas-microsoft-com:mac:vml" xmlns:p="http://schemas.openxmlformats.org/presentationml/2006/main" xmlns:c="http://schemas.openxmlformats.org/drawingml/2006/chart" xmlns:dgm="http://schemas.openxmlformats.org/drawingml/2006/diagram" xmlns:o="urn:schemas-microsoft-com:office:office" xmlns:v="urn:schemas-microsoft-com:vml" xmlns:pvml="urn:schemas-microsoft-com:office:powerpoint" xmlns:com="http://schemas.openxmlformats.org/drawingml/2006/compatibility" xmlns:p14="http://schemas.microsoft.com/office/powerpoint/2010/main" xmlns:p15="http://schemas.microsoft.com/office/powerpoint/2012/main" xmlns:ahyp="http://schemas.microsoft.com/office/drawing/2018/hyperlinkcolor" showMasterPhAnim="0" showMasterSp="0">
+  <p:cSld>
+    <p:spTree>
+      <p:nvGrpSpPr>
+        <p:cNvPr id="156" name="Shape 156"/>
+        <p:cNvGrpSpPr/>
+        <p:nvPr/>
+      </p:nvGrpSpPr>
+      <p:grpSpPr>
+        <a:xfrm>
+          <a:off x="0" y="0"/>
+          <a:ext cx="0" cy="0"/>
+          <a:chOff x="0" y="0"/>
+          <a:chExt cx="0" cy="0"/>
+        </a:xfrm>
+      </p:grpSpPr>
+      <p:sp>
+        <p:nvSpPr>
+          <p:cNvPr id="157" name="Google Shape;157;g1ef86a23d8c_0_82:notes"/>
+          <p:cNvSpPr/>
+          <p:nvPr>
+            <p:ph idx="2" type="sldImg"/>
+          </p:nvPr>
+        </p:nvSpPr>
+        <p:spPr>
+          <a:xfrm>
+            <a:off x="381300" y="685800"/>
+            <a:ext cx="6096000" cy="3429000"/>
+          </a:xfrm>
+          <a:custGeom>
+            <a:rect b="b" l="l" r="r" t="t"/>
+            <a:pathLst>
+              <a:path extrusionOk="0" h="120000" w="120000">
+                <a:moveTo>
+                  <a:pt x="0" y="0"/>
+                </a:moveTo>
+                <a:lnTo>
+                  <a:pt x="120000" y="0"/>
+                </a:lnTo>
+                <a:lnTo>
+                  <a:pt x="120000" y="120000"/>
+                </a:lnTo>
+                <a:lnTo>
+                  <a:pt x="0" y="120000"/>
+                </a:lnTo>
+                <a:close/>
+              </a:path>
+            </a:pathLst>
+          </a:custGeom>
+        </p:spPr>
+      </p:sp>
+      <p:sp>
+        <p:nvSpPr>
+          <p:cNvPr id="158" name="Google Shape;158;g1ef86a23d8c_0_82:notes"/>
+          <p:cNvSpPr txBox="1"/>
+          <p:nvPr>
+            <p:ph idx="1" type="body"/>
+          </p:nvPr>
+        </p:nvSpPr>
+        <p:spPr>
+          <a:xfrm>
+            <a:off x="685800" y="4343400"/>
+            <a:ext cx="5486400" cy="4114800"/>
+          </a:xfrm>
+          <a:prstGeom prst="rect">
+            <a:avLst/>
+          </a:prstGeom>
+        </p:spPr>
+        <p:txBody>
+          <a:bodyPr anchorCtr="0" anchor="t" bIns="91425" lIns="91425" spcFirstLastPara="1" rIns="91425" wrap="square" tIns="91425">
+            <a:noAutofit/>
+          </a:bodyPr>
+          <a:lstStyle/>
+          <a:p>
+            <a:pPr indent="0" lvl="0" marL="0" rtl="0" algn="l">
+              <a:spcBef>
+                <a:spcPts val="0"/>
+              </a:spcBef>
+              <a:spcAft>
+                <a:spcPts val="0"/>
+              </a:spcAft>
+              <a:buNone/>
+            </a:pPr>
+            <a:r>
+              <a:t/>
+            </a:r>
+            <a:endParaRPr/>
+          </a:p>
+        </p:txBody>
+      </p:sp>
+    </p:spTree>
+  </p:cSld>
+  <p:clrMapOvr>
+    <a:masterClrMapping/>
+  </p:clrMapOvr>
+</p:notes>
+</file>
+
 <file path=ppt/notesSlides/notesSlide2.xml><?xml version="1.0" encoding="utf-8"?>
 <p:notes xmlns:a="http://schemas.openxmlformats.org/drawingml/2006/main" xmlns:r="http://schemas.openxmlformats.org/officeDocument/2006/relationships" xmlns:mc="http://schemas.openxmlformats.org/markup-compatibility/2006" xmlns:mv="urn:schemas-microsoft-com:mac:vml" xmlns:p="http://schemas.openxmlformats.org/presentationml/2006/main" xmlns:c="http://schemas.openxmlformats.org/drawingml/2006/chart" xmlns:dgm="http://schemas.openxmlformats.org/drawingml/2006/diagram" xmlns:o="urn:schemas-microsoft-com:office:office" xmlns:v="urn:schemas-microsoft-com:vml" xmlns:pvml="urn:schemas-microsoft-com:office:powerpoint" xmlns:com="http://schemas.openxmlformats.org/drawingml/2006/compatibility" xmlns:p14="http://schemas.microsoft.com/office/powerpoint/2010/main" xmlns:p15="http://schemas.microsoft.com/office/powerpoint/2012/main" xmlns:ahyp="http://schemas.microsoft.com/office/drawing/2018/hyperlinkcolor" showMasterPhAnim="0" showMasterSp="0">
   <p:cSld>
@@ -858,6 +1871,897 @@
       <p:sp>
         <p:nvSpPr>
           <p:cNvPr id="58" name="Google Shape;58;g1ef3c4f3ef5_0_1:notes"/>
+          <p:cNvSpPr txBox="1"/>
+          <p:nvPr>
+            <p:ph idx="1" type="body"/>
+          </p:nvPr>
+        </p:nvSpPr>
+        <p:spPr>
+          <a:xfrm>
+            <a:off x="685800" y="4343400"/>
+            <a:ext cx="5486400" cy="4114800"/>
+          </a:xfrm>
+          <a:prstGeom prst="rect">
+            <a:avLst/>
+          </a:prstGeom>
+        </p:spPr>
+        <p:txBody>
+          <a:bodyPr anchorCtr="0" anchor="t" bIns="91425" lIns="91425" spcFirstLastPara="1" rIns="91425" wrap="square" tIns="91425">
+            <a:noAutofit/>
+          </a:bodyPr>
+          <a:lstStyle/>
+          <a:p>
+            <a:pPr indent="0" lvl="0" marL="0" rtl="0" algn="l">
+              <a:spcBef>
+                <a:spcPts val="0"/>
+              </a:spcBef>
+              <a:spcAft>
+                <a:spcPts val="0"/>
+              </a:spcAft>
+              <a:buNone/>
+            </a:pPr>
+            <a:r>
+              <a:t/>
+            </a:r>
+            <a:endParaRPr/>
+          </a:p>
+        </p:txBody>
+      </p:sp>
+    </p:spTree>
+  </p:cSld>
+  <p:clrMapOvr>
+    <a:masterClrMapping/>
+  </p:clrMapOvr>
+</p:notes>
+</file>
+
+<file path=ppt/notesSlides/notesSlide20.xml><?xml version="1.0" encoding="utf-8"?>
+<p:notes xmlns:a="http://schemas.openxmlformats.org/drawingml/2006/main" xmlns:r="http://schemas.openxmlformats.org/officeDocument/2006/relationships" xmlns:mc="http://schemas.openxmlformats.org/markup-compatibility/2006" xmlns:mv="urn:schemas-microsoft-com:mac:vml" xmlns:p="http://schemas.openxmlformats.org/presentationml/2006/main" xmlns:c="http://schemas.openxmlformats.org/drawingml/2006/chart" xmlns:dgm="http://schemas.openxmlformats.org/drawingml/2006/diagram" xmlns:o="urn:schemas-microsoft-com:office:office" xmlns:v="urn:schemas-microsoft-com:vml" xmlns:pvml="urn:schemas-microsoft-com:office:powerpoint" xmlns:com="http://schemas.openxmlformats.org/drawingml/2006/compatibility" xmlns:p14="http://schemas.microsoft.com/office/powerpoint/2010/main" xmlns:p15="http://schemas.microsoft.com/office/powerpoint/2012/main" xmlns:ahyp="http://schemas.microsoft.com/office/drawing/2018/hyperlinkcolor" showMasterPhAnim="0" showMasterSp="0">
+  <p:cSld>
+    <p:spTree>
+      <p:nvGrpSpPr>
+        <p:cNvPr id="162" name="Shape 162"/>
+        <p:cNvGrpSpPr/>
+        <p:nvPr/>
+      </p:nvGrpSpPr>
+      <p:grpSpPr>
+        <a:xfrm>
+          <a:off x="0" y="0"/>
+          <a:ext cx="0" cy="0"/>
+          <a:chOff x="0" y="0"/>
+          <a:chExt cx="0" cy="0"/>
+        </a:xfrm>
+      </p:grpSpPr>
+      <p:sp>
+        <p:nvSpPr>
+          <p:cNvPr id="163" name="Google Shape;163;g1ef86a23d8c_0_87:notes"/>
+          <p:cNvSpPr/>
+          <p:nvPr>
+            <p:ph idx="2" type="sldImg"/>
+          </p:nvPr>
+        </p:nvSpPr>
+        <p:spPr>
+          <a:xfrm>
+            <a:off x="381300" y="685800"/>
+            <a:ext cx="6096000" cy="3429000"/>
+          </a:xfrm>
+          <a:custGeom>
+            <a:rect b="b" l="l" r="r" t="t"/>
+            <a:pathLst>
+              <a:path extrusionOk="0" h="120000" w="120000">
+                <a:moveTo>
+                  <a:pt x="0" y="0"/>
+                </a:moveTo>
+                <a:lnTo>
+                  <a:pt x="120000" y="0"/>
+                </a:lnTo>
+                <a:lnTo>
+                  <a:pt x="120000" y="120000"/>
+                </a:lnTo>
+                <a:lnTo>
+                  <a:pt x="0" y="120000"/>
+                </a:lnTo>
+                <a:close/>
+              </a:path>
+            </a:pathLst>
+          </a:custGeom>
+        </p:spPr>
+      </p:sp>
+      <p:sp>
+        <p:nvSpPr>
+          <p:cNvPr id="164" name="Google Shape;164;g1ef86a23d8c_0_87:notes"/>
+          <p:cNvSpPr txBox="1"/>
+          <p:nvPr>
+            <p:ph idx="1" type="body"/>
+          </p:nvPr>
+        </p:nvSpPr>
+        <p:spPr>
+          <a:xfrm>
+            <a:off x="685800" y="4343400"/>
+            <a:ext cx="5486400" cy="4114800"/>
+          </a:xfrm>
+          <a:prstGeom prst="rect">
+            <a:avLst/>
+          </a:prstGeom>
+        </p:spPr>
+        <p:txBody>
+          <a:bodyPr anchorCtr="0" anchor="t" bIns="91425" lIns="91425" spcFirstLastPara="1" rIns="91425" wrap="square" tIns="91425">
+            <a:noAutofit/>
+          </a:bodyPr>
+          <a:lstStyle/>
+          <a:p>
+            <a:pPr indent="0" lvl="0" marL="0" rtl="0" algn="l">
+              <a:spcBef>
+                <a:spcPts val="0"/>
+              </a:spcBef>
+              <a:spcAft>
+                <a:spcPts val="0"/>
+              </a:spcAft>
+              <a:buNone/>
+            </a:pPr>
+            <a:r>
+              <a:t/>
+            </a:r>
+            <a:endParaRPr/>
+          </a:p>
+        </p:txBody>
+      </p:sp>
+    </p:spTree>
+  </p:cSld>
+  <p:clrMapOvr>
+    <a:masterClrMapping/>
+  </p:clrMapOvr>
+</p:notes>
+</file>
+
+<file path=ppt/notesSlides/notesSlide21.xml><?xml version="1.0" encoding="utf-8"?>
+<p:notes xmlns:a="http://schemas.openxmlformats.org/drawingml/2006/main" xmlns:r="http://schemas.openxmlformats.org/officeDocument/2006/relationships" xmlns:mc="http://schemas.openxmlformats.org/markup-compatibility/2006" xmlns:mv="urn:schemas-microsoft-com:mac:vml" xmlns:p="http://schemas.openxmlformats.org/presentationml/2006/main" xmlns:c="http://schemas.openxmlformats.org/drawingml/2006/chart" xmlns:dgm="http://schemas.openxmlformats.org/drawingml/2006/diagram" xmlns:o="urn:schemas-microsoft-com:office:office" xmlns:v="urn:schemas-microsoft-com:vml" xmlns:pvml="urn:schemas-microsoft-com:office:powerpoint" xmlns:com="http://schemas.openxmlformats.org/drawingml/2006/compatibility" xmlns:p14="http://schemas.microsoft.com/office/powerpoint/2010/main" xmlns:p15="http://schemas.microsoft.com/office/powerpoint/2012/main" xmlns:ahyp="http://schemas.microsoft.com/office/drawing/2018/hyperlinkcolor" showMasterPhAnim="0" showMasterSp="0">
+  <p:cSld>
+    <p:spTree>
+      <p:nvGrpSpPr>
+        <p:cNvPr id="167" name="Shape 167"/>
+        <p:cNvGrpSpPr/>
+        <p:nvPr/>
+      </p:nvGrpSpPr>
+      <p:grpSpPr>
+        <a:xfrm>
+          <a:off x="0" y="0"/>
+          <a:ext cx="0" cy="0"/>
+          <a:chOff x="0" y="0"/>
+          <a:chExt cx="0" cy="0"/>
+        </a:xfrm>
+      </p:grpSpPr>
+      <p:sp>
+        <p:nvSpPr>
+          <p:cNvPr id="168" name="Google Shape;168;g1ef86a23d8c_0_93:notes"/>
+          <p:cNvSpPr/>
+          <p:nvPr>
+            <p:ph idx="2" type="sldImg"/>
+          </p:nvPr>
+        </p:nvSpPr>
+        <p:spPr>
+          <a:xfrm>
+            <a:off x="381300" y="685800"/>
+            <a:ext cx="6096000" cy="3429000"/>
+          </a:xfrm>
+          <a:custGeom>
+            <a:rect b="b" l="l" r="r" t="t"/>
+            <a:pathLst>
+              <a:path extrusionOk="0" h="120000" w="120000">
+                <a:moveTo>
+                  <a:pt x="0" y="0"/>
+                </a:moveTo>
+                <a:lnTo>
+                  <a:pt x="120000" y="0"/>
+                </a:lnTo>
+                <a:lnTo>
+                  <a:pt x="120000" y="120000"/>
+                </a:lnTo>
+                <a:lnTo>
+                  <a:pt x="0" y="120000"/>
+                </a:lnTo>
+                <a:close/>
+              </a:path>
+            </a:pathLst>
+          </a:custGeom>
+        </p:spPr>
+      </p:sp>
+      <p:sp>
+        <p:nvSpPr>
+          <p:cNvPr id="169" name="Google Shape;169;g1ef86a23d8c_0_93:notes"/>
+          <p:cNvSpPr txBox="1"/>
+          <p:nvPr>
+            <p:ph idx="1" type="body"/>
+          </p:nvPr>
+        </p:nvSpPr>
+        <p:spPr>
+          <a:xfrm>
+            <a:off x="685800" y="4343400"/>
+            <a:ext cx="5486400" cy="4114800"/>
+          </a:xfrm>
+          <a:prstGeom prst="rect">
+            <a:avLst/>
+          </a:prstGeom>
+        </p:spPr>
+        <p:txBody>
+          <a:bodyPr anchorCtr="0" anchor="t" bIns="91425" lIns="91425" spcFirstLastPara="1" rIns="91425" wrap="square" tIns="91425">
+            <a:noAutofit/>
+          </a:bodyPr>
+          <a:lstStyle/>
+          <a:p>
+            <a:pPr indent="0" lvl="0" marL="0" rtl="0" algn="l">
+              <a:spcBef>
+                <a:spcPts val="0"/>
+              </a:spcBef>
+              <a:spcAft>
+                <a:spcPts val="0"/>
+              </a:spcAft>
+              <a:buNone/>
+            </a:pPr>
+            <a:r>
+              <a:t/>
+            </a:r>
+            <a:endParaRPr/>
+          </a:p>
+        </p:txBody>
+      </p:sp>
+    </p:spTree>
+  </p:cSld>
+  <p:clrMapOvr>
+    <a:masterClrMapping/>
+  </p:clrMapOvr>
+</p:notes>
+</file>
+
+<file path=ppt/notesSlides/notesSlide22.xml><?xml version="1.0" encoding="utf-8"?>
+<p:notes xmlns:a="http://schemas.openxmlformats.org/drawingml/2006/main" xmlns:r="http://schemas.openxmlformats.org/officeDocument/2006/relationships" xmlns:mc="http://schemas.openxmlformats.org/markup-compatibility/2006" xmlns:mv="urn:schemas-microsoft-com:mac:vml" xmlns:p="http://schemas.openxmlformats.org/presentationml/2006/main" xmlns:c="http://schemas.openxmlformats.org/drawingml/2006/chart" xmlns:dgm="http://schemas.openxmlformats.org/drawingml/2006/diagram" xmlns:o="urn:schemas-microsoft-com:office:office" xmlns:v="urn:schemas-microsoft-com:vml" xmlns:pvml="urn:schemas-microsoft-com:office:powerpoint" xmlns:com="http://schemas.openxmlformats.org/drawingml/2006/compatibility" xmlns:p14="http://schemas.microsoft.com/office/powerpoint/2010/main" xmlns:p15="http://schemas.microsoft.com/office/powerpoint/2012/main" xmlns:ahyp="http://schemas.microsoft.com/office/drawing/2018/hyperlinkcolor" showMasterPhAnim="0" showMasterSp="0">
+  <p:cSld>
+    <p:spTree>
+      <p:nvGrpSpPr>
+        <p:cNvPr id="173" name="Shape 173"/>
+        <p:cNvGrpSpPr/>
+        <p:nvPr/>
+      </p:nvGrpSpPr>
+      <p:grpSpPr>
+        <a:xfrm>
+          <a:off x="0" y="0"/>
+          <a:ext cx="0" cy="0"/>
+          <a:chOff x="0" y="0"/>
+          <a:chExt cx="0" cy="0"/>
+        </a:xfrm>
+      </p:grpSpPr>
+      <p:sp>
+        <p:nvSpPr>
+          <p:cNvPr id="174" name="Google Shape;174;g1ef86a23d8c_0_98:notes"/>
+          <p:cNvSpPr/>
+          <p:nvPr>
+            <p:ph idx="2" type="sldImg"/>
+          </p:nvPr>
+        </p:nvSpPr>
+        <p:spPr>
+          <a:xfrm>
+            <a:off x="381300" y="685800"/>
+            <a:ext cx="6096000" cy="3429000"/>
+          </a:xfrm>
+          <a:custGeom>
+            <a:rect b="b" l="l" r="r" t="t"/>
+            <a:pathLst>
+              <a:path extrusionOk="0" h="120000" w="120000">
+                <a:moveTo>
+                  <a:pt x="0" y="0"/>
+                </a:moveTo>
+                <a:lnTo>
+                  <a:pt x="120000" y="0"/>
+                </a:lnTo>
+                <a:lnTo>
+                  <a:pt x="120000" y="120000"/>
+                </a:lnTo>
+                <a:lnTo>
+                  <a:pt x="0" y="120000"/>
+                </a:lnTo>
+                <a:close/>
+              </a:path>
+            </a:pathLst>
+          </a:custGeom>
+        </p:spPr>
+      </p:sp>
+      <p:sp>
+        <p:nvSpPr>
+          <p:cNvPr id="175" name="Google Shape;175;g1ef86a23d8c_0_98:notes"/>
+          <p:cNvSpPr txBox="1"/>
+          <p:nvPr>
+            <p:ph idx="1" type="body"/>
+          </p:nvPr>
+        </p:nvSpPr>
+        <p:spPr>
+          <a:xfrm>
+            <a:off x="685800" y="4343400"/>
+            <a:ext cx="5486400" cy="4114800"/>
+          </a:xfrm>
+          <a:prstGeom prst="rect">
+            <a:avLst/>
+          </a:prstGeom>
+        </p:spPr>
+        <p:txBody>
+          <a:bodyPr anchorCtr="0" anchor="t" bIns="91425" lIns="91425" spcFirstLastPara="1" rIns="91425" wrap="square" tIns="91425">
+            <a:noAutofit/>
+          </a:bodyPr>
+          <a:lstStyle/>
+          <a:p>
+            <a:pPr indent="0" lvl="0" marL="0" rtl="0" algn="l">
+              <a:spcBef>
+                <a:spcPts val="0"/>
+              </a:spcBef>
+              <a:spcAft>
+                <a:spcPts val="0"/>
+              </a:spcAft>
+              <a:buNone/>
+            </a:pPr>
+            <a:r>
+              <a:t/>
+            </a:r>
+            <a:endParaRPr/>
+          </a:p>
+        </p:txBody>
+      </p:sp>
+    </p:spTree>
+  </p:cSld>
+  <p:clrMapOvr>
+    <a:masterClrMapping/>
+  </p:clrMapOvr>
+</p:notes>
+</file>
+
+<file path=ppt/notesSlides/notesSlide23.xml><?xml version="1.0" encoding="utf-8"?>
+<p:notes xmlns:a="http://schemas.openxmlformats.org/drawingml/2006/main" xmlns:r="http://schemas.openxmlformats.org/officeDocument/2006/relationships" xmlns:mc="http://schemas.openxmlformats.org/markup-compatibility/2006" xmlns:mv="urn:schemas-microsoft-com:mac:vml" xmlns:p="http://schemas.openxmlformats.org/presentationml/2006/main" xmlns:c="http://schemas.openxmlformats.org/drawingml/2006/chart" xmlns:dgm="http://schemas.openxmlformats.org/drawingml/2006/diagram" xmlns:o="urn:schemas-microsoft-com:office:office" xmlns:v="urn:schemas-microsoft-com:vml" xmlns:pvml="urn:schemas-microsoft-com:office:powerpoint" xmlns:com="http://schemas.openxmlformats.org/drawingml/2006/compatibility" xmlns:p14="http://schemas.microsoft.com/office/powerpoint/2010/main" xmlns:p15="http://schemas.microsoft.com/office/powerpoint/2012/main" xmlns:ahyp="http://schemas.microsoft.com/office/drawing/2018/hyperlinkcolor" showMasterPhAnim="0" showMasterSp="0">
+  <p:cSld>
+    <p:spTree>
+      <p:nvGrpSpPr>
+        <p:cNvPr id="178" name="Shape 178"/>
+        <p:cNvGrpSpPr/>
+        <p:nvPr/>
+      </p:nvGrpSpPr>
+      <p:grpSpPr>
+        <a:xfrm>
+          <a:off x="0" y="0"/>
+          <a:ext cx="0" cy="0"/>
+          <a:chOff x="0" y="0"/>
+          <a:chExt cx="0" cy="0"/>
+        </a:xfrm>
+      </p:grpSpPr>
+      <p:sp>
+        <p:nvSpPr>
+          <p:cNvPr id="179" name="Google Shape;179;g1ef86a23d8c_0_107:notes"/>
+          <p:cNvSpPr/>
+          <p:nvPr>
+            <p:ph idx="2" type="sldImg"/>
+          </p:nvPr>
+        </p:nvSpPr>
+        <p:spPr>
+          <a:xfrm>
+            <a:off x="381300" y="685800"/>
+            <a:ext cx="6096000" cy="3429000"/>
+          </a:xfrm>
+          <a:custGeom>
+            <a:rect b="b" l="l" r="r" t="t"/>
+            <a:pathLst>
+              <a:path extrusionOk="0" h="120000" w="120000">
+                <a:moveTo>
+                  <a:pt x="0" y="0"/>
+                </a:moveTo>
+                <a:lnTo>
+                  <a:pt x="120000" y="0"/>
+                </a:lnTo>
+                <a:lnTo>
+                  <a:pt x="120000" y="120000"/>
+                </a:lnTo>
+                <a:lnTo>
+                  <a:pt x="0" y="120000"/>
+                </a:lnTo>
+                <a:close/>
+              </a:path>
+            </a:pathLst>
+          </a:custGeom>
+        </p:spPr>
+      </p:sp>
+      <p:sp>
+        <p:nvSpPr>
+          <p:cNvPr id="180" name="Google Shape;180;g1ef86a23d8c_0_107:notes"/>
+          <p:cNvSpPr txBox="1"/>
+          <p:nvPr>
+            <p:ph idx="1" type="body"/>
+          </p:nvPr>
+        </p:nvSpPr>
+        <p:spPr>
+          <a:xfrm>
+            <a:off x="685800" y="4343400"/>
+            <a:ext cx="5486400" cy="4114800"/>
+          </a:xfrm>
+          <a:prstGeom prst="rect">
+            <a:avLst/>
+          </a:prstGeom>
+        </p:spPr>
+        <p:txBody>
+          <a:bodyPr anchorCtr="0" anchor="t" bIns="91425" lIns="91425" spcFirstLastPara="1" rIns="91425" wrap="square" tIns="91425">
+            <a:noAutofit/>
+          </a:bodyPr>
+          <a:lstStyle/>
+          <a:p>
+            <a:pPr indent="0" lvl="0" marL="0" rtl="0" algn="l">
+              <a:spcBef>
+                <a:spcPts val="0"/>
+              </a:spcBef>
+              <a:spcAft>
+                <a:spcPts val="0"/>
+              </a:spcAft>
+              <a:buNone/>
+            </a:pPr>
+            <a:r>
+              <a:t/>
+            </a:r>
+            <a:endParaRPr/>
+          </a:p>
+        </p:txBody>
+      </p:sp>
+    </p:spTree>
+  </p:cSld>
+  <p:clrMapOvr>
+    <a:masterClrMapping/>
+  </p:clrMapOvr>
+</p:notes>
+</file>
+
+<file path=ppt/notesSlides/notesSlide24.xml><?xml version="1.0" encoding="utf-8"?>
+<p:notes xmlns:a="http://schemas.openxmlformats.org/drawingml/2006/main" xmlns:r="http://schemas.openxmlformats.org/officeDocument/2006/relationships" xmlns:mc="http://schemas.openxmlformats.org/markup-compatibility/2006" xmlns:mv="urn:schemas-microsoft-com:mac:vml" xmlns:p="http://schemas.openxmlformats.org/presentationml/2006/main" xmlns:c="http://schemas.openxmlformats.org/drawingml/2006/chart" xmlns:dgm="http://schemas.openxmlformats.org/drawingml/2006/diagram" xmlns:o="urn:schemas-microsoft-com:office:office" xmlns:v="urn:schemas-microsoft-com:vml" xmlns:pvml="urn:schemas-microsoft-com:office:powerpoint" xmlns:com="http://schemas.openxmlformats.org/drawingml/2006/compatibility" xmlns:p14="http://schemas.microsoft.com/office/powerpoint/2010/main" xmlns:p15="http://schemas.microsoft.com/office/powerpoint/2012/main" xmlns:ahyp="http://schemas.microsoft.com/office/drawing/2018/hyperlinkcolor" showMasterPhAnim="0" showMasterSp="0">
+  <p:cSld>
+    <p:spTree>
+      <p:nvGrpSpPr>
+        <p:cNvPr id="184" name="Shape 184"/>
+        <p:cNvGrpSpPr/>
+        <p:nvPr/>
+      </p:nvGrpSpPr>
+      <p:grpSpPr>
+        <a:xfrm>
+          <a:off x="0" y="0"/>
+          <a:ext cx="0" cy="0"/>
+          <a:chOff x="0" y="0"/>
+          <a:chExt cx="0" cy="0"/>
+        </a:xfrm>
+      </p:grpSpPr>
+      <p:sp>
+        <p:nvSpPr>
+          <p:cNvPr id="185" name="Google Shape;185;g1ef86a23d8c_0_114:notes"/>
+          <p:cNvSpPr/>
+          <p:nvPr>
+            <p:ph idx="2" type="sldImg"/>
+          </p:nvPr>
+        </p:nvSpPr>
+        <p:spPr>
+          <a:xfrm>
+            <a:off x="381300" y="685800"/>
+            <a:ext cx="6096000" cy="3429000"/>
+          </a:xfrm>
+          <a:custGeom>
+            <a:rect b="b" l="l" r="r" t="t"/>
+            <a:pathLst>
+              <a:path extrusionOk="0" h="120000" w="120000">
+                <a:moveTo>
+                  <a:pt x="0" y="0"/>
+                </a:moveTo>
+                <a:lnTo>
+                  <a:pt x="120000" y="0"/>
+                </a:lnTo>
+                <a:lnTo>
+                  <a:pt x="120000" y="120000"/>
+                </a:lnTo>
+                <a:lnTo>
+                  <a:pt x="0" y="120000"/>
+                </a:lnTo>
+                <a:close/>
+              </a:path>
+            </a:pathLst>
+          </a:custGeom>
+        </p:spPr>
+      </p:sp>
+      <p:sp>
+        <p:nvSpPr>
+          <p:cNvPr id="186" name="Google Shape;186;g1ef86a23d8c_0_114:notes"/>
+          <p:cNvSpPr txBox="1"/>
+          <p:nvPr>
+            <p:ph idx="1" type="body"/>
+          </p:nvPr>
+        </p:nvSpPr>
+        <p:spPr>
+          <a:xfrm>
+            <a:off x="685800" y="4343400"/>
+            <a:ext cx="5486400" cy="4114800"/>
+          </a:xfrm>
+          <a:prstGeom prst="rect">
+            <a:avLst/>
+          </a:prstGeom>
+        </p:spPr>
+        <p:txBody>
+          <a:bodyPr anchorCtr="0" anchor="t" bIns="91425" lIns="91425" spcFirstLastPara="1" rIns="91425" wrap="square" tIns="91425">
+            <a:noAutofit/>
+          </a:bodyPr>
+          <a:lstStyle/>
+          <a:p>
+            <a:pPr indent="0" lvl="0" marL="0" rtl="0" algn="l">
+              <a:spcBef>
+                <a:spcPts val="0"/>
+              </a:spcBef>
+              <a:spcAft>
+                <a:spcPts val="0"/>
+              </a:spcAft>
+              <a:buNone/>
+            </a:pPr>
+            <a:r>
+              <a:t/>
+            </a:r>
+            <a:endParaRPr/>
+          </a:p>
+        </p:txBody>
+      </p:sp>
+    </p:spTree>
+  </p:cSld>
+  <p:clrMapOvr>
+    <a:masterClrMapping/>
+  </p:clrMapOvr>
+</p:notes>
+</file>
+
+<file path=ppt/notesSlides/notesSlide25.xml><?xml version="1.0" encoding="utf-8"?>
+<p:notes xmlns:a="http://schemas.openxmlformats.org/drawingml/2006/main" xmlns:r="http://schemas.openxmlformats.org/officeDocument/2006/relationships" xmlns:mc="http://schemas.openxmlformats.org/markup-compatibility/2006" xmlns:mv="urn:schemas-microsoft-com:mac:vml" xmlns:p="http://schemas.openxmlformats.org/presentationml/2006/main" xmlns:c="http://schemas.openxmlformats.org/drawingml/2006/chart" xmlns:dgm="http://schemas.openxmlformats.org/drawingml/2006/diagram" xmlns:o="urn:schemas-microsoft-com:office:office" xmlns:v="urn:schemas-microsoft-com:vml" xmlns:pvml="urn:schemas-microsoft-com:office:powerpoint" xmlns:com="http://schemas.openxmlformats.org/drawingml/2006/compatibility" xmlns:p14="http://schemas.microsoft.com/office/powerpoint/2010/main" xmlns:p15="http://schemas.microsoft.com/office/powerpoint/2012/main" xmlns:ahyp="http://schemas.microsoft.com/office/drawing/2018/hyperlinkcolor" showMasterPhAnim="0" showMasterSp="0">
+  <p:cSld>
+    <p:spTree>
+      <p:nvGrpSpPr>
+        <p:cNvPr id="189" name="Shape 189"/>
+        <p:cNvGrpSpPr/>
+        <p:nvPr/>
+      </p:nvGrpSpPr>
+      <p:grpSpPr>
+        <a:xfrm>
+          <a:off x="0" y="0"/>
+          <a:ext cx="0" cy="0"/>
+          <a:chOff x="0" y="0"/>
+          <a:chExt cx="0" cy="0"/>
+        </a:xfrm>
+      </p:grpSpPr>
+      <p:sp>
+        <p:nvSpPr>
+          <p:cNvPr id="190" name="Google Shape;190;g1ef86a23d8c_0_120:notes"/>
+          <p:cNvSpPr/>
+          <p:nvPr>
+            <p:ph idx="2" type="sldImg"/>
+          </p:nvPr>
+        </p:nvSpPr>
+        <p:spPr>
+          <a:xfrm>
+            <a:off x="381300" y="685800"/>
+            <a:ext cx="6096000" cy="3429000"/>
+          </a:xfrm>
+          <a:custGeom>
+            <a:rect b="b" l="l" r="r" t="t"/>
+            <a:pathLst>
+              <a:path extrusionOk="0" h="120000" w="120000">
+                <a:moveTo>
+                  <a:pt x="0" y="0"/>
+                </a:moveTo>
+                <a:lnTo>
+                  <a:pt x="120000" y="0"/>
+                </a:lnTo>
+                <a:lnTo>
+                  <a:pt x="120000" y="120000"/>
+                </a:lnTo>
+                <a:lnTo>
+                  <a:pt x="0" y="120000"/>
+                </a:lnTo>
+                <a:close/>
+              </a:path>
+            </a:pathLst>
+          </a:custGeom>
+        </p:spPr>
+      </p:sp>
+      <p:sp>
+        <p:nvSpPr>
+          <p:cNvPr id="191" name="Google Shape;191;g1ef86a23d8c_0_120:notes"/>
+          <p:cNvSpPr txBox="1"/>
+          <p:nvPr>
+            <p:ph idx="1" type="body"/>
+          </p:nvPr>
+        </p:nvSpPr>
+        <p:spPr>
+          <a:xfrm>
+            <a:off x="685800" y="4343400"/>
+            <a:ext cx="5486400" cy="4114800"/>
+          </a:xfrm>
+          <a:prstGeom prst="rect">
+            <a:avLst/>
+          </a:prstGeom>
+        </p:spPr>
+        <p:txBody>
+          <a:bodyPr anchorCtr="0" anchor="t" bIns="91425" lIns="91425" spcFirstLastPara="1" rIns="91425" wrap="square" tIns="91425">
+            <a:noAutofit/>
+          </a:bodyPr>
+          <a:lstStyle/>
+          <a:p>
+            <a:pPr indent="0" lvl="0" marL="0" rtl="0" algn="l">
+              <a:spcBef>
+                <a:spcPts val="0"/>
+              </a:spcBef>
+              <a:spcAft>
+                <a:spcPts val="0"/>
+              </a:spcAft>
+              <a:buNone/>
+            </a:pPr>
+            <a:r>
+              <a:t/>
+            </a:r>
+            <a:endParaRPr/>
+          </a:p>
+        </p:txBody>
+      </p:sp>
+    </p:spTree>
+  </p:cSld>
+  <p:clrMapOvr>
+    <a:masterClrMapping/>
+  </p:clrMapOvr>
+</p:notes>
+</file>
+
+<file path=ppt/notesSlides/notesSlide26.xml><?xml version="1.0" encoding="utf-8"?>
+<p:notes xmlns:a="http://schemas.openxmlformats.org/drawingml/2006/main" xmlns:r="http://schemas.openxmlformats.org/officeDocument/2006/relationships" xmlns:mc="http://schemas.openxmlformats.org/markup-compatibility/2006" xmlns:mv="urn:schemas-microsoft-com:mac:vml" xmlns:p="http://schemas.openxmlformats.org/presentationml/2006/main" xmlns:c="http://schemas.openxmlformats.org/drawingml/2006/chart" xmlns:dgm="http://schemas.openxmlformats.org/drawingml/2006/diagram" xmlns:o="urn:schemas-microsoft-com:office:office" xmlns:v="urn:schemas-microsoft-com:vml" xmlns:pvml="urn:schemas-microsoft-com:office:powerpoint" xmlns:com="http://schemas.openxmlformats.org/drawingml/2006/compatibility" xmlns:p14="http://schemas.microsoft.com/office/powerpoint/2010/main" xmlns:p15="http://schemas.microsoft.com/office/powerpoint/2012/main" xmlns:ahyp="http://schemas.microsoft.com/office/drawing/2018/hyperlinkcolor" showMasterPhAnim="0" showMasterSp="0">
+  <p:cSld>
+    <p:spTree>
+      <p:nvGrpSpPr>
+        <p:cNvPr id="195" name="Shape 195"/>
+        <p:cNvGrpSpPr/>
+        <p:nvPr/>
+      </p:nvGrpSpPr>
+      <p:grpSpPr>
+        <a:xfrm>
+          <a:off x="0" y="0"/>
+          <a:ext cx="0" cy="0"/>
+          <a:chOff x="0" y="0"/>
+          <a:chExt cx="0" cy="0"/>
+        </a:xfrm>
+      </p:grpSpPr>
+      <p:sp>
+        <p:nvSpPr>
+          <p:cNvPr id="196" name="Google Shape;196;g1ef86a23d8c_0_125:notes"/>
+          <p:cNvSpPr/>
+          <p:nvPr>
+            <p:ph idx="2" type="sldImg"/>
+          </p:nvPr>
+        </p:nvSpPr>
+        <p:spPr>
+          <a:xfrm>
+            <a:off x="381300" y="685800"/>
+            <a:ext cx="6096000" cy="3429000"/>
+          </a:xfrm>
+          <a:custGeom>
+            <a:rect b="b" l="l" r="r" t="t"/>
+            <a:pathLst>
+              <a:path extrusionOk="0" h="120000" w="120000">
+                <a:moveTo>
+                  <a:pt x="0" y="0"/>
+                </a:moveTo>
+                <a:lnTo>
+                  <a:pt x="120000" y="0"/>
+                </a:lnTo>
+                <a:lnTo>
+                  <a:pt x="120000" y="120000"/>
+                </a:lnTo>
+                <a:lnTo>
+                  <a:pt x="0" y="120000"/>
+                </a:lnTo>
+                <a:close/>
+              </a:path>
+            </a:pathLst>
+          </a:custGeom>
+        </p:spPr>
+      </p:sp>
+      <p:sp>
+        <p:nvSpPr>
+          <p:cNvPr id="197" name="Google Shape;197;g1ef86a23d8c_0_125:notes"/>
+          <p:cNvSpPr txBox="1"/>
+          <p:nvPr>
+            <p:ph idx="1" type="body"/>
+          </p:nvPr>
+        </p:nvSpPr>
+        <p:spPr>
+          <a:xfrm>
+            <a:off x="685800" y="4343400"/>
+            <a:ext cx="5486400" cy="4114800"/>
+          </a:xfrm>
+          <a:prstGeom prst="rect">
+            <a:avLst/>
+          </a:prstGeom>
+        </p:spPr>
+        <p:txBody>
+          <a:bodyPr anchorCtr="0" anchor="t" bIns="91425" lIns="91425" spcFirstLastPara="1" rIns="91425" wrap="square" tIns="91425">
+            <a:noAutofit/>
+          </a:bodyPr>
+          <a:lstStyle/>
+          <a:p>
+            <a:pPr indent="0" lvl="0" marL="0" rtl="0" algn="l">
+              <a:spcBef>
+                <a:spcPts val="0"/>
+              </a:spcBef>
+              <a:spcAft>
+                <a:spcPts val="0"/>
+              </a:spcAft>
+              <a:buNone/>
+            </a:pPr>
+            <a:r>
+              <a:t/>
+            </a:r>
+            <a:endParaRPr/>
+          </a:p>
+        </p:txBody>
+      </p:sp>
+    </p:spTree>
+  </p:cSld>
+  <p:clrMapOvr>
+    <a:masterClrMapping/>
+  </p:clrMapOvr>
+</p:notes>
+</file>
+
+<file path=ppt/notesSlides/notesSlide27.xml><?xml version="1.0" encoding="utf-8"?>
+<p:notes xmlns:a="http://schemas.openxmlformats.org/drawingml/2006/main" xmlns:r="http://schemas.openxmlformats.org/officeDocument/2006/relationships" xmlns:mc="http://schemas.openxmlformats.org/markup-compatibility/2006" xmlns:mv="urn:schemas-microsoft-com:mac:vml" xmlns:p="http://schemas.openxmlformats.org/presentationml/2006/main" xmlns:c="http://schemas.openxmlformats.org/drawingml/2006/chart" xmlns:dgm="http://schemas.openxmlformats.org/drawingml/2006/diagram" xmlns:o="urn:schemas-microsoft-com:office:office" xmlns:v="urn:schemas-microsoft-com:vml" xmlns:pvml="urn:schemas-microsoft-com:office:powerpoint" xmlns:com="http://schemas.openxmlformats.org/drawingml/2006/compatibility" xmlns:p14="http://schemas.microsoft.com/office/powerpoint/2010/main" xmlns:p15="http://schemas.microsoft.com/office/powerpoint/2012/main" xmlns:ahyp="http://schemas.microsoft.com/office/drawing/2018/hyperlinkcolor" showMasterPhAnim="0" showMasterSp="0">
+  <p:cSld>
+    <p:spTree>
+      <p:nvGrpSpPr>
+        <p:cNvPr id="200" name="Shape 200"/>
+        <p:cNvGrpSpPr/>
+        <p:nvPr/>
+      </p:nvGrpSpPr>
+      <p:grpSpPr>
+        <a:xfrm>
+          <a:off x="0" y="0"/>
+          <a:ext cx="0" cy="0"/>
+          <a:chOff x="0" y="0"/>
+          <a:chExt cx="0" cy="0"/>
+        </a:xfrm>
+      </p:grpSpPr>
+      <p:sp>
+        <p:nvSpPr>
+          <p:cNvPr id="201" name="Google Shape;201;g1ef86a23d8c_0_130:notes"/>
+          <p:cNvSpPr/>
+          <p:nvPr>
+            <p:ph idx="2" type="sldImg"/>
+          </p:nvPr>
+        </p:nvSpPr>
+        <p:spPr>
+          <a:xfrm>
+            <a:off x="381300" y="685800"/>
+            <a:ext cx="6096000" cy="3429000"/>
+          </a:xfrm>
+          <a:custGeom>
+            <a:rect b="b" l="l" r="r" t="t"/>
+            <a:pathLst>
+              <a:path extrusionOk="0" h="120000" w="120000">
+                <a:moveTo>
+                  <a:pt x="0" y="0"/>
+                </a:moveTo>
+                <a:lnTo>
+                  <a:pt x="120000" y="0"/>
+                </a:lnTo>
+                <a:lnTo>
+                  <a:pt x="120000" y="120000"/>
+                </a:lnTo>
+                <a:lnTo>
+                  <a:pt x="0" y="120000"/>
+                </a:lnTo>
+                <a:close/>
+              </a:path>
+            </a:pathLst>
+          </a:custGeom>
+        </p:spPr>
+      </p:sp>
+      <p:sp>
+        <p:nvSpPr>
+          <p:cNvPr id="202" name="Google Shape;202;g1ef86a23d8c_0_130:notes"/>
+          <p:cNvSpPr txBox="1"/>
+          <p:nvPr>
+            <p:ph idx="1" type="body"/>
+          </p:nvPr>
+        </p:nvSpPr>
+        <p:spPr>
+          <a:xfrm>
+            <a:off x="685800" y="4343400"/>
+            <a:ext cx="5486400" cy="4114800"/>
+          </a:xfrm>
+          <a:prstGeom prst="rect">
+            <a:avLst/>
+          </a:prstGeom>
+        </p:spPr>
+        <p:txBody>
+          <a:bodyPr anchorCtr="0" anchor="t" bIns="91425" lIns="91425" spcFirstLastPara="1" rIns="91425" wrap="square" tIns="91425">
+            <a:noAutofit/>
+          </a:bodyPr>
+          <a:lstStyle/>
+          <a:p>
+            <a:pPr indent="0" lvl="0" marL="0" rtl="0" algn="l">
+              <a:spcBef>
+                <a:spcPts val="0"/>
+              </a:spcBef>
+              <a:spcAft>
+                <a:spcPts val="0"/>
+              </a:spcAft>
+              <a:buNone/>
+            </a:pPr>
+            <a:r>
+              <a:t/>
+            </a:r>
+            <a:endParaRPr/>
+          </a:p>
+        </p:txBody>
+      </p:sp>
+    </p:spTree>
+  </p:cSld>
+  <p:clrMapOvr>
+    <a:masterClrMapping/>
+  </p:clrMapOvr>
+</p:notes>
+</file>
+
+<file path=ppt/notesSlides/notesSlide28.xml><?xml version="1.0" encoding="utf-8"?>
+<p:notes xmlns:a="http://schemas.openxmlformats.org/drawingml/2006/main" xmlns:r="http://schemas.openxmlformats.org/officeDocument/2006/relationships" xmlns:mc="http://schemas.openxmlformats.org/markup-compatibility/2006" xmlns:mv="urn:schemas-microsoft-com:mac:vml" xmlns:p="http://schemas.openxmlformats.org/presentationml/2006/main" xmlns:c="http://schemas.openxmlformats.org/drawingml/2006/chart" xmlns:dgm="http://schemas.openxmlformats.org/drawingml/2006/diagram" xmlns:o="urn:schemas-microsoft-com:office:office" xmlns:v="urn:schemas-microsoft-com:vml" xmlns:pvml="urn:schemas-microsoft-com:office:powerpoint" xmlns:com="http://schemas.openxmlformats.org/drawingml/2006/compatibility" xmlns:p14="http://schemas.microsoft.com/office/powerpoint/2010/main" xmlns:p15="http://schemas.microsoft.com/office/powerpoint/2012/main" xmlns:ahyp="http://schemas.microsoft.com/office/drawing/2018/hyperlinkcolor" showMasterPhAnim="0" showMasterSp="0">
+  <p:cSld>
+    <p:spTree>
+      <p:nvGrpSpPr>
+        <p:cNvPr id="205" name="Shape 205"/>
+        <p:cNvGrpSpPr/>
+        <p:nvPr/>
+      </p:nvGrpSpPr>
+      <p:grpSpPr>
+        <a:xfrm>
+          <a:off x="0" y="0"/>
+          <a:ext cx="0" cy="0"/>
+          <a:chOff x="0" y="0"/>
+          <a:chExt cx="0" cy="0"/>
+        </a:xfrm>
+      </p:grpSpPr>
+      <p:sp>
+        <p:nvSpPr>
+          <p:cNvPr id="206" name="Google Shape;206;g1ef86a23d8c_0_137:notes"/>
+          <p:cNvSpPr/>
+          <p:nvPr>
+            <p:ph idx="2" type="sldImg"/>
+          </p:nvPr>
+        </p:nvSpPr>
+        <p:spPr>
+          <a:xfrm>
+            <a:off x="381300" y="685800"/>
+            <a:ext cx="6096000" cy="3429000"/>
+          </a:xfrm>
+          <a:custGeom>
+            <a:rect b="b" l="l" r="r" t="t"/>
+            <a:pathLst>
+              <a:path extrusionOk="0" h="120000" w="120000">
+                <a:moveTo>
+                  <a:pt x="0" y="0"/>
+                </a:moveTo>
+                <a:lnTo>
+                  <a:pt x="120000" y="0"/>
+                </a:lnTo>
+                <a:lnTo>
+                  <a:pt x="120000" y="120000"/>
+                </a:lnTo>
+                <a:lnTo>
+                  <a:pt x="0" y="120000"/>
+                </a:lnTo>
+                <a:close/>
+              </a:path>
+            </a:pathLst>
+          </a:custGeom>
+        </p:spPr>
+      </p:sp>
+      <p:sp>
+        <p:nvSpPr>
+          <p:cNvPr id="207" name="Google Shape;207;g1ef86a23d8c_0_137:notes"/>
           <p:cNvSpPr txBox="1"/>
           <p:nvPr>
             <p:ph idx="1" type="body"/>
@@ -1020,7 +2924,7 @@
       </p:grpSpPr>
       <p:sp>
         <p:nvSpPr>
-          <p:cNvPr id="69" name="Google Shape;69;g1ef3c4f3ef5_0_11:notes"/>
+          <p:cNvPr id="69" name="Google Shape;69;g1ef86a23d8c_0_8:notes"/>
           <p:cNvSpPr/>
           <p:nvPr>
             <p:ph idx="2" type="sldImg"/>
@@ -1055,7 +2959,7 @@
       </p:sp>
       <p:sp>
         <p:nvSpPr>
-          <p:cNvPr id="70" name="Google Shape;70;g1ef3c4f3ef5_0_11:notes"/>
+          <p:cNvPr id="70" name="Google Shape;70;g1ef86a23d8c_0_8:notes"/>
           <p:cNvSpPr txBox="1"/>
           <p:nvPr>
             <p:ph idx="1" type="body"/>
@@ -1119,7 +3023,7 @@
       </p:grpSpPr>
       <p:sp>
         <p:nvSpPr>
-          <p:cNvPr id="75" name="Google Shape;75;g1ef3c4f3ef5_0_16:notes"/>
+          <p:cNvPr id="75" name="Google Shape;75;g1ef86a23d8c_0_1:notes"/>
           <p:cNvSpPr/>
           <p:nvPr>
             <p:ph idx="2" type="sldImg"/>
@@ -1154,7 +3058,403 @@
       </p:sp>
       <p:sp>
         <p:nvSpPr>
-          <p:cNvPr id="76" name="Google Shape;76;g1ef3c4f3ef5_0_16:notes"/>
+          <p:cNvPr id="76" name="Google Shape;76;g1ef86a23d8c_0_1:notes"/>
+          <p:cNvSpPr txBox="1"/>
+          <p:nvPr>
+            <p:ph idx="1" type="body"/>
+          </p:nvPr>
+        </p:nvSpPr>
+        <p:spPr>
+          <a:xfrm>
+            <a:off x="685800" y="4343400"/>
+            <a:ext cx="5486400" cy="4114800"/>
+          </a:xfrm>
+          <a:prstGeom prst="rect">
+            <a:avLst/>
+          </a:prstGeom>
+        </p:spPr>
+        <p:txBody>
+          <a:bodyPr anchorCtr="0" anchor="t" bIns="91425" lIns="91425" spcFirstLastPara="1" rIns="91425" wrap="square" tIns="91425">
+            <a:noAutofit/>
+          </a:bodyPr>
+          <a:lstStyle/>
+          <a:p>
+            <a:pPr indent="0" lvl="0" marL="0" rtl="0" algn="l">
+              <a:spcBef>
+                <a:spcPts val="0"/>
+              </a:spcBef>
+              <a:spcAft>
+                <a:spcPts val="0"/>
+              </a:spcAft>
+              <a:buNone/>
+            </a:pPr>
+            <a:r>
+              <a:t/>
+            </a:r>
+            <a:endParaRPr/>
+          </a:p>
+        </p:txBody>
+      </p:sp>
+    </p:spTree>
+  </p:cSld>
+  <p:clrMapOvr>
+    <a:masterClrMapping/>
+  </p:clrMapOvr>
+</p:notes>
+</file>
+
+<file path=ppt/notesSlides/notesSlide6.xml><?xml version="1.0" encoding="utf-8"?>
+<p:notes xmlns:a="http://schemas.openxmlformats.org/drawingml/2006/main" xmlns:r="http://schemas.openxmlformats.org/officeDocument/2006/relationships" xmlns:mc="http://schemas.openxmlformats.org/markup-compatibility/2006" xmlns:mv="urn:schemas-microsoft-com:mac:vml" xmlns:p="http://schemas.openxmlformats.org/presentationml/2006/main" xmlns:c="http://schemas.openxmlformats.org/drawingml/2006/chart" xmlns:dgm="http://schemas.openxmlformats.org/drawingml/2006/diagram" xmlns:o="urn:schemas-microsoft-com:office:office" xmlns:v="urn:schemas-microsoft-com:vml" xmlns:pvml="urn:schemas-microsoft-com:office:powerpoint" xmlns:com="http://schemas.openxmlformats.org/drawingml/2006/compatibility" xmlns:p14="http://schemas.microsoft.com/office/powerpoint/2010/main" xmlns:p15="http://schemas.microsoft.com/office/powerpoint/2012/main" xmlns:ahyp="http://schemas.microsoft.com/office/drawing/2018/hyperlinkcolor" showMasterPhAnim="0" showMasterSp="0">
+  <p:cSld>
+    <p:spTree>
+      <p:nvGrpSpPr>
+        <p:cNvPr id="80" name="Shape 80"/>
+        <p:cNvGrpSpPr/>
+        <p:nvPr/>
+      </p:nvGrpSpPr>
+      <p:grpSpPr>
+        <a:xfrm>
+          <a:off x="0" y="0"/>
+          <a:ext cx="0" cy="0"/>
+          <a:chOff x="0" y="0"/>
+          <a:chExt cx="0" cy="0"/>
+        </a:xfrm>
+      </p:grpSpPr>
+      <p:sp>
+        <p:nvSpPr>
+          <p:cNvPr id="81" name="Google Shape;81;g1ef86a23d8c_0_14:notes"/>
+          <p:cNvSpPr/>
+          <p:nvPr>
+            <p:ph idx="2" type="sldImg"/>
+          </p:nvPr>
+        </p:nvSpPr>
+        <p:spPr>
+          <a:xfrm>
+            <a:off x="381300" y="685800"/>
+            <a:ext cx="6096000" cy="3429000"/>
+          </a:xfrm>
+          <a:custGeom>
+            <a:rect b="b" l="l" r="r" t="t"/>
+            <a:pathLst>
+              <a:path extrusionOk="0" h="120000" w="120000">
+                <a:moveTo>
+                  <a:pt x="0" y="0"/>
+                </a:moveTo>
+                <a:lnTo>
+                  <a:pt x="120000" y="0"/>
+                </a:lnTo>
+                <a:lnTo>
+                  <a:pt x="120000" y="120000"/>
+                </a:lnTo>
+                <a:lnTo>
+                  <a:pt x="0" y="120000"/>
+                </a:lnTo>
+                <a:close/>
+              </a:path>
+            </a:pathLst>
+          </a:custGeom>
+        </p:spPr>
+      </p:sp>
+      <p:sp>
+        <p:nvSpPr>
+          <p:cNvPr id="82" name="Google Shape;82;g1ef86a23d8c_0_14:notes"/>
+          <p:cNvSpPr txBox="1"/>
+          <p:nvPr>
+            <p:ph idx="1" type="body"/>
+          </p:nvPr>
+        </p:nvSpPr>
+        <p:spPr>
+          <a:xfrm>
+            <a:off x="685800" y="4343400"/>
+            <a:ext cx="5486400" cy="4114800"/>
+          </a:xfrm>
+          <a:prstGeom prst="rect">
+            <a:avLst/>
+          </a:prstGeom>
+        </p:spPr>
+        <p:txBody>
+          <a:bodyPr anchorCtr="0" anchor="t" bIns="91425" lIns="91425" spcFirstLastPara="1" rIns="91425" wrap="square" tIns="91425">
+            <a:noAutofit/>
+          </a:bodyPr>
+          <a:lstStyle/>
+          <a:p>
+            <a:pPr indent="0" lvl="0" marL="0" rtl="0" algn="l">
+              <a:spcBef>
+                <a:spcPts val="0"/>
+              </a:spcBef>
+              <a:spcAft>
+                <a:spcPts val="0"/>
+              </a:spcAft>
+              <a:buNone/>
+            </a:pPr>
+            <a:r>
+              <a:t/>
+            </a:r>
+            <a:endParaRPr/>
+          </a:p>
+        </p:txBody>
+      </p:sp>
+    </p:spTree>
+  </p:cSld>
+  <p:clrMapOvr>
+    <a:masterClrMapping/>
+  </p:clrMapOvr>
+</p:notes>
+</file>
+
+<file path=ppt/notesSlides/notesSlide7.xml><?xml version="1.0" encoding="utf-8"?>
+<p:notes xmlns:a="http://schemas.openxmlformats.org/drawingml/2006/main" xmlns:r="http://schemas.openxmlformats.org/officeDocument/2006/relationships" xmlns:mc="http://schemas.openxmlformats.org/markup-compatibility/2006" xmlns:mv="urn:schemas-microsoft-com:mac:vml" xmlns:p="http://schemas.openxmlformats.org/presentationml/2006/main" xmlns:c="http://schemas.openxmlformats.org/drawingml/2006/chart" xmlns:dgm="http://schemas.openxmlformats.org/drawingml/2006/diagram" xmlns:o="urn:schemas-microsoft-com:office:office" xmlns:v="urn:schemas-microsoft-com:vml" xmlns:pvml="urn:schemas-microsoft-com:office:powerpoint" xmlns:com="http://schemas.openxmlformats.org/drawingml/2006/compatibility" xmlns:p14="http://schemas.microsoft.com/office/powerpoint/2010/main" xmlns:p15="http://schemas.microsoft.com/office/powerpoint/2012/main" xmlns:ahyp="http://schemas.microsoft.com/office/drawing/2018/hyperlinkcolor" showMasterPhAnim="0" showMasterSp="0">
+  <p:cSld>
+    <p:spTree>
+      <p:nvGrpSpPr>
+        <p:cNvPr id="87" name="Shape 87"/>
+        <p:cNvGrpSpPr/>
+        <p:nvPr/>
+      </p:nvGrpSpPr>
+      <p:grpSpPr>
+        <a:xfrm>
+          <a:off x="0" y="0"/>
+          <a:ext cx="0" cy="0"/>
+          <a:chOff x="0" y="0"/>
+          <a:chExt cx="0" cy="0"/>
+        </a:xfrm>
+      </p:grpSpPr>
+      <p:sp>
+        <p:nvSpPr>
+          <p:cNvPr id="88" name="Google Shape;88;g1ef3c4f3ef5_0_11:notes"/>
+          <p:cNvSpPr/>
+          <p:nvPr>
+            <p:ph idx="2" type="sldImg"/>
+          </p:nvPr>
+        </p:nvSpPr>
+        <p:spPr>
+          <a:xfrm>
+            <a:off x="381300" y="685800"/>
+            <a:ext cx="6096000" cy="3429000"/>
+          </a:xfrm>
+          <a:custGeom>
+            <a:rect b="b" l="l" r="r" t="t"/>
+            <a:pathLst>
+              <a:path extrusionOk="0" h="120000" w="120000">
+                <a:moveTo>
+                  <a:pt x="0" y="0"/>
+                </a:moveTo>
+                <a:lnTo>
+                  <a:pt x="120000" y="0"/>
+                </a:lnTo>
+                <a:lnTo>
+                  <a:pt x="120000" y="120000"/>
+                </a:lnTo>
+                <a:lnTo>
+                  <a:pt x="0" y="120000"/>
+                </a:lnTo>
+                <a:close/>
+              </a:path>
+            </a:pathLst>
+          </a:custGeom>
+        </p:spPr>
+      </p:sp>
+      <p:sp>
+        <p:nvSpPr>
+          <p:cNvPr id="89" name="Google Shape;89;g1ef3c4f3ef5_0_11:notes"/>
+          <p:cNvSpPr txBox="1"/>
+          <p:nvPr>
+            <p:ph idx="1" type="body"/>
+          </p:nvPr>
+        </p:nvSpPr>
+        <p:spPr>
+          <a:xfrm>
+            <a:off x="685800" y="4343400"/>
+            <a:ext cx="5486400" cy="4114800"/>
+          </a:xfrm>
+          <a:prstGeom prst="rect">
+            <a:avLst/>
+          </a:prstGeom>
+        </p:spPr>
+        <p:txBody>
+          <a:bodyPr anchorCtr="0" anchor="t" bIns="91425" lIns="91425" spcFirstLastPara="1" rIns="91425" wrap="square" tIns="91425">
+            <a:noAutofit/>
+          </a:bodyPr>
+          <a:lstStyle/>
+          <a:p>
+            <a:pPr indent="0" lvl="0" marL="0" rtl="0" algn="l">
+              <a:spcBef>
+                <a:spcPts val="0"/>
+              </a:spcBef>
+              <a:spcAft>
+                <a:spcPts val="0"/>
+              </a:spcAft>
+              <a:buNone/>
+            </a:pPr>
+            <a:r>
+              <a:t/>
+            </a:r>
+            <a:endParaRPr/>
+          </a:p>
+        </p:txBody>
+      </p:sp>
+    </p:spTree>
+  </p:cSld>
+  <p:clrMapOvr>
+    <a:masterClrMapping/>
+  </p:clrMapOvr>
+</p:notes>
+</file>
+
+<file path=ppt/notesSlides/notesSlide8.xml><?xml version="1.0" encoding="utf-8"?>
+<p:notes xmlns:a="http://schemas.openxmlformats.org/drawingml/2006/main" xmlns:r="http://schemas.openxmlformats.org/officeDocument/2006/relationships" xmlns:mc="http://schemas.openxmlformats.org/markup-compatibility/2006" xmlns:mv="urn:schemas-microsoft-com:mac:vml" xmlns:p="http://schemas.openxmlformats.org/presentationml/2006/main" xmlns:c="http://schemas.openxmlformats.org/drawingml/2006/chart" xmlns:dgm="http://schemas.openxmlformats.org/drawingml/2006/diagram" xmlns:o="urn:schemas-microsoft-com:office:office" xmlns:v="urn:schemas-microsoft-com:vml" xmlns:pvml="urn:schemas-microsoft-com:office:powerpoint" xmlns:com="http://schemas.openxmlformats.org/drawingml/2006/compatibility" xmlns:p14="http://schemas.microsoft.com/office/powerpoint/2010/main" xmlns:p15="http://schemas.microsoft.com/office/powerpoint/2012/main" xmlns:ahyp="http://schemas.microsoft.com/office/drawing/2018/hyperlinkcolor" showMasterPhAnim="0" showMasterSp="0">
+  <p:cSld>
+    <p:spTree>
+      <p:nvGrpSpPr>
+        <p:cNvPr id="93" name="Shape 93"/>
+        <p:cNvGrpSpPr/>
+        <p:nvPr/>
+      </p:nvGrpSpPr>
+      <p:grpSpPr>
+        <a:xfrm>
+          <a:off x="0" y="0"/>
+          <a:ext cx="0" cy="0"/>
+          <a:chOff x="0" y="0"/>
+          <a:chExt cx="0" cy="0"/>
+        </a:xfrm>
+      </p:grpSpPr>
+      <p:sp>
+        <p:nvSpPr>
+          <p:cNvPr id="94" name="Google Shape;94;g1ef3c4f3ef5_0_16:notes"/>
+          <p:cNvSpPr/>
+          <p:nvPr>
+            <p:ph idx="2" type="sldImg"/>
+          </p:nvPr>
+        </p:nvSpPr>
+        <p:spPr>
+          <a:xfrm>
+            <a:off x="381300" y="685800"/>
+            <a:ext cx="6096000" cy="3429000"/>
+          </a:xfrm>
+          <a:custGeom>
+            <a:rect b="b" l="l" r="r" t="t"/>
+            <a:pathLst>
+              <a:path extrusionOk="0" h="120000" w="120000">
+                <a:moveTo>
+                  <a:pt x="0" y="0"/>
+                </a:moveTo>
+                <a:lnTo>
+                  <a:pt x="120000" y="0"/>
+                </a:lnTo>
+                <a:lnTo>
+                  <a:pt x="120000" y="120000"/>
+                </a:lnTo>
+                <a:lnTo>
+                  <a:pt x="0" y="120000"/>
+                </a:lnTo>
+                <a:close/>
+              </a:path>
+            </a:pathLst>
+          </a:custGeom>
+        </p:spPr>
+      </p:sp>
+      <p:sp>
+        <p:nvSpPr>
+          <p:cNvPr id="95" name="Google Shape;95;g1ef3c4f3ef5_0_16:notes"/>
+          <p:cNvSpPr txBox="1"/>
+          <p:nvPr>
+            <p:ph idx="1" type="body"/>
+          </p:nvPr>
+        </p:nvSpPr>
+        <p:spPr>
+          <a:xfrm>
+            <a:off x="685800" y="4343400"/>
+            <a:ext cx="5486400" cy="4114800"/>
+          </a:xfrm>
+          <a:prstGeom prst="rect">
+            <a:avLst/>
+          </a:prstGeom>
+        </p:spPr>
+        <p:txBody>
+          <a:bodyPr anchorCtr="0" anchor="t" bIns="91425" lIns="91425" spcFirstLastPara="1" rIns="91425" wrap="square" tIns="91425">
+            <a:noAutofit/>
+          </a:bodyPr>
+          <a:lstStyle/>
+          <a:p>
+            <a:pPr indent="0" lvl="0" marL="0" rtl="0" algn="l">
+              <a:spcBef>
+                <a:spcPts val="0"/>
+              </a:spcBef>
+              <a:spcAft>
+                <a:spcPts val="0"/>
+              </a:spcAft>
+              <a:buNone/>
+            </a:pPr>
+            <a:r>
+              <a:t/>
+            </a:r>
+            <a:endParaRPr/>
+          </a:p>
+        </p:txBody>
+      </p:sp>
+    </p:spTree>
+  </p:cSld>
+  <p:clrMapOvr>
+    <a:masterClrMapping/>
+  </p:clrMapOvr>
+</p:notes>
+</file>
+
+<file path=ppt/notesSlides/notesSlide9.xml><?xml version="1.0" encoding="utf-8"?>
+<p:notes xmlns:a="http://schemas.openxmlformats.org/drawingml/2006/main" xmlns:r="http://schemas.openxmlformats.org/officeDocument/2006/relationships" xmlns:mc="http://schemas.openxmlformats.org/markup-compatibility/2006" xmlns:mv="urn:schemas-microsoft-com:mac:vml" xmlns:p="http://schemas.openxmlformats.org/presentationml/2006/main" xmlns:c="http://schemas.openxmlformats.org/drawingml/2006/chart" xmlns:dgm="http://schemas.openxmlformats.org/drawingml/2006/diagram" xmlns:o="urn:schemas-microsoft-com:office:office" xmlns:v="urn:schemas-microsoft-com:vml" xmlns:pvml="urn:schemas-microsoft-com:office:powerpoint" xmlns:com="http://schemas.openxmlformats.org/drawingml/2006/compatibility" xmlns:p14="http://schemas.microsoft.com/office/powerpoint/2010/main" xmlns:p15="http://schemas.microsoft.com/office/powerpoint/2012/main" xmlns:ahyp="http://schemas.microsoft.com/office/drawing/2018/hyperlinkcolor" showMasterPhAnim="0" showMasterSp="0">
+  <p:cSld>
+    <p:spTree>
+      <p:nvGrpSpPr>
+        <p:cNvPr id="98" name="Shape 98"/>
+        <p:cNvGrpSpPr/>
+        <p:nvPr/>
+      </p:nvGrpSpPr>
+      <p:grpSpPr>
+        <a:xfrm>
+          <a:off x="0" y="0"/>
+          <a:ext cx="0" cy="0"/>
+          <a:chOff x="0" y="0"/>
+          <a:chExt cx="0" cy="0"/>
+        </a:xfrm>
+      </p:grpSpPr>
+      <p:sp>
+        <p:nvSpPr>
+          <p:cNvPr id="99" name="Google Shape;99;g1ef86a23d8c_0_70:notes"/>
+          <p:cNvSpPr/>
+          <p:nvPr>
+            <p:ph idx="2" type="sldImg"/>
+          </p:nvPr>
+        </p:nvSpPr>
+        <p:spPr>
+          <a:xfrm>
+            <a:off x="381300" y="685800"/>
+            <a:ext cx="6096000" cy="3429000"/>
+          </a:xfrm>
+          <a:custGeom>
+            <a:rect b="b" l="l" r="r" t="t"/>
+            <a:pathLst>
+              <a:path extrusionOk="0" h="120000" w="120000">
+                <a:moveTo>
+                  <a:pt x="0" y="0"/>
+                </a:moveTo>
+                <a:lnTo>
+                  <a:pt x="120000" y="0"/>
+                </a:lnTo>
+                <a:lnTo>
+                  <a:pt x="120000" y="120000"/>
+                </a:lnTo>
+                <a:lnTo>
+                  <a:pt x="0" y="120000"/>
+                </a:lnTo>
+                <a:close/>
+              </a:path>
+            </a:pathLst>
+          </a:custGeom>
+        </p:spPr>
+      </p:sp>
+      <p:sp>
+        <p:nvSpPr>
+          <p:cNvPr id="100" name="Google Shape;100;g1ef86a23d8c_0_70:notes"/>
           <p:cNvSpPr txBox="1"/>
           <p:nvPr>
             <p:ph idx="1" type="body"/>
@@ -5977,6 +8277,925 @@
 </p:sld>
 </file>
 
+<file path=ppt/slides/slide10.xml><?xml version="1.0" encoding="utf-8"?>
+<p:sld xmlns:a="http://schemas.openxmlformats.org/drawingml/2006/main" xmlns:r="http://schemas.openxmlformats.org/officeDocument/2006/relationships" xmlns:mc="http://schemas.openxmlformats.org/markup-compatibility/2006" xmlns:mv="urn:schemas-microsoft-com:mac:vml" xmlns:p="http://schemas.openxmlformats.org/presentationml/2006/main" xmlns:c="http://schemas.openxmlformats.org/drawingml/2006/chart" xmlns:dgm="http://schemas.openxmlformats.org/drawingml/2006/diagram" xmlns:o="urn:schemas-microsoft-com:office:office" xmlns:v="urn:schemas-microsoft-com:vml" xmlns:pvml="urn:schemas-microsoft-com:office:powerpoint" xmlns:com="http://schemas.openxmlformats.org/drawingml/2006/compatibility" xmlns:p14="http://schemas.microsoft.com/office/powerpoint/2010/main" xmlns:p15="http://schemas.microsoft.com/office/powerpoint/2012/main" xmlns:ahyp="http://schemas.microsoft.com/office/drawing/2018/hyperlinkcolor">
+  <p:cSld>
+    <p:spTree>
+      <p:nvGrpSpPr>
+        <p:cNvPr id="107" name="Shape 107"/>
+        <p:cNvGrpSpPr/>
+        <p:nvPr/>
+      </p:nvGrpSpPr>
+      <p:grpSpPr>
+        <a:xfrm>
+          <a:off x="0" y="0"/>
+          <a:ext cx="0" cy="0"/>
+          <a:chOff x="0" y="0"/>
+          <a:chExt cx="0" cy="0"/>
+        </a:xfrm>
+      </p:grpSpPr>
+      <p:sp>
+        <p:nvSpPr>
+          <p:cNvPr id="108" name="Google Shape;108;p22"/>
+          <p:cNvSpPr txBox="1"/>
+          <p:nvPr>
+            <p:ph type="title"/>
+          </p:nvPr>
+        </p:nvSpPr>
+        <p:spPr>
+          <a:xfrm>
+            <a:off x="311700" y="56925"/>
+            <a:ext cx="8520600" cy="572700"/>
+          </a:xfrm>
+          <a:prstGeom prst="rect">
+            <a:avLst/>
+          </a:prstGeom>
+          <a:noFill/>
+          <a:ln cap="flat" cmpd="sng" w="9525">
+            <a:solidFill>
+              <a:schemeClr val="lt1"/>
+            </a:solidFill>
+            <a:prstDash val="solid"/>
+            <a:round/>
+            <a:headEnd len="sm" w="sm" type="none"/>
+            <a:tailEnd len="sm" w="sm" type="none"/>
+          </a:ln>
+        </p:spPr>
+        <p:txBody>
+          <a:bodyPr anchorCtr="0" anchor="t" bIns="91425" lIns="91425" spcFirstLastPara="1" rIns="91425" wrap="square" tIns="91425">
+            <a:normAutofit/>
+          </a:bodyPr>
+          <a:lstStyle/>
+          <a:p>
+            <a:pPr indent="0" lvl="0" marL="0" rtl="0" algn="l">
+              <a:spcBef>
+                <a:spcPts val="0"/>
+              </a:spcBef>
+              <a:spcAft>
+                <a:spcPts val="0"/>
+              </a:spcAft>
+              <a:buSzPts val="990"/>
+              <a:buNone/>
+            </a:pPr>
+            <a:r>
+              <a:rPr lang="en" sz="2220">
+                <a:solidFill>
+                  <a:schemeClr val="dk2"/>
+                </a:solidFill>
+              </a:rPr>
+              <a:t>Empresas con el mayor número de reseñas </a:t>
+            </a:r>
+            <a:endParaRPr sz="2220">
+              <a:solidFill>
+                <a:schemeClr val="dk2"/>
+              </a:solidFill>
+            </a:endParaRPr>
+          </a:p>
+        </p:txBody>
+      </p:sp>
+      <p:pic>
+        <p:nvPicPr>
+          <p:cNvPr id="109" name="Google Shape;109;p22"/>
+          <p:cNvPicPr preferRelativeResize="0"/>
+          <p:nvPr/>
+        </p:nvPicPr>
+        <p:blipFill>
+          <a:blip r:embed="rId3">
+            <a:alphaModFix/>
+          </a:blip>
+          <a:stretch>
+            <a:fillRect/>
+          </a:stretch>
+        </p:blipFill>
+        <p:spPr>
+          <a:xfrm>
+            <a:off x="410775" y="727050"/>
+            <a:ext cx="8131149" cy="4254575"/>
+          </a:xfrm>
+          <a:prstGeom prst="rect">
+            <a:avLst/>
+          </a:prstGeom>
+          <a:noFill/>
+          <a:ln>
+            <a:noFill/>
+          </a:ln>
+        </p:spPr>
+      </p:pic>
+    </p:spTree>
+  </p:cSld>
+  <p:clrMapOvr>
+    <a:masterClrMapping/>
+  </p:clrMapOvr>
+</p:sld>
+</file>
+
+<file path=ppt/slides/slide11.xml><?xml version="1.0" encoding="utf-8"?>
+<p:sld xmlns:a="http://schemas.openxmlformats.org/drawingml/2006/main" xmlns:r="http://schemas.openxmlformats.org/officeDocument/2006/relationships" xmlns:mc="http://schemas.openxmlformats.org/markup-compatibility/2006" xmlns:mv="urn:schemas-microsoft-com:mac:vml" xmlns:p="http://schemas.openxmlformats.org/presentationml/2006/main" xmlns:c="http://schemas.openxmlformats.org/drawingml/2006/chart" xmlns:dgm="http://schemas.openxmlformats.org/drawingml/2006/diagram" xmlns:o="urn:schemas-microsoft-com:office:office" xmlns:v="urn:schemas-microsoft-com:vml" xmlns:pvml="urn:schemas-microsoft-com:office:powerpoint" xmlns:com="http://schemas.openxmlformats.org/drawingml/2006/compatibility" xmlns:p14="http://schemas.microsoft.com/office/powerpoint/2010/main" xmlns:p15="http://schemas.microsoft.com/office/powerpoint/2012/main" xmlns:ahyp="http://schemas.microsoft.com/office/drawing/2018/hyperlinkcolor">
+  <p:cSld>
+    <p:spTree>
+      <p:nvGrpSpPr>
+        <p:cNvPr id="113" name="Shape 113"/>
+        <p:cNvGrpSpPr/>
+        <p:nvPr/>
+      </p:nvGrpSpPr>
+      <p:grpSpPr>
+        <a:xfrm>
+          <a:off x="0" y="0"/>
+          <a:ext cx="0" cy="0"/>
+          <a:chOff x="0" y="0"/>
+          <a:chExt cx="0" cy="0"/>
+        </a:xfrm>
+      </p:grpSpPr>
+      <p:sp>
+        <p:nvSpPr>
+          <p:cNvPr id="114" name="Google Shape;114;p23"/>
+          <p:cNvSpPr txBox="1"/>
+          <p:nvPr>
+            <p:ph type="title"/>
+          </p:nvPr>
+        </p:nvSpPr>
+        <p:spPr>
+          <a:xfrm>
+            <a:off x="311700" y="445025"/>
+            <a:ext cx="8520600" cy="572700"/>
+          </a:xfrm>
+          <a:prstGeom prst="rect">
+            <a:avLst/>
+          </a:prstGeom>
+        </p:spPr>
+        <p:txBody>
+          <a:bodyPr anchorCtr="0" anchor="t" bIns="91425" lIns="91425" spcFirstLastPara="1" rIns="91425" wrap="square" tIns="91425">
+            <a:normAutofit fontScale="90000"/>
+          </a:bodyPr>
+          <a:lstStyle/>
+          <a:p>
+            <a:pPr indent="0" lvl="0" marL="0" rtl="0" algn="l">
+              <a:spcBef>
+                <a:spcPts val="0"/>
+              </a:spcBef>
+              <a:spcAft>
+                <a:spcPts val="0"/>
+              </a:spcAft>
+              <a:buNone/>
+            </a:pPr>
+            <a:r>
+              <a:t/>
+            </a:r>
+            <a:endParaRPr/>
+          </a:p>
+        </p:txBody>
+      </p:sp>
+      <p:sp>
+        <p:nvSpPr>
+          <p:cNvPr id="115" name="Google Shape;115;p23"/>
+          <p:cNvSpPr txBox="1"/>
+          <p:nvPr>
+            <p:ph idx="1" type="body"/>
+          </p:nvPr>
+        </p:nvSpPr>
+        <p:spPr>
+          <a:xfrm>
+            <a:off x="311700" y="1152475"/>
+            <a:ext cx="8520600" cy="3416400"/>
+          </a:xfrm>
+          <a:prstGeom prst="rect">
+            <a:avLst/>
+          </a:prstGeom>
+        </p:spPr>
+        <p:txBody>
+          <a:bodyPr anchorCtr="0" anchor="t" bIns="91425" lIns="91425" spcFirstLastPara="1" rIns="91425" wrap="square" tIns="91425">
+            <a:normAutofit/>
+          </a:bodyPr>
+          <a:lstStyle/>
+          <a:p>
+            <a:pPr indent="0" lvl="0" marL="0" rtl="0" algn="l">
+              <a:spcBef>
+                <a:spcPts val="0"/>
+              </a:spcBef>
+              <a:spcAft>
+                <a:spcPts val="1200"/>
+              </a:spcAft>
+              <a:buNone/>
+            </a:pPr>
+            <a:r>
+              <a:t/>
+            </a:r>
+            <a:endParaRPr/>
+          </a:p>
+        </p:txBody>
+      </p:sp>
+    </p:spTree>
+  </p:cSld>
+  <p:clrMapOvr>
+    <a:masterClrMapping/>
+  </p:clrMapOvr>
+</p:sld>
+</file>
+
+<file path=ppt/slides/slide12.xml><?xml version="1.0" encoding="utf-8"?>
+<p:sld xmlns:a="http://schemas.openxmlformats.org/drawingml/2006/main" xmlns:r="http://schemas.openxmlformats.org/officeDocument/2006/relationships" xmlns:mc="http://schemas.openxmlformats.org/markup-compatibility/2006" xmlns:mv="urn:schemas-microsoft-com:mac:vml" xmlns:p="http://schemas.openxmlformats.org/presentationml/2006/main" xmlns:c="http://schemas.openxmlformats.org/drawingml/2006/chart" xmlns:dgm="http://schemas.openxmlformats.org/drawingml/2006/diagram" xmlns:o="urn:schemas-microsoft-com:office:office" xmlns:v="urn:schemas-microsoft-com:vml" xmlns:pvml="urn:schemas-microsoft-com:office:powerpoint" xmlns:com="http://schemas.openxmlformats.org/drawingml/2006/compatibility" xmlns:p14="http://schemas.microsoft.com/office/powerpoint/2010/main" xmlns:p15="http://schemas.microsoft.com/office/powerpoint/2012/main" xmlns:ahyp="http://schemas.microsoft.com/office/drawing/2018/hyperlinkcolor">
+  <p:cSld>
+    <p:spTree>
+      <p:nvGrpSpPr>
+        <p:cNvPr id="119" name="Shape 119"/>
+        <p:cNvGrpSpPr/>
+        <p:nvPr/>
+      </p:nvGrpSpPr>
+      <p:grpSpPr>
+        <a:xfrm>
+          <a:off x="0" y="0"/>
+          <a:ext cx="0" cy="0"/>
+          <a:chOff x="0" y="0"/>
+          <a:chExt cx="0" cy="0"/>
+        </a:xfrm>
+      </p:grpSpPr>
+      <p:pic>
+        <p:nvPicPr>
+          <p:cNvPr id="120" name="Google Shape;120;p24"/>
+          <p:cNvPicPr preferRelativeResize="0"/>
+          <p:nvPr/>
+        </p:nvPicPr>
+        <p:blipFill>
+          <a:blip r:embed="rId3">
+            <a:alphaModFix/>
+          </a:blip>
+          <a:stretch>
+            <a:fillRect/>
+          </a:stretch>
+        </p:blipFill>
+        <p:spPr>
+          <a:xfrm>
+            <a:off x="152400" y="1080050"/>
+            <a:ext cx="8839204" cy="3224065"/>
+          </a:xfrm>
+          <a:prstGeom prst="rect">
+            <a:avLst/>
+          </a:prstGeom>
+          <a:noFill/>
+          <a:ln>
+            <a:noFill/>
+          </a:ln>
+        </p:spPr>
+      </p:pic>
+    </p:spTree>
+  </p:cSld>
+  <p:clrMapOvr>
+    <a:masterClrMapping/>
+  </p:clrMapOvr>
+</p:sld>
+</file>
+
+<file path=ppt/slides/slide13.xml><?xml version="1.0" encoding="utf-8"?>
+<p:sld xmlns:a="http://schemas.openxmlformats.org/drawingml/2006/main" xmlns:r="http://schemas.openxmlformats.org/officeDocument/2006/relationships" xmlns:mc="http://schemas.openxmlformats.org/markup-compatibility/2006" xmlns:mv="urn:schemas-microsoft-com:mac:vml" xmlns:p="http://schemas.openxmlformats.org/presentationml/2006/main" xmlns:c="http://schemas.openxmlformats.org/drawingml/2006/chart" xmlns:dgm="http://schemas.openxmlformats.org/drawingml/2006/diagram" xmlns:o="urn:schemas-microsoft-com:office:office" xmlns:v="urn:schemas-microsoft-com:vml" xmlns:pvml="urn:schemas-microsoft-com:office:powerpoint" xmlns:com="http://schemas.openxmlformats.org/drawingml/2006/compatibility" xmlns:p14="http://schemas.microsoft.com/office/powerpoint/2010/main" xmlns:p15="http://schemas.microsoft.com/office/powerpoint/2012/main" xmlns:ahyp="http://schemas.microsoft.com/office/drawing/2018/hyperlinkcolor">
+  <p:cSld>
+    <p:spTree>
+      <p:nvGrpSpPr>
+        <p:cNvPr id="124" name="Shape 124"/>
+        <p:cNvGrpSpPr/>
+        <p:nvPr/>
+      </p:nvGrpSpPr>
+      <p:grpSpPr>
+        <a:xfrm>
+          <a:off x="0" y="0"/>
+          <a:ext cx="0" cy="0"/>
+          <a:chOff x="0" y="0"/>
+          <a:chExt cx="0" cy="0"/>
+        </a:xfrm>
+      </p:grpSpPr>
+      <p:sp>
+        <p:nvSpPr>
+          <p:cNvPr id="125" name="Google Shape;125;p25"/>
+          <p:cNvSpPr txBox="1"/>
+          <p:nvPr>
+            <p:ph type="title"/>
+          </p:nvPr>
+        </p:nvSpPr>
+        <p:spPr>
+          <a:xfrm>
+            <a:off x="311700" y="445025"/>
+            <a:ext cx="8520600" cy="572700"/>
+          </a:xfrm>
+          <a:prstGeom prst="rect">
+            <a:avLst/>
+          </a:prstGeom>
+        </p:spPr>
+        <p:txBody>
+          <a:bodyPr anchorCtr="0" anchor="t" bIns="91425" lIns="91425" spcFirstLastPara="1" rIns="91425" wrap="square" tIns="91425">
+            <a:normAutofit fontScale="90000"/>
+          </a:bodyPr>
+          <a:lstStyle/>
+          <a:p>
+            <a:pPr indent="0" lvl="0" marL="0" rtl="0" algn="l">
+              <a:spcBef>
+                <a:spcPts val="0"/>
+              </a:spcBef>
+              <a:spcAft>
+                <a:spcPts val="0"/>
+              </a:spcAft>
+              <a:buNone/>
+            </a:pPr>
+            <a:r>
+              <a:t/>
+            </a:r>
+            <a:endParaRPr/>
+          </a:p>
+        </p:txBody>
+      </p:sp>
+      <p:sp>
+        <p:nvSpPr>
+          <p:cNvPr id="126" name="Google Shape;126;p25"/>
+          <p:cNvSpPr txBox="1"/>
+          <p:nvPr>
+            <p:ph idx="1" type="body"/>
+          </p:nvPr>
+        </p:nvSpPr>
+        <p:spPr>
+          <a:xfrm>
+            <a:off x="311700" y="1152475"/>
+            <a:ext cx="8520600" cy="3416400"/>
+          </a:xfrm>
+          <a:prstGeom prst="rect">
+            <a:avLst/>
+          </a:prstGeom>
+        </p:spPr>
+        <p:txBody>
+          <a:bodyPr anchorCtr="0" anchor="t" bIns="91425" lIns="91425" spcFirstLastPara="1" rIns="91425" wrap="square" tIns="91425">
+            <a:normAutofit/>
+          </a:bodyPr>
+          <a:lstStyle/>
+          <a:p>
+            <a:pPr indent="0" lvl="0" marL="0" rtl="0" algn="l">
+              <a:spcBef>
+                <a:spcPts val="0"/>
+              </a:spcBef>
+              <a:spcAft>
+                <a:spcPts val="1200"/>
+              </a:spcAft>
+              <a:buNone/>
+            </a:pPr>
+            <a:r>
+              <a:t/>
+            </a:r>
+            <a:endParaRPr/>
+          </a:p>
+        </p:txBody>
+      </p:sp>
+    </p:spTree>
+  </p:cSld>
+  <p:clrMapOvr>
+    <a:masterClrMapping/>
+  </p:clrMapOvr>
+</p:sld>
+</file>
+
+<file path=ppt/slides/slide14.xml><?xml version="1.0" encoding="utf-8"?>
+<p:sld xmlns:a="http://schemas.openxmlformats.org/drawingml/2006/main" xmlns:r="http://schemas.openxmlformats.org/officeDocument/2006/relationships" xmlns:mc="http://schemas.openxmlformats.org/markup-compatibility/2006" xmlns:mv="urn:schemas-microsoft-com:mac:vml" xmlns:p="http://schemas.openxmlformats.org/presentationml/2006/main" xmlns:c="http://schemas.openxmlformats.org/drawingml/2006/chart" xmlns:dgm="http://schemas.openxmlformats.org/drawingml/2006/diagram" xmlns:o="urn:schemas-microsoft-com:office:office" xmlns:v="urn:schemas-microsoft-com:vml" xmlns:pvml="urn:schemas-microsoft-com:office:powerpoint" xmlns:com="http://schemas.openxmlformats.org/drawingml/2006/compatibility" xmlns:p14="http://schemas.microsoft.com/office/powerpoint/2010/main" xmlns:p15="http://schemas.microsoft.com/office/powerpoint/2012/main" xmlns:ahyp="http://schemas.microsoft.com/office/drawing/2018/hyperlinkcolor">
+  <p:cSld>
+    <p:spTree>
+      <p:nvGrpSpPr>
+        <p:cNvPr id="130" name="Shape 130"/>
+        <p:cNvGrpSpPr/>
+        <p:nvPr/>
+      </p:nvGrpSpPr>
+      <p:grpSpPr>
+        <a:xfrm>
+          <a:off x="0" y="0"/>
+          <a:ext cx="0" cy="0"/>
+          <a:chOff x="0" y="0"/>
+          <a:chExt cx="0" cy="0"/>
+        </a:xfrm>
+      </p:grpSpPr>
+      <p:sp>
+        <p:nvSpPr>
+          <p:cNvPr id="131" name="Google Shape;131;p26"/>
+          <p:cNvSpPr txBox="1"/>
+          <p:nvPr/>
+        </p:nvSpPr>
+        <p:spPr>
+          <a:xfrm>
+            <a:off x="0" y="0"/>
+            <a:ext cx="3000000" cy="400200"/>
+          </a:xfrm>
+          <a:prstGeom prst="rect">
+            <a:avLst/>
+          </a:prstGeom>
+          <a:noFill/>
+          <a:ln>
+            <a:noFill/>
+          </a:ln>
+        </p:spPr>
+        <p:txBody>
+          <a:bodyPr anchorCtr="0" anchor="t" bIns="91425" lIns="91425" spcFirstLastPara="1" rIns="91425" wrap="square" tIns="91425">
+            <a:spAutoFit/>
+          </a:bodyPr>
+          <a:lstStyle/>
+          <a:p>
+            <a:pPr indent="0" lvl="0" marL="0" rtl="0" algn="l">
+              <a:spcBef>
+                <a:spcPts val="0"/>
+              </a:spcBef>
+              <a:spcAft>
+                <a:spcPts val="0"/>
+              </a:spcAft>
+              <a:buNone/>
+            </a:pPr>
+            <a:r>
+              <a:t/>
+            </a:r>
+            <a:endParaRPr/>
+          </a:p>
+        </p:txBody>
+      </p:sp>
+      <p:pic>
+        <p:nvPicPr>
+          <p:cNvPr id="132" name="Google Shape;132;p26"/>
+          <p:cNvPicPr preferRelativeResize="0"/>
+          <p:nvPr/>
+        </p:nvPicPr>
+        <p:blipFill>
+          <a:blip r:embed="rId3">
+            <a:alphaModFix/>
+          </a:blip>
+          <a:stretch>
+            <a:fillRect/>
+          </a:stretch>
+        </p:blipFill>
+        <p:spPr>
+          <a:xfrm>
+            <a:off x="114525" y="988025"/>
+            <a:ext cx="8839204" cy="3064372"/>
+          </a:xfrm>
+          <a:prstGeom prst="rect">
+            <a:avLst/>
+          </a:prstGeom>
+          <a:noFill/>
+          <a:ln>
+            <a:noFill/>
+          </a:ln>
+        </p:spPr>
+      </p:pic>
+    </p:spTree>
+  </p:cSld>
+  <p:clrMapOvr>
+    <a:masterClrMapping/>
+  </p:clrMapOvr>
+</p:sld>
+</file>
+
+<file path=ppt/slides/slide15.xml><?xml version="1.0" encoding="utf-8"?>
+<p:sld xmlns:a="http://schemas.openxmlformats.org/drawingml/2006/main" xmlns:r="http://schemas.openxmlformats.org/officeDocument/2006/relationships" xmlns:mc="http://schemas.openxmlformats.org/markup-compatibility/2006" xmlns:mv="urn:schemas-microsoft-com:mac:vml" xmlns:p="http://schemas.openxmlformats.org/presentationml/2006/main" xmlns:c="http://schemas.openxmlformats.org/drawingml/2006/chart" xmlns:dgm="http://schemas.openxmlformats.org/drawingml/2006/diagram" xmlns:o="urn:schemas-microsoft-com:office:office" xmlns:v="urn:schemas-microsoft-com:vml" xmlns:pvml="urn:schemas-microsoft-com:office:powerpoint" xmlns:com="http://schemas.openxmlformats.org/drawingml/2006/compatibility" xmlns:p14="http://schemas.microsoft.com/office/powerpoint/2010/main" xmlns:p15="http://schemas.microsoft.com/office/powerpoint/2012/main" xmlns:ahyp="http://schemas.microsoft.com/office/drawing/2018/hyperlinkcolor">
+  <p:cSld>
+    <p:spTree>
+      <p:nvGrpSpPr>
+        <p:cNvPr id="136" name="Shape 136"/>
+        <p:cNvGrpSpPr/>
+        <p:nvPr/>
+      </p:nvGrpSpPr>
+      <p:grpSpPr>
+        <a:xfrm>
+          <a:off x="0" y="0"/>
+          <a:ext cx="0" cy="0"/>
+          <a:chOff x="0" y="0"/>
+          <a:chExt cx="0" cy="0"/>
+        </a:xfrm>
+      </p:grpSpPr>
+      <p:sp>
+        <p:nvSpPr>
+          <p:cNvPr id="137" name="Google Shape;137;p27"/>
+          <p:cNvSpPr txBox="1"/>
+          <p:nvPr>
+            <p:ph type="title"/>
+          </p:nvPr>
+        </p:nvSpPr>
+        <p:spPr>
+          <a:xfrm>
+            <a:off x="311700" y="445025"/>
+            <a:ext cx="8520600" cy="572700"/>
+          </a:xfrm>
+          <a:prstGeom prst="rect">
+            <a:avLst/>
+          </a:prstGeom>
+        </p:spPr>
+        <p:txBody>
+          <a:bodyPr anchorCtr="0" anchor="t" bIns="91425" lIns="91425" spcFirstLastPara="1" rIns="91425" wrap="square" tIns="91425">
+            <a:normAutofit fontScale="90000"/>
+          </a:bodyPr>
+          <a:lstStyle/>
+          <a:p>
+            <a:pPr indent="0" lvl="0" marL="0" rtl="0" algn="l">
+              <a:spcBef>
+                <a:spcPts val="0"/>
+              </a:spcBef>
+              <a:spcAft>
+                <a:spcPts val="0"/>
+              </a:spcAft>
+              <a:buNone/>
+            </a:pPr>
+            <a:r>
+              <a:t/>
+            </a:r>
+            <a:endParaRPr/>
+          </a:p>
+        </p:txBody>
+      </p:sp>
+      <p:sp>
+        <p:nvSpPr>
+          <p:cNvPr id="138" name="Google Shape;138;p27"/>
+          <p:cNvSpPr txBox="1"/>
+          <p:nvPr>
+            <p:ph idx="1" type="body"/>
+          </p:nvPr>
+        </p:nvSpPr>
+        <p:spPr>
+          <a:xfrm>
+            <a:off x="311700" y="1152475"/>
+            <a:ext cx="8520600" cy="3416400"/>
+          </a:xfrm>
+          <a:prstGeom prst="rect">
+            <a:avLst/>
+          </a:prstGeom>
+        </p:spPr>
+        <p:txBody>
+          <a:bodyPr anchorCtr="0" anchor="t" bIns="91425" lIns="91425" spcFirstLastPara="1" rIns="91425" wrap="square" tIns="91425">
+            <a:normAutofit/>
+          </a:bodyPr>
+          <a:lstStyle/>
+          <a:p>
+            <a:pPr indent="0" lvl="0" marL="0" rtl="0" algn="l">
+              <a:spcBef>
+                <a:spcPts val="0"/>
+              </a:spcBef>
+              <a:spcAft>
+                <a:spcPts val="1200"/>
+              </a:spcAft>
+              <a:buNone/>
+            </a:pPr>
+            <a:r>
+              <a:t/>
+            </a:r>
+            <a:endParaRPr/>
+          </a:p>
+        </p:txBody>
+      </p:sp>
+    </p:spTree>
+  </p:cSld>
+  <p:clrMapOvr>
+    <a:masterClrMapping/>
+  </p:clrMapOvr>
+</p:sld>
+</file>
+
+<file path=ppt/slides/slide16.xml><?xml version="1.0" encoding="utf-8"?>
+<p:sld xmlns:a="http://schemas.openxmlformats.org/drawingml/2006/main" xmlns:r="http://schemas.openxmlformats.org/officeDocument/2006/relationships" xmlns:mc="http://schemas.openxmlformats.org/markup-compatibility/2006" xmlns:mv="urn:schemas-microsoft-com:mac:vml" xmlns:p="http://schemas.openxmlformats.org/presentationml/2006/main" xmlns:c="http://schemas.openxmlformats.org/drawingml/2006/chart" xmlns:dgm="http://schemas.openxmlformats.org/drawingml/2006/diagram" xmlns:o="urn:schemas-microsoft-com:office:office" xmlns:v="urn:schemas-microsoft-com:vml" xmlns:pvml="urn:schemas-microsoft-com:office:powerpoint" xmlns:com="http://schemas.openxmlformats.org/drawingml/2006/compatibility" xmlns:p14="http://schemas.microsoft.com/office/powerpoint/2010/main" xmlns:p15="http://schemas.microsoft.com/office/powerpoint/2012/main" xmlns:ahyp="http://schemas.microsoft.com/office/drawing/2018/hyperlinkcolor">
+  <p:cSld>
+    <p:spTree>
+      <p:nvGrpSpPr>
+        <p:cNvPr id="142" name="Shape 142"/>
+        <p:cNvGrpSpPr/>
+        <p:nvPr/>
+      </p:nvGrpSpPr>
+      <p:grpSpPr>
+        <a:xfrm>
+          <a:off x="0" y="0"/>
+          <a:ext cx="0" cy="0"/>
+          <a:chOff x="0" y="0"/>
+          <a:chExt cx="0" cy="0"/>
+        </a:xfrm>
+      </p:grpSpPr>
+      <p:sp>
+        <p:nvSpPr>
+          <p:cNvPr id="143" name="Google Shape;143;p28"/>
+          <p:cNvSpPr txBox="1"/>
+          <p:nvPr>
+            <p:ph idx="1" type="body"/>
+          </p:nvPr>
+        </p:nvSpPr>
+        <p:spPr>
+          <a:xfrm>
+            <a:off x="311700" y="3651425"/>
+            <a:ext cx="8520600" cy="917400"/>
+          </a:xfrm>
+          <a:prstGeom prst="rect">
+            <a:avLst/>
+          </a:prstGeom>
+        </p:spPr>
+        <p:txBody>
+          <a:bodyPr anchorCtr="0" anchor="t" bIns="91425" lIns="91425" spcFirstLastPara="1" rIns="91425" wrap="square" tIns="91425">
+            <a:normAutofit/>
+          </a:bodyPr>
+          <a:lstStyle/>
+          <a:p>
+            <a:pPr indent="0" lvl="0" marL="0" rtl="0" algn="l">
+              <a:spcBef>
+                <a:spcPts val="0"/>
+              </a:spcBef>
+              <a:spcAft>
+                <a:spcPts val="1200"/>
+              </a:spcAft>
+              <a:buNone/>
+            </a:pPr>
+            <a:r>
+              <a:t/>
+            </a:r>
+            <a:endParaRPr/>
+          </a:p>
+        </p:txBody>
+      </p:sp>
+      <p:pic>
+        <p:nvPicPr>
+          <p:cNvPr id="144" name="Google Shape;144;p28"/>
+          <p:cNvPicPr preferRelativeResize="0"/>
+          <p:nvPr/>
+        </p:nvPicPr>
+        <p:blipFill>
+          <a:blip r:embed="rId3">
+            <a:alphaModFix/>
+          </a:blip>
+          <a:stretch>
+            <a:fillRect/>
+          </a:stretch>
+        </p:blipFill>
+        <p:spPr>
+          <a:xfrm>
+            <a:off x="217700" y="280471"/>
+            <a:ext cx="9144003" cy="3370958"/>
+          </a:xfrm>
+          <a:prstGeom prst="rect">
+            <a:avLst/>
+          </a:prstGeom>
+          <a:noFill/>
+          <a:ln>
+            <a:noFill/>
+          </a:ln>
+        </p:spPr>
+      </p:pic>
+    </p:spTree>
+  </p:cSld>
+  <p:clrMapOvr>
+    <a:masterClrMapping/>
+  </p:clrMapOvr>
+</p:sld>
+</file>
+
+<file path=ppt/slides/slide17.xml><?xml version="1.0" encoding="utf-8"?>
+<p:sld xmlns:a="http://schemas.openxmlformats.org/drawingml/2006/main" xmlns:r="http://schemas.openxmlformats.org/officeDocument/2006/relationships" xmlns:mc="http://schemas.openxmlformats.org/markup-compatibility/2006" xmlns:mv="urn:schemas-microsoft-com:mac:vml" xmlns:p="http://schemas.openxmlformats.org/presentationml/2006/main" xmlns:c="http://schemas.openxmlformats.org/drawingml/2006/chart" xmlns:dgm="http://schemas.openxmlformats.org/drawingml/2006/diagram" xmlns:o="urn:schemas-microsoft-com:office:office" xmlns:v="urn:schemas-microsoft-com:vml" xmlns:pvml="urn:schemas-microsoft-com:office:powerpoint" xmlns:com="http://schemas.openxmlformats.org/drawingml/2006/compatibility" xmlns:p14="http://schemas.microsoft.com/office/powerpoint/2010/main" xmlns:p15="http://schemas.microsoft.com/office/powerpoint/2012/main" xmlns:ahyp="http://schemas.microsoft.com/office/drawing/2018/hyperlinkcolor">
+  <p:cSld>
+    <p:spTree>
+      <p:nvGrpSpPr>
+        <p:cNvPr id="148" name="Shape 148"/>
+        <p:cNvGrpSpPr/>
+        <p:nvPr/>
+      </p:nvGrpSpPr>
+      <p:grpSpPr>
+        <a:xfrm>
+          <a:off x="0" y="0"/>
+          <a:ext cx="0" cy="0"/>
+          <a:chOff x="0" y="0"/>
+          <a:chExt cx="0" cy="0"/>
+        </a:xfrm>
+      </p:grpSpPr>
+      <p:sp>
+        <p:nvSpPr>
+          <p:cNvPr id="149" name="Google Shape;149;p29"/>
+          <p:cNvSpPr txBox="1"/>
+          <p:nvPr>
+            <p:ph type="title"/>
+          </p:nvPr>
+        </p:nvSpPr>
+        <p:spPr>
+          <a:xfrm>
+            <a:off x="311700" y="445025"/>
+            <a:ext cx="8520600" cy="572700"/>
+          </a:xfrm>
+          <a:prstGeom prst="rect">
+            <a:avLst/>
+          </a:prstGeom>
+        </p:spPr>
+        <p:txBody>
+          <a:bodyPr anchorCtr="0" anchor="t" bIns="91425" lIns="91425" spcFirstLastPara="1" rIns="91425" wrap="square" tIns="91425">
+            <a:normAutofit fontScale="90000"/>
+          </a:bodyPr>
+          <a:lstStyle/>
+          <a:p>
+            <a:pPr indent="0" lvl="0" marL="0" rtl="0" algn="l">
+              <a:spcBef>
+                <a:spcPts val="0"/>
+              </a:spcBef>
+              <a:spcAft>
+                <a:spcPts val="0"/>
+              </a:spcAft>
+              <a:buNone/>
+            </a:pPr>
+            <a:r>
+              <a:t/>
+            </a:r>
+            <a:endParaRPr/>
+          </a:p>
+        </p:txBody>
+      </p:sp>
+      <p:sp>
+        <p:nvSpPr>
+          <p:cNvPr id="150" name="Google Shape;150;p29"/>
+          <p:cNvSpPr txBox="1"/>
+          <p:nvPr>
+            <p:ph idx="1" type="body"/>
+          </p:nvPr>
+        </p:nvSpPr>
+        <p:spPr>
+          <a:xfrm>
+            <a:off x="311700" y="1152475"/>
+            <a:ext cx="8520600" cy="3416400"/>
+          </a:xfrm>
+          <a:prstGeom prst="rect">
+            <a:avLst/>
+          </a:prstGeom>
+        </p:spPr>
+        <p:txBody>
+          <a:bodyPr anchorCtr="0" anchor="t" bIns="91425" lIns="91425" spcFirstLastPara="1" rIns="91425" wrap="square" tIns="91425">
+            <a:normAutofit/>
+          </a:bodyPr>
+          <a:lstStyle/>
+          <a:p>
+            <a:pPr indent="0" lvl="0" marL="0" rtl="0" algn="l">
+              <a:spcBef>
+                <a:spcPts val="0"/>
+              </a:spcBef>
+              <a:spcAft>
+                <a:spcPts val="1200"/>
+              </a:spcAft>
+              <a:buNone/>
+            </a:pPr>
+            <a:r>
+              <a:t/>
+            </a:r>
+            <a:endParaRPr/>
+          </a:p>
+        </p:txBody>
+      </p:sp>
+    </p:spTree>
+  </p:cSld>
+  <p:clrMapOvr>
+    <a:masterClrMapping/>
+  </p:clrMapOvr>
+</p:sld>
+</file>
+
+<file path=ppt/slides/slide18.xml><?xml version="1.0" encoding="utf-8"?>
+<p:sld xmlns:a="http://schemas.openxmlformats.org/drawingml/2006/main" xmlns:r="http://schemas.openxmlformats.org/officeDocument/2006/relationships" xmlns:mc="http://schemas.openxmlformats.org/markup-compatibility/2006" xmlns:mv="urn:schemas-microsoft-com:mac:vml" xmlns:p="http://schemas.openxmlformats.org/presentationml/2006/main" xmlns:c="http://schemas.openxmlformats.org/drawingml/2006/chart" xmlns:dgm="http://schemas.openxmlformats.org/drawingml/2006/diagram" xmlns:o="urn:schemas-microsoft-com:office:office" xmlns:v="urn:schemas-microsoft-com:vml" xmlns:pvml="urn:schemas-microsoft-com:office:powerpoint" xmlns:com="http://schemas.openxmlformats.org/drawingml/2006/compatibility" xmlns:p14="http://schemas.microsoft.com/office/powerpoint/2010/main" xmlns:p15="http://schemas.microsoft.com/office/powerpoint/2012/main" xmlns:ahyp="http://schemas.microsoft.com/office/drawing/2018/hyperlinkcolor">
+  <p:cSld>
+    <p:spTree>
+      <p:nvGrpSpPr>
+        <p:cNvPr id="154" name="Shape 154"/>
+        <p:cNvGrpSpPr/>
+        <p:nvPr/>
+      </p:nvGrpSpPr>
+      <p:grpSpPr>
+        <a:xfrm>
+          <a:off x="0" y="0"/>
+          <a:ext cx="0" cy="0"/>
+          <a:chOff x="0" y="0"/>
+          <a:chExt cx="0" cy="0"/>
+        </a:xfrm>
+      </p:grpSpPr>
+      <p:pic>
+        <p:nvPicPr>
+          <p:cNvPr id="155" name="Google Shape;155;p30"/>
+          <p:cNvPicPr preferRelativeResize="0"/>
+          <p:nvPr/>
+        </p:nvPicPr>
+        <p:blipFill>
+          <a:blip r:embed="rId3">
+            <a:alphaModFix/>
+          </a:blip>
+          <a:stretch>
+            <a:fillRect/>
+          </a:stretch>
+        </p:blipFill>
+        <p:spPr>
+          <a:xfrm>
+            <a:off x="152400" y="152400"/>
+            <a:ext cx="8839201" cy="4313953"/>
+          </a:xfrm>
+          <a:prstGeom prst="rect">
+            <a:avLst/>
+          </a:prstGeom>
+          <a:noFill/>
+          <a:ln>
+            <a:noFill/>
+          </a:ln>
+        </p:spPr>
+      </p:pic>
+    </p:spTree>
+  </p:cSld>
+  <p:clrMapOvr>
+    <a:masterClrMapping/>
+  </p:clrMapOvr>
+</p:sld>
+</file>
+
+<file path=ppt/slides/slide19.xml><?xml version="1.0" encoding="utf-8"?>
+<p:sld xmlns:a="http://schemas.openxmlformats.org/drawingml/2006/main" xmlns:r="http://schemas.openxmlformats.org/officeDocument/2006/relationships" xmlns:mc="http://schemas.openxmlformats.org/markup-compatibility/2006" xmlns:mv="urn:schemas-microsoft-com:mac:vml" xmlns:p="http://schemas.openxmlformats.org/presentationml/2006/main" xmlns:c="http://schemas.openxmlformats.org/drawingml/2006/chart" xmlns:dgm="http://schemas.openxmlformats.org/drawingml/2006/diagram" xmlns:o="urn:schemas-microsoft-com:office:office" xmlns:v="urn:schemas-microsoft-com:vml" xmlns:pvml="urn:schemas-microsoft-com:office:powerpoint" xmlns:com="http://schemas.openxmlformats.org/drawingml/2006/compatibility" xmlns:p14="http://schemas.microsoft.com/office/powerpoint/2010/main" xmlns:p15="http://schemas.microsoft.com/office/powerpoint/2012/main" xmlns:ahyp="http://schemas.microsoft.com/office/drawing/2018/hyperlinkcolor">
+  <p:cSld>
+    <p:spTree>
+      <p:nvGrpSpPr>
+        <p:cNvPr id="159" name="Shape 159"/>
+        <p:cNvGrpSpPr/>
+        <p:nvPr/>
+      </p:nvGrpSpPr>
+      <p:grpSpPr>
+        <a:xfrm>
+          <a:off x="0" y="0"/>
+          <a:ext cx="0" cy="0"/>
+          <a:chOff x="0" y="0"/>
+          <a:chExt cx="0" cy="0"/>
+        </a:xfrm>
+      </p:grpSpPr>
+      <p:sp>
+        <p:nvSpPr>
+          <p:cNvPr id="160" name="Google Shape;160;p31"/>
+          <p:cNvSpPr txBox="1"/>
+          <p:nvPr>
+            <p:ph type="title"/>
+          </p:nvPr>
+        </p:nvSpPr>
+        <p:spPr>
+          <a:xfrm>
+            <a:off x="311700" y="445025"/>
+            <a:ext cx="8520600" cy="572700"/>
+          </a:xfrm>
+          <a:prstGeom prst="rect">
+            <a:avLst/>
+          </a:prstGeom>
+        </p:spPr>
+        <p:txBody>
+          <a:bodyPr anchorCtr="0" anchor="t" bIns="91425" lIns="91425" spcFirstLastPara="1" rIns="91425" wrap="square" tIns="91425">
+            <a:normAutofit fontScale="90000"/>
+          </a:bodyPr>
+          <a:lstStyle/>
+          <a:p>
+            <a:pPr indent="0" lvl="0" marL="0" rtl="0" algn="l">
+              <a:spcBef>
+                <a:spcPts val="0"/>
+              </a:spcBef>
+              <a:spcAft>
+                <a:spcPts val="0"/>
+              </a:spcAft>
+              <a:buNone/>
+            </a:pPr>
+            <a:r>
+              <a:t/>
+            </a:r>
+            <a:endParaRPr/>
+          </a:p>
+        </p:txBody>
+      </p:sp>
+      <p:sp>
+        <p:nvSpPr>
+          <p:cNvPr id="161" name="Google Shape;161;p31"/>
+          <p:cNvSpPr txBox="1"/>
+          <p:nvPr>
+            <p:ph idx="1" type="body"/>
+          </p:nvPr>
+        </p:nvSpPr>
+        <p:spPr>
+          <a:xfrm>
+            <a:off x="311700" y="1152475"/>
+            <a:ext cx="8520600" cy="3416400"/>
+          </a:xfrm>
+          <a:prstGeom prst="rect">
+            <a:avLst/>
+          </a:prstGeom>
+        </p:spPr>
+        <p:txBody>
+          <a:bodyPr anchorCtr="0" anchor="t" bIns="91425" lIns="91425" spcFirstLastPara="1" rIns="91425" wrap="square" tIns="91425">
+            <a:normAutofit/>
+          </a:bodyPr>
+          <a:lstStyle/>
+          <a:p>
+            <a:pPr indent="0" lvl="0" marL="0" rtl="0" algn="l">
+              <a:spcBef>
+                <a:spcPts val="0"/>
+              </a:spcBef>
+              <a:spcAft>
+                <a:spcPts val="1200"/>
+              </a:spcAft>
+              <a:buNone/>
+            </a:pPr>
+            <a:r>
+              <a:t/>
+            </a:r>
+            <a:endParaRPr/>
+          </a:p>
+        </p:txBody>
+      </p:sp>
+    </p:spTree>
+  </p:cSld>
+  <p:clrMapOvr>
+    <a:masterClrMapping/>
+  </p:clrMapOvr>
+</p:sld>
+</file>
+
 <file path=ppt/slides/slide2.xml><?xml version="1.0" encoding="utf-8"?>
 <p:sld xmlns:a="http://schemas.openxmlformats.org/drawingml/2006/main" xmlns:r="http://schemas.openxmlformats.org/officeDocument/2006/relationships" xmlns:mc="http://schemas.openxmlformats.org/markup-compatibility/2006" xmlns:mv="urn:schemas-microsoft-com:mac:vml" xmlns:p="http://schemas.openxmlformats.org/presentationml/2006/main" xmlns:c="http://schemas.openxmlformats.org/drawingml/2006/chart" xmlns:dgm="http://schemas.openxmlformats.org/drawingml/2006/diagram" xmlns:o="urn:schemas-microsoft-com:office:office" xmlns:v="urn:schemas-microsoft-com:vml" xmlns:pvml="urn:schemas-microsoft-com:office:powerpoint" xmlns:com="http://schemas.openxmlformats.org/drawingml/2006/compatibility" xmlns:p14="http://schemas.microsoft.com/office/powerpoint/2010/main" xmlns:p15="http://schemas.microsoft.com/office/powerpoint/2012/main" xmlns:ahyp="http://schemas.microsoft.com/office/drawing/2018/hyperlinkcolor">
   <p:cSld>
@@ -6242,6 +9461,611 @@
           </a:p>
         </p:txBody>
       </p:sp>
+    </p:spTree>
+  </p:cSld>
+  <p:clrMapOvr>
+    <a:masterClrMapping/>
+  </p:clrMapOvr>
+</p:sld>
+</file>
+
+<file path=ppt/slides/slide20.xml><?xml version="1.0" encoding="utf-8"?>
+<p:sld xmlns:a="http://schemas.openxmlformats.org/drawingml/2006/main" xmlns:r="http://schemas.openxmlformats.org/officeDocument/2006/relationships" xmlns:mc="http://schemas.openxmlformats.org/markup-compatibility/2006" xmlns:mv="urn:schemas-microsoft-com:mac:vml" xmlns:p="http://schemas.openxmlformats.org/presentationml/2006/main" xmlns:c="http://schemas.openxmlformats.org/drawingml/2006/chart" xmlns:dgm="http://schemas.openxmlformats.org/drawingml/2006/diagram" xmlns:o="urn:schemas-microsoft-com:office:office" xmlns:v="urn:schemas-microsoft-com:vml" xmlns:pvml="urn:schemas-microsoft-com:office:powerpoint" xmlns:com="http://schemas.openxmlformats.org/drawingml/2006/compatibility" xmlns:p14="http://schemas.microsoft.com/office/powerpoint/2010/main" xmlns:p15="http://schemas.microsoft.com/office/powerpoint/2012/main" xmlns:ahyp="http://schemas.microsoft.com/office/drawing/2018/hyperlinkcolor">
+  <p:cSld>
+    <p:spTree>
+      <p:nvGrpSpPr>
+        <p:cNvPr id="165" name="Shape 165"/>
+        <p:cNvGrpSpPr/>
+        <p:nvPr/>
+      </p:nvGrpSpPr>
+      <p:grpSpPr>
+        <a:xfrm>
+          <a:off x="0" y="0"/>
+          <a:ext cx="0" cy="0"/>
+          <a:chOff x="0" y="0"/>
+          <a:chExt cx="0" cy="0"/>
+        </a:xfrm>
+      </p:grpSpPr>
+      <p:pic>
+        <p:nvPicPr>
+          <p:cNvPr id="166" name="Google Shape;166;p32"/>
+          <p:cNvPicPr preferRelativeResize="0"/>
+          <p:nvPr/>
+        </p:nvPicPr>
+        <p:blipFill>
+          <a:blip r:embed="rId3">
+            <a:alphaModFix/>
+          </a:blip>
+          <a:stretch>
+            <a:fillRect/>
+          </a:stretch>
+        </p:blipFill>
+        <p:spPr>
+          <a:xfrm>
+            <a:off x="152400" y="152400"/>
+            <a:ext cx="8839199" cy="4305375"/>
+          </a:xfrm>
+          <a:prstGeom prst="rect">
+            <a:avLst/>
+          </a:prstGeom>
+          <a:noFill/>
+          <a:ln>
+            <a:noFill/>
+          </a:ln>
+        </p:spPr>
+      </p:pic>
+    </p:spTree>
+  </p:cSld>
+  <p:clrMapOvr>
+    <a:masterClrMapping/>
+  </p:clrMapOvr>
+</p:sld>
+</file>
+
+<file path=ppt/slides/slide21.xml><?xml version="1.0" encoding="utf-8"?>
+<p:sld xmlns:a="http://schemas.openxmlformats.org/drawingml/2006/main" xmlns:r="http://schemas.openxmlformats.org/officeDocument/2006/relationships" xmlns:mc="http://schemas.openxmlformats.org/markup-compatibility/2006" xmlns:mv="urn:schemas-microsoft-com:mac:vml" xmlns:p="http://schemas.openxmlformats.org/presentationml/2006/main" xmlns:c="http://schemas.openxmlformats.org/drawingml/2006/chart" xmlns:dgm="http://schemas.openxmlformats.org/drawingml/2006/diagram" xmlns:o="urn:schemas-microsoft-com:office:office" xmlns:v="urn:schemas-microsoft-com:vml" xmlns:pvml="urn:schemas-microsoft-com:office:powerpoint" xmlns:com="http://schemas.openxmlformats.org/drawingml/2006/compatibility" xmlns:p14="http://schemas.microsoft.com/office/powerpoint/2010/main" xmlns:p15="http://schemas.microsoft.com/office/powerpoint/2012/main" xmlns:ahyp="http://schemas.microsoft.com/office/drawing/2018/hyperlinkcolor">
+  <p:cSld>
+    <p:spTree>
+      <p:nvGrpSpPr>
+        <p:cNvPr id="170" name="Shape 170"/>
+        <p:cNvGrpSpPr/>
+        <p:nvPr/>
+      </p:nvGrpSpPr>
+      <p:grpSpPr>
+        <a:xfrm>
+          <a:off x="0" y="0"/>
+          <a:ext cx="0" cy="0"/>
+          <a:chOff x="0" y="0"/>
+          <a:chExt cx="0" cy="0"/>
+        </a:xfrm>
+      </p:grpSpPr>
+      <p:sp>
+        <p:nvSpPr>
+          <p:cNvPr id="171" name="Google Shape;171;p33"/>
+          <p:cNvSpPr txBox="1"/>
+          <p:nvPr>
+            <p:ph type="title"/>
+          </p:nvPr>
+        </p:nvSpPr>
+        <p:spPr>
+          <a:xfrm>
+            <a:off x="311700" y="445025"/>
+            <a:ext cx="8520600" cy="572700"/>
+          </a:xfrm>
+          <a:prstGeom prst="rect">
+            <a:avLst/>
+          </a:prstGeom>
+        </p:spPr>
+        <p:txBody>
+          <a:bodyPr anchorCtr="0" anchor="t" bIns="91425" lIns="91425" spcFirstLastPara="1" rIns="91425" wrap="square" tIns="91425">
+            <a:normAutofit fontScale="90000"/>
+          </a:bodyPr>
+          <a:lstStyle/>
+          <a:p>
+            <a:pPr indent="0" lvl="0" marL="0" rtl="0" algn="l">
+              <a:spcBef>
+                <a:spcPts val="0"/>
+              </a:spcBef>
+              <a:spcAft>
+                <a:spcPts val="0"/>
+              </a:spcAft>
+              <a:buNone/>
+            </a:pPr>
+            <a:r>
+              <a:t/>
+            </a:r>
+            <a:endParaRPr/>
+          </a:p>
+        </p:txBody>
+      </p:sp>
+      <p:sp>
+        <p:nvSpPr>
+          <p:cNvPr id="172" name="Google Shape;172;p33"/>
+          <p:cNvSpPr txBox="1"/>
+          <p:nvPr>
+            <p:ph idx="1" type="body"/>
+          </p:nvPr>
+        </p:nvSpPr>
+        <p:spPr>
+          <a:xfrm>
+            <a:off x="311700" y="1152475"/>
+            <a:ext cx="8520600" cy="3416400"/>
+          </a:xfrm>
+          <a:prstGeom prst="rect">
+            <a:avLst/>
+          </a:prstGeom>
+        </p:spPr>
+        <p:txBody>
+          <a:bodyPr anchorCtr="0" anchor="t" bIns="91425" lIns="91425" spcFirstLastPara="1" rIns="91425" wrap="square" tIns="91425">
+            <a:normAutofit/>
+          </a:bodyPr>
+          <a:lstStyle/>
+          <a:p>
+            <a:pPr indent="0" lvl="0" marL="0" rtl="0" algn="l">
+              <a:spcBef>
+                <a:spcPts val="0"/>
+              </a:spcBef>
+              <a:spcAft>
+                <a:spcPts val="1200"/>
+              </a:spcAft>
+              <a:buNone/>
+            </a:pPr>
+            <a:r>
+              <a:t/>
+            </a:r>
+            <a:endParaRPr/>
+          </a:p>
+        </p:txBody>
+      </p:sp>
+    </p:spTree>
+  </p:cSld>
+  <p:clrMapOvr>
+    <a:masterClrMapping/>
+  </p:clrMapOvr>
+</p:sld>
+</file>
+
+<file path=ppt/slides/slide22.xml><?xml version="1.0" encoding="utf-8"?>
+<p:sld xmlns:a="http://schemas.openxmlformats.org/drawingml/2006/main" xmlns:r="http://schemas.openxmlformats.org/officeDocument/2006/relationships" xmlns:mc="http://schemas.openxmlformats.org/markup-compatibility/2006" xmlns:mv="urn:schemas-microsoft-com:mac:vml" xmlns:p="http://schemas.openxmlformats.org/presentationml/2006/main" xmlns:c="http://schemas.openxmlformats.org/drawingml/2006/chart" xmlns:dgm="http://schemas.openxmlformats.org/drawingml/2006/diagram" xmlns:o="urn:schemas-microsoft-com:office:office" xmlns:v="urn:schemas-microsoft-com:vml" xmlns:pvml="urn:schemas-microsoft-com:office:powerpoint" xmlns:com="http://schemas.openxmlformats.org/drawingml/2006/compatibility" xmlns:p14="http://schemas.microsoft.com/office/powerpoint/2010/main" xmlns:p15="http://schemas.microsoft.com/office/powerpoint/2012/main" xmlns:ahyp="http://schemas.microsoft.com/office/drawing/2018/hyperlinkcolor">
+  <p:cSld>
+    <p:spTree>
+      <p:nvGrpSpPr>
+        <p:cNvPr id="176" name="Shape 176"/>
+        <p:cNvGrpSpPr/>
+        <p:nvPr/>
+      </p:nvGrpSpPr>
+      <p:grpSpPr>
+        <a:xfrm>
+          <a:off x="0" y="0"/>
+          <a:ext cx="0" cy="0"/>
+          <a:chOff x="0" y="0"/>
+          <a:chExt cx="0" cy="0"/>
+        </a:xfrm>
+      </p:grpSpPr>
+      <p:pic>
+        <p:nvPicPr>
+          <p:cNvPr id="177" name="Google Shape;177;p34"/>
+          <p:cNvPicPr preferRelativeResize="0"/>
+          <p:nvPr/>
+        </p:nvPicPr>
+        <p:blipFill>
+          <a:blip r:embed="rId3">
+            <a:alphaModFix/>
+          </a:blip>
+          <a:stretch>
+            <a:fillRect/>
+          </a:stretch>
+        </p:blipFill>
+        <p:spPr>
+          <a:xfrm>
+            <a:off x="152400" y="152400"/>
+            <a:ext cx="8839202" cy="3771687"/>
+          </a:xfrm>
+          <a:prstGeom prst="rect">
+            <a:avLst/>
+          </a:prstGeom>
+          <a:noFill/>
+          <a:ln>
+            <a:noFill/>
+          </a:ln>
+        </p:spPr>
+      </p:pic>
+    </p:spTree>
+  </p:cSld>
+  <p:clrMapOvr>
+    <a:masterClrMapping/>
+  </p:clrMapOvr>
+</p:sld>
+</file>
+
+<file path=ppt/slides/slide23.xml><?xml version="1.0" encoding="utf-8"?>
+<p:sld xmlns:a="http://schemas.openxmlformats.org/drawingml/2006/main" xmlns:r="http://schemas.openxmlformats.org/officeDocument/2006/relationships" xmlns:mc="http://schemas.openxmlformats.org/markup-compatibility/2006" xmlns:mv="urn:schemas-microsoft-com:mac:vml" xmlns:p="http://schemas.openxmlformats.org/presentationml/2006/main" xmlns:c="http://schemas.openxmlformats.org/drawingml/2006/chart" xmlns:dgm="http://schemas.openxmlformats.org/drawingml/2006/diagram" xmlns:o="urn:schemas-microsoft-com:office:office" xmlns:v="urn:schemas-microsoft-com:vml" xmlns:pvml="urn:schemas-microsoft-com:office:powerpoint" xmlns:com="http://schemas.openxmlformats.org/drawingml/2006/compatibility" xmlns:p14="http://schemas.microsoft.com/office/powerpoint/2010/main" xmlns:p15="http://schemas.microsoft.com/office/powerpoint/2012/main" xmlns:ahyp="http://schemas.microsoft.com/office/drawing/2018/hyperlinkcolor">
+  <p:cSld>
+    <p:spTree>
+      <p:nvGrpSpPr>
+        <p:cNvPr id="181" name="Shape 181"/>
+        <p:cNvGrpSpPr/>
+        <p:nvPr/>
+      </p:nvGrpSpPr>
+      <p:grpSpPr>
+        <a:xfrm>
+          <a:off x="0" y="0"/>
+          <a:ext cx="0" cy="0"/>
+          <a:chOff x="0" y="0"/>
+          <a:chExt cx="0" cy="0"/>
+        </a:xfrm>
+      </p:grpSpPr>
+      <p:pic>
+        <p:nvPicPr>
+          <p:cNvPr id="182" name="Google Shape;182;p35"/>
+          <p:cNvPicPr preferRelativeResize="0"/>
+          <p:nvPr/>
+        </p:nvPicPr>
+        <p:blipFill>
+          <a:blip r:embed="rId3">
+            <a:alphaModFix/>
+          </a:blip>
+          <a:stretch>
+            <a:fillRect/>
+          </a:stretch>
+        </p:blipFill>
+        <p:spPr>
+          <a:xfrm>
+            <a:off x="691950" y="0"/>
+            <a:ext cx="7517276" cy="2761250"/>
+          </a:xfrm>
+          <a:prstGeom prst="rect">
+            <a:avLst/>
+          </a:prstGeom>
+          <a:noFill/>
+          <a:ln>
+            <a:noFill/>
+          </a:ln>
+        </p:spPr>
+      </p:pic>
+      <p:pic>
+        <p:nvPicPr>
+          <p:cNvPr id="183" name="Google Shape;183;p35"/>
+          <p:cNvPicPr preferRelativeResize="0"/>
+          <p:nvPr/>
+        </p:nvPicPr>
+        <p:blipFill>
+          <a:blip r:embed="rId4">
+            <a:alphaModFix/>
+          </a:blip>
+          <a:stretch>
+            <a:fillRect/>
+          </a:stretch>
+        </p:blipFill>
+        <p:spPr>
+          <a:xfrm>
+            <a:off x="938075" y="2782050"/>
+            <a:ext cx="7271152" cy="2166750"/>
+          </a:xfrm>
+          <a:prstGeom prst="rect">
+            <a:avLst/>
+          </a:prstGeom>
+          <a:noFill/>
+          <a:ln>
+            <a:noFill/>
+          </a:ln>
+        </p:spPr>
+      </p:pic>
+    </p:spTree>
+  </p:cSld>
+  <p:clrMapOvr>
+    <a:masterClrMapping/>
+  </p:clrMapOvr>
+</p:sld>
+</file>
+
+<file path=ppt/slides/slide24.xml><?xml version="1.0" encoding="utf-8"?>
+<p:sld xmlns:a="http://schemas.openxmlformats.org/drawingml/2006/main" xmlns:r="http://schemas.openxmlformats.org/officeDocument/2006/relationships" xmlns:mc="http://schemas.openxmlformats.org/markup-compatibility/2006" xmlns:mv="urn:schemas-microsoft-com:mac:vml" xmlns:p="http://schemas.openxmlformats.org/presentationml/2006/main" xmlns:c="http://schemas.openxmlformats.org/drawingml/2006/chart" xmlns:dgm="http://schemas.openxmlformats.org/drawingml/2006/diagram" xmlns:o="urn:schemas-microsoft-com:office:office" xmlns:v="urn:schemas-microsoft-com:vml" xmlns:pvml="urn:schemas-microsoft-com:office:powerpoint" xmlns:com="http://schemas.openxmlformats.org/drawingml/2006/compatibility" xmlns:p14="http://schemas.microsoft.com/office/powerpoint/2010/main" xmlns:p15="http://schemas.microsoft.com/office/powerpoint/2012/main" xmlns:ahyp="http://schemas.microsoft.com/office/drawing/2018/hyperlinkcolor">
+  <p:cSld>
+    <p:spTree>
+      <p:nvGrpSpPr>
+        <p:cNvPr id="187" name="Shape 187"/>
+        <p:cNvGrpSpPr/>
+        <p:nvPr/>
+      </p:nvGrpSpPr>
+      <p:grpSpPr>
+        <a:xfrm>
+          <a:off x="0" y="0"/>
+          <a:ext cx="0" cy="0"/>
+          <a:chOff x="0" y="0"/>
+          <a:chExt cx="0" cy="0"/>
+        </a:xfrm>
+      </p:grpSpPr>
+      <p:pic>
+        <p:nvPicPr>
+          <p:cNvPr id="188" name="Google Shape;188;p36"/>
+          <p:cNvPicPr preferRelativeResize="0"/>
+          <p:nvPr/>
+        </p:nvPicPr>
+        <p:blipFill>
+          <a:blip r:embed="rId3">
+            <a:alphaModFix/>
+          </a:blip>
+          <a:stretch>
+            <a:fillRect/>
+          </a:stretch>
+        </p:blipFill>
+        <p:spPr>
+          <a:xfrm>
+            <a:off x="1364025" y="237600"/>
+            <a:ext cx="5688422" cy="4838699"/>
+          </a:xfrm>
+          <a:prstGeom prst="rect">
+            <a:avLst/>
+          </a:prstGeom>
+          <a:noFill/>
+          <a:ln>
+            <a:noFill/>
+          </a:ln>
+        </p:spPr>
+      </p:pic>
+    </p:spTree>
+  </p:cSld>
+  <p:clrMapOvr>
+    <a:masterClrMapping/>
+  </p:clrMapOvr>
+</p:sld>
+</file>
+
+<file path=ppt/slides/slide25.xml><?xml version="1.0" encoding="utf-8"?>
+<p:sld xmlns:a="http://schemas.openxmlformats.org/drawingml/2006/main" xmlns:r="http://schemas.openxmlformats.org/officeDocument/2006/relationships" xmlns:mc="http://schemas.openxmlformats.org/markup-compatibility/2006" xmlns:mv="urn:schemas-microsoft-com:mac:vml" xmlns:p="http://schemas.openxmlformats.org/presentationml/2006/main" xmlns:c="http://schemas.openxmlformats.org/drawingml/2006/chart" xmlns:dgm="http://schemas.openxmlformats.org/drawingml/2006/diagram" xmlns:o="urn:schemas-microsoft-com:office:office" xmlns:v="urn:schemas-microsoft-com:vml" xmlns:pvml="urn:schemas-microsoft-com:office:powerpoint" xmlns:com="http://schemas.openxmlformats.org/drawingml/2006/compatibility" xmlns:p14="http://schemas.microsoft.com/office/powerpoint/2010/main" xmlns:p15="http://schemas.microsoft.com/office/powerpoint/2012/main" xmlns:ahyp="http://schemas.microsoft.com/office/drawing/2018/hyperlinkcolor">
+  <p:cSld>
+    <p:spTree>
+      <p:nvGrpSpPr>
+        <p:cNvPr id="192" name="Shape 192"/>
+        <p:cNvGrpSpPr/>
+        <p:nvPr/>
+      </p:nvGrpSpPr>
+      <p:grpSpPr>
+        <a:xfrm>
+          <a:off x="0" y="0"/>
+          <a:ext cx="0" cy="0"/>
+          <a:chOff x="0" y="0"/>
+          <a:chExt cx="0" cy="0"/>
+        </a:xfrm>
+      </p:grpSpPr>
+      <p:sp>
+        <p:nvSpPr>
+          <p:cNvPr id="193" name="Google Shape;193;p37"/>
+          <p:cNvSpPr txBox="1"/>
+          <p:nvPr>
+            <p:ph type="title"/>
+          </p:nvPr>
+        </p:nvSpPr>
+        <p:spPr>
+          <a:xfrm>
+            <a:off x="311700" y="445025"/>
+            <a:ext cx="8520600" cy="572700"/>
+          </a:xfrm>
+          <a:prstGeom prst="rect">
+            <a:avLst/>
+          </a:prstGeom>
+        </p:spPr>
+        <p:txBody>
+          <a:bodyPr anchorCtr="0" anchor="t" bIns="91425" lIns="91425" spcFirstLastPara="1" rIns="91425" wrap="square" tIns="91425">
+            <a:normAutofit fontScale="90000"/>
+          </a:bodyPr>
+          <a:lstStyle/>
+          <a:p>
+            <a:pPr indent="0" lvl="0" marL="0" rtl="0" algn="l">
+              <a:spcBef>
+                <a:spcPts val="0"/>
+              </a:spcBef>
+              <a:spcAft>
+                <a:spcPts val="0"/>
+              </a:spcAft>
+              <a:buNone/>
+            </a:pPr>
+            <a:r>
+              <a:t/>
+            </a:r>
+            <a:endParaRPr/>
+          </a:p>
+        </p:txBody>
+      </p:sp>
+      <p:sp>
+        <p:nvSpPr>
+          <p:cNvPr id="194" name="Google Shape;194;p37"/>
+          <p:cNvSpPr txBox="1"/>
+          <p:nvPr>
+            <p:ph idx="1" type="body"/>
+          </p:nvPr>
+        </p:nvSpPr>
+        <p:spPr>
+          <a:xfrm>
+            <a:off x="311700" y="1152475"/>
+            <a:ext cx="8520600" cy="3416400"/>
+          </a:xfrm>
+          <a:prstGeom prst="rect">
+            <a:avLst/>
+          </a:prstGeom>
+        </p:spPr>
+        <p:txBody>
+          <a:bodyPr anchorCtr="0" anchor="t" bIns="91425" lIns="91425" spcFirstLastPara="1" rIns="91425" wrap="square" tIns="91425">
+            <a:normAutofit/>
+          </a:bodyPr>
+          <a:lstStyle/>
+          <a:p>
+            <a:pPr indent="0" lvl="0" marL="0" rtl="0" algn="l">
+              <a:spcBef>
+                <a:spcPts val="0"/>
+              </a:spcBef>
+              <a:spcAft>
+                <a:spcPts val="1200"/>
+              </a:spcAft>
+              <a:buNone/>
+            </a:pPr>
+            <a:r>
+              <a:t/>
+            </a:r>
+            <a:endParaRPr/>
+          </a:p>
+        </p:txBody>
+      </p:sp>
+    </p:spTree>
+  </p:cSld>
+  <p:clrMapOvr>
+    <a:masterClrMapping/>
+  </p:clrMapOvr>
+</p:sld>
+</file>
+
+<file path=ppt/slides/slide26.xml><?xml version="1.0" encoding="utf-8"?>
+<p:sld xmlns:a="http://schemas.openxmlformats.org/drawingml/2006/main" xmlns:r="http://schemas.openxmlformats.org/officeDocument/2006/relationships" xmlns:mc="http://schemas.openxmlformats.org/markup-compatibility/2006" xmlns:mv="urn:schemas-microsoft-com:mac:vml" xmlns:p="http://schemas.openxmlformats.org/presentationml/2006/main" xmlns:c="http://schemas.openxmlformats.org/drawingml/2006/chart" xmlns:dgm="http://schemas.openxmlformats.org/drawingml/2006/diagram" xmlns:o="urn:schemas-microsoft-com:office:office" xmlns:v="urn:schemas-microsoft-com:vml" xmlns:pvml="urn:schemas-microsoft-com:office:powerpoint" xmlns:com="http://schemas.openxmlformats.org/drawingml/2006/compatibility" xmlns:p14="http://schemas.microsoft.com/office/powerpoint/2010/main" xmlns:p15="http://schemas.microsoft.com/office/powerpoint/2012/main" xmlns:ahyp="http://schemas.microsoft.com/office/drawing/2018/hyperlinkcolor">
+  <p:cSld>
+    <p:spTree>
+      <p:nvGrpSpPr>
+        <p:cNvPr id="198" name="Shape 198"/>
+        <p:cNvGrpSpPr/>
+        <p:nvPr/>
+      </p:nvGrpSpPr>
+      <p:grpSpPr>
+        <a:xfrm>
+          <a:off x="0" y="0"/>
+          <a:ext cx="0" cy="0"/>
+          <a:chOff x="0" y="0"/>
+          <a:chExt cx="0" cy="0"/>
+        </a:xfrm>
+      </p:grpSpPr>
+      <p:pic>
+        <p:nvPicPr>
+          <p:cNvPr id="199" name="Google Shape;199;p38"/>
+          <p:cNvPicPr preferRelativeResize="0"/>
+          <p:nvPr/>
+        </p:nvPicPr>
+        <p:blipFill>
+          <a:blip r:embed="rId3">
+            <a:alphaModFix/>
+          </a:blip>
+          <a:stretch>
+            <a:fillRect/>
+          </a:stretch>
+        </p:blipFill>
+        <p:spPr>
+          <a:xfrm>
+            <a:off x="1496550" y="228150"/>
+            <a:ext cx="5451337" cy="4838700"/>
+          </a:xfrm>
+          <a:prstGeom prst="rect">
+            <a:avLst/>
+          </a:prstGeom>
+          <a:noFill/>
+          <a:ln>
+            <a:noFill/>
+          </a:ln>
+        </p:spPr>
+      </p:pic>
+    </p:spTree>
+  </p:cSld>
+  <p:clrMapOvr>
+    <a:masterClrMapping/>
+  </p:clrMapOvr>
+</p:sld>
+</file>
+
+<file path=ppt/slides/slide27.xml><?xml version="1.0" encoding="utf-8"?>
+<p:sld xmlns:a="http://schemas.openxmlformats.org/drawingml/2006/main" xmlns:r="http://schemas.openxmlformats.org/officeDocument/2006/relationships" xmlns:mc="http://schemas.openxmlformats.org/markup-compatibility/2006" xmlns:mv="urn:schemas-microsoft-com:mac:vml" xmlns:p="http://schemas.openxmlformats.org/presentationml/2006/main" xmlns:c="http://schemas.openxmlformats.org/drawingml/2006/chart" xmlns:dgm="http://schemas.openxmlformats.org/drawingml/2006/diagram" xmlns:o="urn:schemas-microsoft-com:office:office" xmlns:v="urn:schemas-microsoft-com:vml" xmlns:pvml="urn:schemas-microsoft-com:office:powerpoint" xmlns:com="http://schemas.openxmlformats.org/drawingml/2006/compatibility" xmlns:p14="http://schemas.microsoft.com/office/powerpoint/2010/main" xmlns:p15="http://schemas.microsoft.com/office/powerpoint/2012/main" xmlns:ahyp="http://schemas.microsoft.com/office/drawing/2018/hyperlinkcolor">
+  <p:cSld>
+    <p:spTree>
+      <p:nvGrpSpPr>
+        <p:cNvPr id="203" name="Shape 203"/>
+        <p:cNvGrpSpPr/>
+        <p:nvPr/>
+      </p:nvGrpSpPr>
+      <p:grpSpPr>
+        <a:xfrm>
+          <a:off x="0" y="0"/>
+          <a:ext cx="0" cy="0"/>
+          <a:chOff x="0" y="0"/>
+          <a:chExt cx="0" cy="0"/>
+        </a:xfrm>
+      </p:grpSpPr>
+      <p:pic>
+        <p:nvPicPr>
+          <p:cNvPr id="204" name="Google Shape;204;p39"/>
+          <p:cNvPicPr preferRelativeResize="0"/>
+          <p:nvPr/>
+        </p:nvPicPr>
+        <p:blipFill>
+          <a:blip r:embed="rId3">
+            <a:alphaModFix/>
+          </a:blip>
+          <a:stretch>
+            <a:fillRect/>
+          </a:stretch>
+        </p:blipFill>
+        <p:spPr>
+          <a:xfrm>
+            <a:off x="1487075" y="152400"/>
+            <a:ext cx="5641186" cy="4838699"/>
+          </a:xfrm>
+          <a:prstGeom prst="rect">
+            <a:avLst/>
+          </a:prstGeom>
+          <a:noFill/>
+          <a:ln>
+            <a:noFill/>
+          </a:ln>
+        </p:spPr>
+      </p:pic>
+    </p:spTree>
+  </p:cSld>
+  <p:clrMapOvr>
+    <a:masterClrMapping/>
+  </p:clrMapOvr>
+</p:sld>
+</file>
+
+<file path=ppt/slides/slide28.xml><?xml version="1.0" encoding="utf-8"?>
+<p:sld xmlns:a="http://schemas.openxmlformats.org/drawingml/2006/main" xmlns:r="http://schemas.openxmlformats.org/officeDocument/2006/relationships" xmlns:mc="http://schemas.openxmlformats.org/markup-compatibility/2006" xmlns:mv="urn:schemas-microsoft-com:mac:vml" xmlns:p="http://schemas.openxmlformats.org/presentationml/2006/main" xmlns:c="http://schemas.openxmlformats.org/drawingml/2006/chart" xmlns:dgm="http://schemas.openxmlformats.org/drawingml/2006/diagram" xmlns:o="urn:schemas-microsoft-com:office:office" xmlns:v="urn:schemas-microsoft-com:vml" xmlns:pvml="urn:schemas-microsoft-com:office:powerpoint" xmlns:com="http://schemas.openxmlformats.org/drawingml/2006/compatibility" xmlns:p14="http://schemas.microsoft.com/office/powerpoint/2010/main" xmlns:p15="http://schemas.microsoft.com/office/powerpoint/2012/main" xmlns:ahyp="http://schemas.microsoft.com/office/drawing/2018/hyperlinkcolor">
+  <p:cSld>
+    <p:spTree>
+      <p:nvGrpSpPr>
+        <p:cNvPr id="208" name="Shape 208"/>
+        <p:cNvGrpSpPr/>
+        <p:nvPr/>
+      </p:nvGrpSpPr>
+      <p:grpSpPr>
+        <a:xfrm>
+          <a:off x="0" y="0"/>
+          <a:ext cx="0" cy="0"/>
+          <a:chOff x="0" y="0"/>
+          <a:chExt cx="0" cy="0"/>
+        </a:xfrm>
+      </p:grpSpPr>
+      <p:pic>
+        <p:nvPicPr>
+          <p:cNvPr id="209" name="Google Shape;209;p40"/>
+          <p:cNvPicPr preferRelativeResize="0"/>
+          <p:nvPr/>
+        </p:nvPicPr>
+        <p:blipFill>
+          <a:blip r:embed="rId3">
+            <a:alphaModFix/>
+          </a:blip>
+          <a:stretch>
+            <a:fillRect/>
+          </a:stretch>
+        </p:blipFill>
+        <p:spPr>
+          <a:xfrm>
+            <a:off x="152400" y="152400"/>
+            <a:ext cx="8839199" cy="3317036"/>
+          </a:xfrm>
+          <a:prstGeom prst="rect">
+            <a:avLst/>
+          </a:prstGeom>
+          <a:noFill/>
+          <a:ln>
+            <a:noFill/>
+          </a:ln>
+        </p:spPr>
+      </p:pic>
     </p:spTree>
   </p:cSld>
   <p:clrMapOvr>
@@ -6527,7 +10351,8 @@
               <a:buNone/>
             </a:pPr>
             <a:r>
-              <a:t/>
+              <a:rPr lang="en"/>
+              <a:t>Audiencia:</a:t>
             </a:r>
             <a:endParaRPr/>
           </a:p>
@@ -6543,7 +10368,7 @@
         </p:nvSpPr>
         <p:spPr>
           <a:xfrm>
-            <a:off x="311700" y="1152475"/>
+            <a:off x="311700" y="1170825"/>
             <a:ext cx="8520600" cy="3416400"/>
           </a:xfrm>
           <a:prstGeom prst="rect">
@@ -6566,7 +10391,28 @@
               <a:buNone/>
             </a:pPr>
             <a:r>
-              <a:t/>
+              <a:rPr lang="en"/>
+              <a:t>Cualquier</a:t>
+            </a:r>
+            <a:r>
+              <a:rPr lang="en"/>
+              <a:t> compañía que busca tener referencias y mejor información que con este modelo logrará tener una perspectiva sobre </a:t>
+            </a:r>
+            <a:r>
+              <a:rPr lang="en"/>
+              <a:t>qué</a:t>
+            </a:r>
+            <a:r>
+              <a:rPr lang="en"/>
+              <a:t> variables predicen mejor la tenencia de una opinión de la empresa. Este recurso es vital para las empresas al permitirles anticipar necesidades de fuerza laboral, fortalecer áreas clave y mejorar </a:t>
+            </a:r>
+            <a:r>
+              <a:rPr lang="en"/>
+              <a:t>estrategias</a:t>
+            </a:r>
+            <a:r>
+              <a:rPr lang="en"/>
+              <a:t> de atracción y retención de talento. Es una herramienta útil para anticiparse a las necesidades de tu fuerza de trabajo y ser una foco de mercadeo para la empresa.</a:t>
             </a:r>
             <a:endParaRPr/>
           </a:p>
@@ -6630,6 +10476,22 @@
               <a:buNone/>
             </a:pPr>
             <a:r>
+              <a:rPr lang="en"/>
+              <a:t>Metadata:</a:t>
+            </a:r>
+            <a:endParaRPr/>
+          </a:p>
+          <a:p>
+            <a:pPr indent="0" lvl="0" marL="0" rtl="0" algn="l">
+              <a:spcBef>
+                <a:spcPts val="0"/>
+              </a:spcBef>
+              <a:spcAft>
+                <a:spcPts val="0"/>
+              </a:spcAft>
+              <a:buNone/>
+            </a:pPr>
+            <a:r>
               <a:t/>
             </a:r>
             <a:endParaRPr/>
@@ -6640,14 +10502,121 @@
         <p:nvSpPr>
           <p:cNvPr id="79" name="Google Shape;79;p17"/>
           <p:cNvSpPr txBox="1"/>
+          <p:nvPr/>
+        </p:nvSpPr>
+        <p:spPr>
+          <a:xfrm>
+            <a:off x="577350" y="1181375"/>
+            <a:ext cx="7989300" cy="2669400"/>
+          </a:xfrm>
+          <a:prstGeom prst="rect">
+            <a:avLst/>
+          </a:prstGeom>
+          <a:noFill/>
+          <a:ln>
+            <a:noFill/>
+          </a:ln>
+        </p:spPr>
+        <p:txBody>
+          <a:bodyPr anchorCtr="0" anchor="t" bIns="91425" lIns="91425" spcFirstLastPara="1" rIns="91425" wrap="square" tIns="91425">
+            <a:noAutofit/>
+          </a:bodyPr>
+          <a:lstStyle/>
+          <a:p>
+            <a:pPr indent="0" lvl="0" marL="0" rtl="0" algn="l">
+              <a:spcBef>
+                <a:spcPts val="0"/>
+              </a:spcBef>
+              <a:spcAft>
+                <a:spcPts val="0"/>
+              </a:spcAft>
+              <a:buNone/>
+            </a:pPr>
+            <a:r>
+              <a:rPr lang="en" sz="1800">
+                <a:solidFill>
+                  <a:schemeClr val="dk2"/>
+                </a:solidFill>
+              </a:rPr>
+              <a:t>El Dataset </a:t>
+            </a:r>
+            <a:r>
+              <a:rPr lang="en" sz="1800">
+                <a:solidFill>
+                  <a:schemeClr val="dk2"/>
+                </a:solidFill>
+              </a:rPr>
+              <a:t>está</a:t>
+            </a:r>
+            <a:r>
+              <a:rPr lang="en" sz="1800">
+                <a:solidFill>
+                  <a:schemeClr val="dk2"/>
+                </a:solidFill>
+              </a:rPr>
+              <a:t> compuesto por 18 columnas o variables. Tiene tres columnas de valores cualitativos nominales. Cinco columnas con valores cualitativos ordinales. Nueve columnas con variables </a:t>
+            </a:r>
+            <a:r>
+              <a:rPr lang="en" sz="1800">
+                <a:solidFill>
+                  <a:schemeClr val="dk2"/>
+                </a:solidFill>
+              </a:rPr>
+              <a:t>numéricas de carácter discreto y una columna con data de tipo fecha, esta puede ser cualitativa o numérica dependiendo de la interpretación que se le de a la data, en nuestro caso es de será de tipo numérico. El número de registros o filas únicas sin contar los duplicados </a:t>
+            </a:r>
+            <a:r>
+              <a:rPr lang="en" sz="1800">
+                <a:solidFill>
+                  <a:schemeClr val="dk2"/>
+                </a:solidFill>
+              </a:rPr>
+              <a:t> o eliminados son 286374.</a:t>
+            </a:r>
+            <a:endParaRPr sz="1800">
+              <a:solidFill>
+                <a:schemeClr val="dk2"/>
+              </a:solidFill>
+            </a:endParaRPr>
+          </a:p>
+        </p:txBody>
+      </p:sp>
+    </p:spTree>
+  </p:cSld>
+  <p:clrMapOvr>
+    <a:masterClrMapping/>
+  </p:clrMapOvr>
+</p:sld>
+</file>
+
+<file path=ppt/slides/slide6.xml><?xml version="1.0" encoding="utf-8"?>
+<p:sld xmlns:a="http://schemas.openxmlformats.org/drawingml/2006/main" xmlns:r="http://schemas.openxmlformats.org/officeDocument/2006/relationships" xmlns:mc="http://schemas.openxmlformats.org/markup-compatibility/2006" xmlns:mv="urn:schemas-microsoft-com:mac:vml" xmlns:p="http://schemas.openxmlformats.org/presentationml/2006/main" xmlns:c="http://schemas.openxmlformats.org/drawingml/2006/chart" xmlns:dgm="http://schemas.openxmlformats.org/drawingml/2006/diagram" xmlns:o="urn:schemas-microsoft-com:office:office" xmlns:v="urn:schemas-microsoft-com:vml" xmlns:pvml="urn:schemas-microsoft-com:office:powerpoint" xmlns:com="http://schemas.openxmlformats.org/drawingml/2006/compatibility" xmlns:p14="http://schemas.microsoft.com/office/powerpoint/2010/main" xmlns:p15="http://schemas.microsoft.com/office/powerpoint/2012/main" xmlns:ahyp="http://schemas.microsoft.com/office/drawing/2018/hyperlinkcolor">
+  <p:cSld>
+    <p:spTree>
+      <p:nvGrpSpPr>
+        <p:cNvPr id="83" name="Shape 83"/>
+        <p:cNvGrpSpPr/>
+        <p:nvPr/>
+      </p:nvGrpSpPr>
+      <p:grpSpPr>
+        <a:xfrm>
+          <a:off x="0" y="0"/>
+          <a:ext cx="0" cy="0"/>
+          <a:chOff x="0" y="0"/>
+          <a:chExt cx="0" cy="0"/>
+        </a:xfrm>
+      </p:grpSpPr>
+      <p:sp>
+        <p:nvSpPr>
+          <p:cNvPr id="84" name="Google Shape;84;p18"/>
+          <p:cNvSpPr txBox="1"/>
           <p:nvPr>
-            <p:ph idx="1" type="body"/>
+            <p:ph type="title"/>
           </p:nvPr>
         </p:nvSpPr>
         <p:spPr>
           <a:xfrm>
-            <a:off x="311700" y="1152475"/>
-            <a:ext cx="8520600" cy="3416400"/>
+            <a:off x="311700" y="445025"/>
+            <a:ext cx="8520600" cy="572700"/>
           </a:xfrm>
           <a:prstGeom prst="rect">
             <a:avLst/>
@@ -6664,12 +10633,1598 @@
                 <a:spcPts val="0"/>
               </a:spcBef>
               <a:spcAft>
+                <a:spcPts val="0"/>
+              </a:spcAft>
+              <a:buSzPts val="990"/>
+              <a:buNone/>
+            </a:pPr>
+            <a:r>
+              <a:rPr lang="en" sz="1920"/>
+              <a:t>Variables </a:t>
+            </a:r>
+            <a:endParaRPr sz="1920"/>
+          </a:p>
+        </p:txBody>
+      </p:sp>
+      <p:sp>
+        <p:nvSpPr>
+          <p:cNvPr id="85" name="Google Shape;85;p18"/>
+          <p:cNvSpPr txBox="1"/>
+          <p:nvPr>
+            <p:ph idx="1" type="body"/>
+          </p:nvPr>
+        </p:nvSpPr>
+        <p:spPr>
+          <a:xfrm>
+            <a:off x="357600" y="1173625"/>
+            <a:ext cx="3053700" cy="2575800"/>
+          </a:xfrm>
+          <a:prstGeom prst="rect">
+            <a:avLst/>
+          </a:prstGeom>
+        </p:spPr>
+        <p:txBody>
+          <a:bodyPr anchorCtr="0" anchor="t" bIns="91425" lIns="91425" spcFirstLastPara="1" rIns="91425" wrap="square" tIns="91425">
+            <a:noAutofit/>
+          </a:bodyPr>
+          <a:lstStyle/>
+          <a:p>
+            <a:pPr indent="-295275" lvl="0" marL="457200" rtl="0" algn="l">
+              <a:lnSpc>
+                <a:spcPct val="95000"/>
+              </a:lnSpc>
+              <a:spcBef>
+                <a:spcPts val="0"/>
+              </a:spcBef>
+              <a:spcAft>
+                <a:spcPts val="0"/>
+              </a:spcAft>
+              <a:buSzPts val="1050"/>
+              <a:buAutoNum type="arabicPeriod"/>
+            </a:pPr>
+            <a:r>
+              <a:rPr b="1" lang="en" sz="1050"/>
+              <a:t>D</a:t>
+            </a:r>
+            <a:r>
+              <a:rPr b="1" lang="en" sz="1050"/>
+              <a:t>ate_review (numerico) </a:t>
+            </a:r>
+            <a:r>
+              <a:rPr lang="en" sz="1050"/>
+              <a:t>: Fecha en la que se realizó la reseña.</a:t>
+            </a:r>
+            <a:endParaRPr sz="1050"/>
+          </a:p>
+          <a:p>
+            <a:pPr indent="-295275" lvl="0" marL="457200" rtl="0" algn="l">
+              <a:lnSpc>
+                <a:spcPct val="95000"/>
+              </a:lnSpc>
+              <a:spcBef>
+                <a:spcPts val="0"/>
+              </a:spcBef>
+              <a:spcAft>
+                <a:spcPts val="0"/>
+              </a:spcAft>
+              <a:buSzPts val="1050"/>
+              <a:buAutoNum type="arabicPeriod"/>
+            </a:pPr>
+            <a:r>
+              <a:rPr b="1" lang="en" sz="1050"/>
+              <a:t>J</a:t>
+            </a:r>
+            <a:r>
+              <a:rPr b="1" lang="en" sz="1050"/>
+              <a:t>ob_title (nominal)</a:t>
+            </a:r>
+            <a:r>
+              <a:rPr lang="en" sz="1050"/>
+              <a:t>: Rol dentro de la empresa.</a:t>
+            </a:r>
+            <a:endParaRPr sz="1050"/>
+          </a:p>
+          <a:p>
+            <a:pPr indent="-295275" lvl="0" marL="457200" rtl="0" algn="l">
+              <a:lnSpc>
+                <a:spcPct val="95000"/>
+              </a:lnSpc>
+              <a:spcBef>
+                <a:spcPts val="0"/>
+              </a:spcBef>
+              <a:spcAft>
+                <a:spcPts val="0"/>
+              </a:spcAft>
+              <a:buSzPts val="1050"/>
+              <a:buAutoNum type="arabicPeriod"/>
+            </a:pPr>
+            <a:r>
+              <a:rPr b="1" lang="en" sz="1050"/>
+              <a:t>current</a:t>
+            </a:r>
+            <a:r>
+              <a:rPr lang="en" sz="1050"/>
+              <a:t>: Estatus dentro de la empresa actual.</a:t>
+            </a:r>
+            <a:endParaRPr sz="1050"/>
+          </a:p>
+          <a:p>
+            <a:pPr indent="-295275" lvl="0" marL="457200" rtl="0" algn="l">
+              <a:lnSpc>
+                <a:spcPct val="95000"/>
+              </a:lnSpc>
+              <a:spcBef>
+                <a:spcPts val="0"/>
+              </a:spcBef>
+              <a:spcAft>
+                <a:spcPts val="0"/>
+              </a:spcAft>
+              <a:buSzPts val="1050"/>
+              <a:buAutoNum type="arabicPeriod"/>
+            </a:pPr>
+            <a:r>
+              <a:rPr b="1" lang="en" sz="1050"/>
+              <a:t>location</a:t>
+            </a:r>
+            <a:r>
+              <a:rPr lang="en" sz="1050"/>
+              <a:t>: Lugar de la empresa (ciudad).</a:t>
+            </a:r>
+            <a:endParaRPr sz="1050"/>
+          </a:p>
+          <a:p>
+            <a:pPr indent="-295275" lvl="0" marL="457200" rtl="0" algn="l">
+              <a:lnSpc>
+                <a:spcPct val="95000"/>
+              </a:lnSpc>
+              <a:spcBef>
+                <a:spcPts val="0"/>
+              </a:spcBef>
+              <a:spcAft>
+                <a:spcPts val="0"/>
+              </a:spcAft>
+              <a:buSzPts val="1050"/>
+              <a:buAutoNum type="arabicPeriod"/>
+            </a:pPr>
+            <a:r>
+              <a:rPr b="1" lang="en" sz="1050"/>
+              <a:t>overall_rating</a:t>
+            </a:r>
+            <a:r>
+              <a:rPr lang="en" sz="1050"/>
+              <a:t>: puntuación total de la empresa (entre 1-5).</a:t>
+            </a:r>
+            <a:endParaRPr sz="1050"/>
+          </a:p>
+          <a:p>
+            <a:pPr indent="-295275" lvl="0" marL="457200" rtl="0" algn="l">
+              <a:lnSpc>
+                <a:spcPct val="95000"/>
+              </a:lnSpc>
+              <a:spcBef>
+                <a:spcPts val="0"/>
+              </a:spcBef>
+              <a:spcAft>
+                <a:spcPts val="0"/>
+              </a:spcAft>
+              <a:buSzPts val="1050"/>
+              <a:buAutoNum type="arabicPeriod"/>
+            </a:pPr>
+            <a:r>
+              <a:rPr b="1" lang="en" sz="1050"/>
+              <a:t>work_life_balance</a:t>
+            </a:r>
+            <a:r>
+              <a:rPr lang="en" sz="1050"/>
+              <a:t>: opinión del equilibrio entre la vida y del trabajo (1-5)</a:t>
+            </a:r>
+            <a:endParaRPr sz="1050"/>
+          </a:p>
+          <a:p>
+            <a:pPr indent="-295275" lvl="0" marL="457200" rtl="0" algn="l">
+              <a:lnSpc>
+                <a:spcPct val="95000"/>
+              </a:lnSpc>
+              <a:spcBef>
+                <a:spcPts val="0"/>
+              </a:spcBef>
+              <a:spcAft>
+                <a:spcPts val="0"/>
+              </a:spcAft>
+              <a:buSzPts val="1050"/>
+              <a:buAutoNum type="arabicPeriod"/>
+            </a:pPr>
+            <a:r>
+              <a:rPr b="1" lang="en" sz="1050"/>
+              <a:t>culture_values</a:t>
+            </a:r>
+            <a:r>
+              <a:rPr lang="en" sz="1050"/>
+              <a:t>: opinión de la cultura empresarial (1-5)</a:t>
+            </a:r>
+            <a:endParaRPr sz="1050"/>
+          </a:p>
+          <a:p>
+            <a:pPr indent="-292100" lvl="0" marL="457200" rtl="0" algn="l">
+              <a:lnSpc>
+                <a:spcPct val="95000"/>
+              </a:lnSpc>
+              <a:spcBef>
+                <a:spcPts val="0"/>
+              </a:spcBef>
+              <a:spcAft>
+                <a:spcPts val="0"/>
+              </a:spcAft>
+              <a:buSzPts val="1000"/>
+              <a:buAutoNum type="arabicPeriod"/>
+            </a:pPr>
+            <a:r>
+              <a:rPr b="1" lang="en" sz="1000"/>
+              <a:t>diversity_inclusion</a:t>
+            </a:r>
+            <a:r>
+              <a:rPr lang="en" sz="1000"/>
+              <a:t>: apreciación sobre el nivel de diversidad e inclusión (1-5)</a:t>
+            </a:r>
+            <a:endParaRPr sz="1000"/>
+          </a:p>
+          <a:p>
+            <a:pPr indent="-292100" lvl="0" marL="457200" rtl="0" algn="l">
+              <a:lnSpc>
+                <a:spcPct val="95000"/>
+              </a:lnSpc>
+              <a:spcBef>
+                <a:spcPts val="0"/>
+              </a:spcBef>
+              <a:spcAft>
+                <a:spcPts val="0"/>
+              </a:spcAft>
+              <a:buSzPts val="1000"/>
+              <a:buAutoNum type="arabicPeriod"/>
+            </a:pPr>
+            <a:r>
+              <a:rPr b="1" lang="en" sz="1000"/>
+              <a:t>career_opp</a:t>
+            </a:r>
+            <a:r>
+              <a:rPr lang="en" sz="1000"/>
+              <a:t>: opinión sobre oportunidades dentro de la empresa (1-5)</a:t>
+            </a:r>
+            <a:endParaRPr sz="1000"/>
+          </a:p>
+          <a:p>
+            <a:pPr indent="-292100" lvl="0" marL="457200" rtl="0" algn="l">
+              <a:lnSpc>
+                <a:spcPct val="95000"/>
+              </a:lnSpc>
+              <a:spcBef>
+                <a:spcPts val="0"/>
+              </a:spcBef>
+              <a:spcAft>
+                <a:spcPts val="0"/>
+              </a:spcAft>
+              <a:buSzPts val="1000"/>
+              <a:buAutoNum type="arabicPeriod"/>
+            </a:pPr>
+            <a:r>
+              <a:rPr b="1" lang="en" sz="1000"/>
+              <a:t>*comp_benefits</a:t>
+            </a:r>
+            <a:r>
+              <a:rPr lang="en" sz="1000"/>
+              <a:t>: opinión sobre compensación y beneficios (1-5)</a:t>
+            </a:r>
+            <a:endParaRPr sz="1000"/>
+          </a:p>
+          <a:p>
+            <a:pPr indent="-292100" lvl="0" marL="457200" rtl="0" algn="l">
+              <a:lnSpc>
+                <a:spcPct val="95000"/>
+              </a:lnSpc>
+              <a:spcBef>
+                <a:spcPts val="0"/>
+              </a:spcBef>
+              <a:spcAft>
+                <a:spcPts val="0"/>
+              </a:spcAft>
+              <a:buSzPts val="1000"/>
+              <a:buAutoNum type="arabicPeriod"/>
+            </a:pPr>
+            <a:r>
+              <a:rPr b="1" lang="en" sz="1000"/>
+              <a:t>senior_mgmt:</a:t>
+            </a:r>
+            <a:r>
+              <a:rPr lang="en" sz="1000"/>
+              <a:t> apreciación sobre los directivos de la empresa (1-5).</a:t>
+            </a:r>
+            <a:endParaRPr sz="1000"/>
+          </a:p>
+          <a:p>
+            <a:pPr indent="0" lvl="0" marL="0" rtl="0" algn="l">
+              <a:lnSpc>
+                <a:spcPct val="95000"/>
+              </a:lnSpc>
+              <a:spcBef>
                 <a:spcPts val="1200"/>
-              </a:spcAft>
+              </a:spcBef>
+              <a:spcAft>
+                <a:spcPts val="1200"/>
+              </a:spcAft>
+              <a:buSzPts val="275"/>
               <a:buNone/>
             </a:pPr>
             <a:r>
               <a:t/>
+            </a:r>
+            <a:endParaRPr sz="800"/>
+          </a:p>
+        </p:txBody>
+      </p:sp>
+      <p:sp>
+        <p:nvSpPr>
+          <p:cNvPr id="86" name="Google Shape;86;p18"/>
+          <p:cNvSpPr txBox="1"/>
+          <p:nvPr/>
+        </p:nvSpPr>
+        <p:spPr>
+          <a:xfrm>
+            <a:off x="5330775" y="1017725"/>
+            <a:ext cx="3205500" cy="2548200"/>
+          </a:xfrm>
+          <a:prstGeom prst="rect">
+            <a:avLst/>
+          </a:prstGeom>
+          <a:noFill/>
+          <a:ln>
+            <a:noFill/>
+          </a:ln>
+        </p:spPr>
+        <p:txBody>
+          <a:bodyPr anchorCtr="0" anchor="t" bIns="91425" lIns="91425" spcFirstLastPara="1" rIns="91425" wrap="square" tIns="91425">
+            <a:noAutofit/>
+          </a:bodyPr>
+          <a:lstStyle/>
+          <a:p>
+            <a:pPr indent="-292100" lvl="0" marL="457200" rtl="0" algn="l">
+              <a:lnSpc>
+                <a:spcPct val="115000"/>
+              </a:lnSpc>
+              <a:spcBef>
+                <a:spcPts val="0"/>
+              </a:spcBef>
+              <a:spcAft>
+                <a:spcPts val="0"/>
+              </a:spcAft>
+              <a:buClr>
+                <a:schemeClr val="dk2"/>
+              </a:buClr>
+              <a:buSzPts val="1000"/>
+              <a:buAutoNum type="arabicPeriod" startAt="12"/>
+            </a:pPr>
+            <a:r>
+              <a:rPr b="1" lang="en" sz="1000">
+                <a:solidFill>
+                  <a:schemeClr val="dk2"/>
+                </a:solidFill>
+              </a:rPr>
+              <a:t>recommend:</a:t>
+            </a:r>
+            <a:r>
+              <a:rPr lang="en" sz="1000">
+                <a:solidFill>
+                  <a:schemeClr val="dk2"/>
+                </a:solidFill>
+              </a:rPr>
+              <a:t> apreciación sobre si recomendarías esta </a:t>
+            </a:r>
+            <a:r>
+              <a:rPr lang="en" sz="1000">
+                <a:solidFill>
+                  <a:schemeClr val="dk2"/>
+                </a:solidFill>
+              </a:rPr>
+              <a:t>compañía</a:t>
+            </a:r>
+            <a:r>
+              <a:rPr lang="en" sz="1000">
+                <a:solidFill>
+                  <a:schemeClr val="dk2"/>
+                </a:solidFill>
+              </a:rPr>
+              <a:t> ("mucho","normal", "malo").</a:t>
+            </a:r>
+            <a:endParaRPr sz="1000">
+              <a:solidFill>
+                <a:schemeClr val="dk2"/>
+              </a:solidFill>
+            </a:endParaRPr>
+          </a:p>
+          <a:p>
+            <a:pPr indent="-292100" lvl="0" marL="457200" rtl="0" algn="l">
+              <a:lnSpc>
+                <a:spcPct val="115000"/>
+              </a:lnSpc>
+              <a:spcBef>
+                <a:spcPts val="0"/>
+              </a:spcBef>
+              <a:spcAft>
+                <a:spcPts val="0"/>
+              </a:spcAft>
+              <a:buClr>
+                <a:schemeClr val="dk2"/>
+              </a:buClr>
+              <a:buSzPts val="1000"/>
+              <a:buAutoNum type="arabicPeriod" startAt="13"/>
+            </a:pPr>
+            <a:r>
+              <a:rPr b="1" lang="en" sz="1000">
+                <a:solidFill>
+                  <a:schemeClr val="dk2"/>
+                </a:solidFill>
+              </a:rPr>
+              <a:t>ceo_approv:</a:t>
+            </a:r>
+            <a:r>
+              <a:rPr lang="en" sz="1000">
+                <a:solidFill>
+                  <a:schemeClr val="dk2"/>
+                </a:solidFill>
+              </a:rPr>
+              <a:t> apreciación sobre el CEO o dueño de la </a:t>
+            </a:r>
+            <a:r>
+              <a:rPr lang="en" sz="1000">
+                <a:solidFill>
+                  <a:schemeClr val="dk2"/>
+                </a:solidFill>
+              </a:rPr>
+              <a:t>compañía</a:t>
+            </a:r>
+            <a:r>
+              <a:rPr lang="en" sz="1000">
+                <a:solidFill>
+                  <a:schemeClr val="dk2"/>
+                </a:solidFill>
+              </a:rPr>
+              <a:t> ("mucho","normal", "malo")..</a:t>
+            </a:r>
+            <a:endParaRPr sz="1000">
+              <a:solidFill>
+                <a:schemeClr val="dk2"/>
+              </a:solidFill>
+            </a:endParaRPr>
+          </a:p>
+          <a:p>
+            <a:pPr indent="-292100" lvl="0" marL="457200" rtl="0" algn="l">
+              <a:lnSpc>
+                <a:spcPct val="115000"/>
+              </a:lnSpc>
+              <a:spcBef>
+                <a:spcPts val="0"/>
+              </a:spcBef>
+              <a:spcAft>
+                <a:spcPts val="0"/>
+              </a:spcAft>
+              <a:buClr>
+                <a:schemeClr val="dk2"/>
+              </a:buClr>
+              <a:buSzPts val="1000"/>
+              <a:buAutoNum type="arabicPeriod" startAt="13"/>
+            </a:pPr>
+            <a:r>
+              <a:rPr b="1" lang="en" sz="1000">
+                <a:solidFill>
+                  <a:schemeClr val="dk2"/>
+                </a:solidFill>
+              </a:rPr>
+              <a:t>outlook:</a:t>
+            </a:r>
+            <a:r>
+              <a:rPr lang="en" sz="1000">
+                <a:solidFill>
+                  <a:schemeClr val="dk2"/>
+                </a:solidFill>
+              </a:rPr>
+              <a:t> apreciación sobre el futuro de la empresa ("mucho","normal", "malo").</a:t>
+            </a:r>
+            <a:endParaRPr sz="1000">
+              <a:solidFill>
+                <a:schemeClr val="dk2"/>
+              </a:solidFill>
+            </a:endParaRPr>
+          </a:p>
+          <a:p>
+            <a:pPr indent="-292100" lvl="0" marL="457200" rtl="0" algn="l">
+              <a:lnSpc>
+                <a:spcPct val="115000"/>
+              </a:lnSpc>
+              <a:spcBef>
+                <a:spcPts val="0"/>
+              </a:spcBef>
+              <a:spcAft>
+                <a:spcPts val="0"/>
+              </a:spcAft>
+              <a:buClr>
+                <a:schemeClr val="dk2"/>
+              </a:buClr>
+              <a:buSzPts val="1000"/>
+              <a:buAutoNum type="arabicPeriod" startAt="13"/>
+            </a:pPr>
+            <a:r>
+              <a:rPr b="1" lang="en" sz="1000">
+                <a:solidFill>
+                  <a:schemeClr val="dk2"/>
+                </a:solidFill>
+              </a:rPr>
+              <a:t>headline</a:t>
+            </a:r>
+            <a:r>
+              <a:rPr lang="en" sz="1000">
+                <a:solidFill>
+                  <a:schemeClr val="dk2"/>
+                </a:solidFill>
+              </a:rPr>
+              <a:t>: comentario a manera de título sobre la empresa.</a:t>
+            </a:r>
+            <a:endParaRPr sz="1000">
+              <a:solidFill>
+                <a:schemeClr val="dk2"/>
+              </a:solidFill>
+            </a:endParaRPr>
+          </a:p>
+          <a:p>
+            <a:pPr indent="-292100" lvl="0" marL="457200" rtl="0" algn="l">
+              <a:lnSpc>
+                <a:spcPct val="115000"/>
+              </a:lnSpc>
+              <a:spcBef>
+                <a:spcPts val="0"/>
+              </a:spcBef>
+              <a:spcAft>
+                <a:spcPts val="0"/>
+              </a:spcAft>
+              <a:buClr>
+                <a:schemeClr val="dk2"/>
+              </a:buClr>
+              <a:buSzPts val="1000"/>
+              <a:buAutoNum type="arabicPeriod" startAt="13"/>
+            </a:pPr>
+            <a:r>
+              <a:rPr b="1" lang="en" sz="1000">
+                <a:solidFill>
+                  <a:schemeClr val="dk2"/>
+                </a:solidFill>
+              </a:rPr>
+              <a:t>pros</a:t>
+            </a:r>
+            <a:r>
+              <a:rPr lang="en" sz="1000">
+                <a:solidFill>
+                  <a:schemeClr val="dk2"/>
+                </a:solidFill>
+              </a:rPr>
+              <a:t>: comentarios positivos sobre la empresa.</a:t>
+            </a:r>
+            <a:endParaRPr sz="1000">
+              <a:solidFill>
+                <a:schemeClr val="dk2"/>
+              </a:solidFill>
+            </a:endParaRPr>
+          </a:p>
+          <a:p>
+            <a:pPr indent="-292100" lvl="0" marL="457200" rtl="0" algn="l">
+              <a:lnSpc>
+                <a:spcPct val="115000"/>
+              </a:lnSpc>
+              <a:spcBef>
+                <a:spcPts val="0"/>
+              </a:spcBef>
+              <a:spcAft>
+                <a:spcPts val="0"/>
+              </a:spcAft>
+              <a:buClr>
+                <a:schemeClr val="dk2"/>
+              </a:buClr>
+              <a:buSzPts val="1000"/>
+              <a:buAutoNum type="arabicPeriod" startAt="13"/>
+            </a:pPr>
+            <a:r>
+              <a:rPr b="1" lang="en" sz="1000">
+                <a:solidFill>
+                  <a:schemeClr val="dk2"/>
+                </a:solidFill>
+              </a:rPr>
+              <a:t>cons:</a:t>
+            </a:r>
+            <a:r>
+              <a:rPr lang="en" sz="1000">
+                <a:solidFill>
+                  <a:schemeClr val="dk2"/>
+                </a:solidFill>
+              </a:rPr>
+              <a:t> comentarios negativos sobre la empresa.</a:t>
+            </a:r>
+            <a:endParaRPr sz="1000">
+              <a:solidFill>
+                <a:schemeClr val="dk2"/>
+              </a:solidFill>
+            </a:endParaRPr>
+          </a:p>
+          <a:p>
+            <a:pPr indent="0" lvl="0" marL="0" rtl="0" algn="l">
+              <a:spcBef>
+                <a:spcPts val="1200"/>
+              </a:spcBef>
+              <a:spcAft>
+                <a:spcPts val="0"/>
+              </a:spcAft>
+              <a:buNone/>
+            </a:pPr>
+            <a:r>
+              <a:t/>
+            </a:r>
+            <a:endParaRPr sz="600">
+              <a:solidFill>
+                <a:schemeClr val="dk2"/>
+              </a:solidFill>
+            </a:endParaRPr>
+          </a:p>
+        </p:txBody>
+      </p:sp>
+    </p:spTree>
+  </p:cSld>
+  <p:clrMapOvr>
+    <a:masterClrMapping/>
+  </p:clrMapOvr>
+</p:sld>
+</file>
+
+<file path=ppt/slides/slide7.xml><?xml version="1.0" encoding="utf-8"?>
+<p:sld xmlns:a="http://schemas.openxmlformats.org/drawingml/2006/main" xmlns:r="http://schemas.openxmlformats.org/officeDocument/2006/relationships" xmlns:mc="http://schemas.openxmlformats.org/markup-compatibility/2006" xmlns:mv="urn:schemas-microsoft-com:mac:vml" xmlns:p="http://schemas.openxmlformats.org/presentationml/2006/main" xmlns:c="http://schemas.openxmlformats.org/drawingml/2006/chart" xmlns:dgm="http://schemas.openxmlformats.org/drawingml/2006/diagram" xmlns:o="urn:schemas-microsoft-com:office:office" xmlns:v="urn:schemas-microsoft-com:vml" xmlns:pvml="urn:schemas-microsoft-com:office:powerpoint" xmlns:com="http://schemas.openxmlformats.org/drawingml/2006/compatibility" xmlns:p14="http://schemas.microsoft.com/office/powerpoint/2010/main" xmlns:p15="http://schemas.microsoft.com/office/powerpoint/2012/main" xmlns:ahyp="http://schemas.microsoft.com/office/drawing/2018/hyperlinkcolor">
+  <p:cSld>
+    <p:spTree>
+      <p:nvGrpSpPr>
+        <p:cNvPr id="90" name="Shape 90"/>
+        <p:cNvGrpSpPr/>
+        <p:nvPr/>
+      </p:nvGrpSpPr>
+      <p:grpSpPr>
+        <a:xfrm>
+          <a:off x="0" y="0"/>
+          <a:ext cx="0" cy="0"/>
+          <a:chOff x="0" y="0"/>
+          <a:chExt cx="0" cy="0"/>
+        </a:xfrm>
+      </p:grpSpPr>
+      <p:sp>
+        <p:nvSpPr>
+          <p:cNvPr id="91" name="Google Shape;91;p19"/>
+          <p:cNvSpPr txBox="1"/>
+          <p:nvPr>
+            <p:ph type="title"/>
+          </p:nvPr>
+        </p:nvSpPr>
+        <p:spPr>
+          <a:xfrm>
+            <a:off x="311700" y="445025"/>
+            <a:ext cx="8520600" cy="572700"/>
+          </a:xfrm>
+          <a:prstGeom prst="rect">
+            <a:avLst/>
+          </a:prstGeom>
+        </p:spPr>
+        <p:txBody>
+          <a:bodyPr anchorCtr="0" anchor="t" bIns="91425" lIns="91425" spcFirstLastPara="1" rIns="91425" wrap="square" tIns="91425">
+            <a:normAutofit fontScale="90000"/>
+          </a:bodyPr>
+          <a:lstStyle/>
+          <a:p>
+            <a:pPr indent="0" lvl="0" marL="0" rtl="0" algn="l">
+              <a:spcBef>
+                <a:spcPts val="0"/>
+              </a:spcBef>
+              <a:spcAft>
+                <a:spcPts val="0"/>
+              </a:spcAft>
+              <a:buNone/>
+            </a:pPr>
+            <a:r>
+              <a:rPr lang="en"/>
+              <a:t>Hipótesis</a:t>
+            </a:r>
+            <a:endParaRPr/>
+          </a:p>
+        </p:txBody>
+      </p:sp>
+      <p:sp>
+        <p:nvSpPr>
+          <p:cNvPr id="92" name="Google Shape;92;p19"/>
+          <p:cNvSpPr txBox="1"/>
+          <p:nvPr>
+            <p:ph idx="1" type="body"/>
+          </p:nvPr>
+        </p:nvSpPr>
+        <p:spPr>
+          <a:xfrm>
+            <a:off x="311700" y="1152475"/>
+            <a:ext cx="8520600" cy="3777300"/>
+          </a:xfrm>
+          <a:prstGeom prst="rect">
+            <a:avLst/>
+          </a:prstGeom>
+        </p:spPr>
+        <p:txBody>
+          <a:bodyPr anchorCtr="0" anchor="t" bIns="91425" lIns="91425" spcFirstLastPara="1" rIns="91425" wrap="square" tIns="91425">
+            <a:normAutofit fontScale="85000" lnSpcReduction="20000"/>
+          </a:bodyPr>
+          <a:lstStyle/>
+          <a:p>
+            <a:pPr indent="-228600" lvl="0" marL="457200" rtl="0" algn="l">
+              <a:spcBef>
+                <a:spcPts val="1500"/>
+              </a:spcBef>
+              <a:spcAft>
+                <a:spcPts val="0"/>
+              </a:spcAft>
+              <a:buClr>
+                <a:srgbClr val="374151"/>
+              </a:buClr>
+              <a:buSzPct val="100000"/>
+              <a:buFont typeface="Roboto"/>
+              <a:buNone/>
+            </a:pPr>
+            <a:r>
+              <a:rPr i="1" lang="en" sz="1200">
+                <a:solidFill>
+                  <a:srgbClr val="374151"/>
+                </a:solidFill>
+                <a:latin typeface="Roboto"/>
+                <a:ea typeface="Roboto"/>
+                <a:cs typeface="Roboto"/>
+                <a:sym typeface="Roboto"/>
+              </a:rPr>
+              <a:t>Hipótesis sobre Localización y Roles:</a:t>
+            </a:r>
+            <a:endParaRPr i="1" sz="1200">
+              <a:solidFill>
+                <a:srgbClr val="374151"/>
+              </a:solidFill>
+              <a:latin typeface="Roboto"/>
+              <a:ea typeface="Roboto"/>
+              <a:cs typeface="Roboto"/>
+              <a:sym typeface="Roboto"/>
+            </a:endParaRPr>
+          </a:p>
+          <a:p>
+            <a:pPr indent="0" lvl="0" marL="914400" rtl="0" algn="l">
+              <a:spcBef>
+                <a:spcPts val="1500"/>
+              </a:spcBef>
+              <a:spcAft>
+                <a:spcPts val="0"/>
+              </a:spcAft>
+              <a:buNone/>
+            </a:pPr>
+            <a:r>
+              <a:rPr b="1" lang="en" sz="1200">
+                <a:solidFill>
+                  <a:srgbClr val="374151"/>
+                </a:solidFill>
+                <a:latin typeface="Roboto"/>
+                <a:ea typeface="Roboto"/>
+                <a:cs typeface="Roboto"/>
+                <a:sym typeface="Roboto"/>
+              </a:rPr>
+              <a:t>Hipótesis 1</a:t>
+            </a:r>
+            <a:r>
+              <a:rPr lang="en" sz="1200">
+                <a:solidFill>
+                  <a:srgbClr val="374151"/>
+                </a:solidFill>
+                <a:latin typeface="Roboto"/>
+                <a:ea typeface="Roboto"/>
+                <a:cs typeface="Roboto"/>
+                <a:sym typeface="Roboto"/>
+              </a:rPr>
+              <a:t>: Existe una correlación entre la localización y roles  y las puntuaciones de reseñas en Glassdoor. Es decir, a medida que habrá localizaciones y roles ,donde  la satisfacción laboral tiende a mejorar.</a:t>
+            </a:r>
+            <a:endParaRPr sz="1200">
+              <a:solidFill>
+                <a:srgbClr val="374151"/>
+              </a:solidFill>
+              <a:latin typeface="Roboto"/>
+              <a:ea typeface="Roboto"/>
+              <a:cs typeface="Roboto"/>
+              <a:sym typeface="Roboto"/>
+            </a:endParaRPr>
+          </a:p>
+          <a:p>
+            <a:pPr indent="-228600" lvl="0" marL="457200" rtl="0" algn="l">
+              <a:spcBef>
+                <a:spcPts val="1500"/>
+              </a:spcBef>
+              <a:spcAft>
+                <a:spcPts val="0"/>
+              </a:spcAft>
+              <a:buClr>
+                <a:srgbClr val="374151"/>
+              </a:buClr>
+              <a:buSzPct val="100000"/>
+              <a:buFont typeface="Roboto"/>
+              <a:buNone/>
+            </a:pPr>
+            <a:r>
+              <a:rPr i="1" lang="en" sz="1200">
+                <a:solidFill>
+                  <a:srgbClr val="374151"/>
+                </a:solidFill>
+                <a:latin typeface="Roboto"/>
+                <a:ea typeface="Roboto"/>
+                <a:cs typeface="Roboto"/>
+                <a:sym typeface="Roboto"/>
+              </a:rPr>
+              <a:t>Hipótesis sobre Cultura Empresarial:</a:t>
+            </a:r>
+            <a:endParaRPr i="1" sz="1200">
+              <a:solidFill>
+                <a:srgbClr val="374151"/>
+              </a:solidFill>
+              <a:latin typeface="Roboto"/>
+              <a:ea typeface="Roboto"/>
+              <a:cs typeface="Roboto"/>
+              <a:sym typeface="Roboto"/>
+            </a:endParaRPr>
+          </a:p>
+          <a:p>
+            <a:pPr indent="0" lvl="0" marL="914400" rtl="0" algn="l">
+              <a:spcBef>
+                <a:spcPts val="1500"/>
+              </a:spcBef>
+              <a:spcAft>
+                <a:spcPts val="0"/>
+              </a:spcAft>
+              <a:buNone/>
+            </a:pPr>
+            <a:r>
+              <a:rPr b="1" lang="en" sz="1200">
+                <a:solidFill>
+                  <a:srgbClr val="374151"/>
+                </a:solidFill>
+                <a:latin typeface="Roboto"/>
+                <a:ea typeface="Roboto"/>
+                <a:cs typeface="Roboto"/>
+                <a:sym typeface="Roboto"/>
+              </a:rPr>
+              <a:t>Hipótesis 2:</a:t>
+            </a:r>
+            <a:r>
+              <a:rPr lang="en" sz="1200">
+                <a:solidFill>
+                  <a:srgbClr val="374151"/>
+                </a:solidFill>
+                <a:latin typeface="Roboto"/>
+                <a:ea typeface="Roboto"/>
+                <a:cs typeface="Roboto"/>
+                <a:sym typeface="Roboto"/>
+              </a:rPr>
+              <a:t> Las opiniones sobre la cultura empresarial (culture_values) están directamente relacionadas con las puntuaciones totales de las empresas. Las empresas con altas calificaciones culturales tienden a tener mejores puntuaciones generales.</a:t>
+            </a:r>
+            <a:endParaRPr sz="1200">
+              <a:solidFill>
+                <a:srgbClr val="374151"/>
+              </a:solidFill>
+              <a:latin typeface="Roboto"/>
+              <a:ea typeface="Roboto"/>
+              <a:cs typeface="Roboto"/>
+              <a:sym typeface="Roboto"/>
+            </a:endParaRPr>
+          </a:p>
+          <a:p>
+            <a:pPr indent="-228600" lvl="0" marL="457200" rtl="0" algn="l">
+              <a:spcBef>
+                <a:spcPts val="1500"/>
+              </a:spcBef>
+              <a:spcAft>
+                <a:spcPts val="0"/>
+              </a:spcAft>
+              <a:buClr>
+                <a:srgbClr val="374151"/>
+              </a:buClr>
+              <a:buSzPct val="100000"/>
+              <a:buFont typeface="Roboto"/>
+              <a:buNone/>
+            </a:pPr>
+            <a:r>
+              <a:rPr i="1" lang="en" sz="1200">
+                <a:solidFill>
+                  <a:srgbClr val="374151"/>
+                </a:solidFill>
+                <a:latin typeface="Roboto"/>
+                <a:ea typeface="Roboto"/>
+                <a:cs typeface="Roboto"/>
+                <a:sym typeface="Roboto"/>
+              </a:rPr>
+              <a:t>Hipótesis sobre Oportunidades de Carrera:</a:t>
+            </a:r>
+            <a:endParaRPr i="1" sz="1200">
+              <a:solidFill>
+                <a:srgbClr val="374151"/>
+              </a:solidFill>
+              <a:latin typeface="Roboto"/>
+              <a:ea typeface="Roboto"/>
+              <a:cs typeface="Roboto"/>
+              <a:sym typeface="Roboto"/>
+            </a:endParaRPr>
+          </a:p>
+          <a:p>
+            <a:pPr indent="0" lvl="0" marL="914400" rtl="0" algn="l">
+              <a:spcBef>
+                <a:spcPts val="1500"/>
+              </a:spcBef>
+              <a:spcAft>
+                <a:spcPts val="0"/>
+              </a:spcAft>
+              <a:buNone/>
+            </a:pPr>
+            <a:r>
+              <a:rPr b="1" lang="en" sz="1200">
+                <a:solidFill>
+                  <a:srgbClr val="374151"/>
+                </a:solidFill>
+                <a:latin typeface="Roboto"/>
+                <a:ea typeface="Roboto"/>
+                <a:cs typeface="Roboto"/>
+                <a:sym typeface="Roboto"/>
+              </a:rPr>
+              <a:t>Hipótesis 3:</a:t>
+            </a:r>
+            <a:r>
+              <a:rPr lang="en" sz="1200">
+                <a:solidFill>
+                  <a:srgbClr val="374151"/>
+                </a:solidFill>
+                <a:latin typeface="Roboto"/>
+                <a:ea typeface="Roboto"/>
+                <a:cs typeface="Roboto"/>
+                <a:sym typeface="Roboto"/>
+              </a:rPr>
+              <a:t> La percepción de oportunidades de carrera (career_opp) influye significativamente en la satisfacción laboral general. Los empleados que perciben más oportunidades dentro de la empresa tienden a estar más satisfechos.</a:t>
+            </a:r>
+            <a:endParaRPr sz="1200">
+              <a:solidFill>
+                <a:srgbClr val="374151"/>
+              </a:solidFill>
+              <a:latin typeface="Roboto"/>
+              <a:ea typeface="Roboto"/>
+              <a:cs typeface="Roboto"/>
+              <a:sym typeface="Roboto"/>
+            </a:endParaRPr>
+          </a:p>
+          <a:p>
+            <a:pPr indent="-228600" lvl="0" marL="457200" rtl="0" algn="l">
+              <a:spcBef>
+                <a:spcPts val="1500"/>
+              </a:spcBef>
+              <a:spcAft>
+                <a:spcPts val="0"/>
+              </a:spcAft>
+              <a:buClr>
+                <a:srgbClr val="374151"/>
+              </a:buClr>
+              <a:buSzPct val="100000"/>
+              <a:buFont typeface="Roboto"/>
+              <a:buNone/>
+            </a:pPr>
+            <a:r>
+              <a:rPr i="1" lang="en" sz="1200">
+                <a:solidFill>
+                  <a:srgbClr val="374151"/>
+                </a:solidFill>
+                <a:latin typeface="Roboto"/>
+                <a:ea typeface="Roboto"/>
+                <a:cs typeface="Roboto"/>
+                <a:sym typeface="Roboto"/>
+              </a:rPr>
+              <a:t>Hipótesis sobre </a:t>
+            </a:r>
+            <a:r>
+              <a:rPr i="1" lang="en" sz="1200">
+                <a:solidFill>
+                  <a:srgbClr val="374151"/>
+                </a:solidFill>
+                <a:latin typeface="Roboto"/>
+                <a:ea typeface="Roboto"/>
+                <a:cs typeface="Roboto"/>
+                <a:sym typeface="Roboto"/>
+              </a:rPr>
+              <a:t>Compensación y Beneficios:</a:t>
+            </a:r>
+            <a:endParaRPr i="1" sz="1200">
+              <a:solidFill>
+                <a:srgbClr val="374151"/>
+              </a:solidFill>
+              <a:latin typeface="Roboto"/>
+              <a:ea typeface="Roboto"/>
+              <a:cs typeface="Roboto"/>
+              <a:sym typeface="Roboto"/>
+            </a:endParaRPr>
+          </a:p>
+          <a:p>
+            <a:pPr indent="0" lvl="0" marL="914400" rtl="0" algn="l">
+              <a:spcBef>
+                <a:spcPts val="1500"/>
+              </a:spcBef>
+              <a:spcAft>
+                <a:spcPts val="0"/>
+              </a:spcAft>
+              <a:buNone/>
+            </a:pPr>
+            <a:r>
+              <a:rPr b="1" lang="en" sz="1200">
+                <a:solidFill>
+                  <a:srgbClr val="374151"/>
+                </a:solidFill>
+                <a:latin typeface="Roboto"/>
+                <a:ea typeface="Roboto"/>
+                <a:cs typeface="Roboto"/>
+                <a:sym typeface="Roboto"/>
+              </a:rPr>
+              <a:t>Hipótesis 4</a:t>
+            </a:r>
+            <a:r>
+              <a:rPr lang="en" sz="1200">
+                <a:solidFill>
+                  <a:srgbClr val="374151"/>
+                </a:solidFill>
+                <a:latin typeface="Roboto"/>
+                <a:ea typeface="Roboto"/>
+                <a:cs typeface="Roboto"/>
+                <a:sym typeface="Roboto"/>
+              </a:rPr>
+              <a:t>: La opinión sobre compensación y beneficios (*comp_benefits) afecta directamente a la retención de talento. Empresas con altas calificaciones en este aspecto tienen una menor tasa de rotación de empleados.</a:t>
+            </a:r>
+            <a:endParaRPr sz="1200">
+              <a:solidFill>
+                <a:srgbClr val="374151"/>
+              </a:solidFill>
+              <a:latin typeface="Roboto"/>
+              <a:ea typeface="Roboto"/>
+              <a:cs typeface="Roboto"/>
+              <a:sym typeface="Roboto"/>
+            </a:endParaRPr>
+          </a:p>
+          <a:p>
+            <a:pPr indent="0" lvl="0" marL="0" rtl="0" algn="l">
+              <a:spcBef>
+                <a:spcPts val="1500"/>
+              </a:spcBef>
+              <a:spcAft>
+                <a:spcPts val="1200"/>
+              </a:spcAft>
+              <a:buNone/>
+            </a:pPr>
+            <a:r>
+              <a:t/>
+            </a:r>
+            <a:endParaRPr/>
+          </a:p>
+        </p:txBody>
+      </p:sp>
+    </p:spTree>
+  </p:cSld>
+  <p:clrMapOvr>
+    <a:masterClrMapping/>
+  </p:clrMapOvr>
+</p:sld>
+</file>
+
+<file path=ppt/slides/slide8.xml><?xml version="1.0" encoding="utf-8"?>
+<p:sld xmlns:a="http://schemas.openxmlformats.org/drawingml/2006/main" xmlns:r="http://schemas.openxmlformats.org/officeDocument/2006/relationships" xmlns:mc="http://schemas.openxmlformats.org/markup-compatibility/2006" xmlns:mv="urn:schemas-microsoft-com:mac:vml" xmlns:p="http://schemas.openxmlformats.org/presentationml/2006/main" xmlns:c="http://schemas.openxmlformats.org/drawingml/2006/chart" xmlns:dgm="http://schemas.openxmlformats.org/drawingml/2006/diagram" xmlns:o="urn:schemas-microsoft-com:office:office" xmlns:v="urn:schemas-microsoft-com:vml" xmlns:pvml="urn:schemas-microsoft-com:office:powerpoint" xmlns:com="http://schemas.openxmlformats.org/drawingml/2006/compatibility" xmlns:p14="http://schemas.microsoft.com/office/powerpoint/2010/main" xmlns:p15="http://schemas.microsoft.com/office/powerpoint/2012/main" xmlns:ahyp="http://schemas.microsoft.com/office/drawing/2018/hyperlinkcolor">
+  <p:cSld>
+    <p:spTree>
+      <p:nvGrpSpPr>
+        <p:cNvPr id="96" name="Shape 96"/>
+        <p:cNvGrpSpPr/>
+        <p:nvPr/>
+      </p:nvGrpSpPr>
+      <p:grpSpPr>
+        <a:xfrm>
+          <a:off x="0" y="0"/>
+          <a:ext cx="0" cy="0"/>
+          <a:chOff x="0" y="0"/>
+          <a:chExt cx="0" cy="0"/>
+        </a:xfrm>
+      </p:grpSpPr>
+      <p:sp>
+        <p:nvSpPr>
+          <p:cNvPr id="97" name="Google Shape;97;p20"/>
+          <p:cNvSpPr txBox="1"/>
+          <p:nvPr>
+            <p:ph idx="1" type="body"/>
+          </p:nvPr>
+        </p:nvSpPr>
+        <p:spPr>
+          <a:xfrm>
+            <a:off x="311700" y="225325"/>
+            <a:ext cx="8520600" cy="4343700"/>
+          </a:xfrm>
+          <a:prstGeom prst="rect">
+            <a:avLst/>
+          </a:prstGeom>
+        </p:spPr>
+        <p:txBody>
+          <a:bodyPr anchorCtr="0" anchor="t" bIns="91425" lIns="91425" spcFirstLastPara="1" rIns="91425" wrap="square" tIns="91425">
+            <a:normAutofit fontScale="32500" lnSpcReduction="20000"/>
+          </a:bodyPr>
+          <a:lstStyle/>
+          <a:p>
+            <a:pPr indent="-228600" lvl="0" marL="457200" rtl="0" algn="l">
+              <a:spcBef>
+                <a:spcPts val="1500"/>
+              </a:spcBef>
+              <a:spcAft>
+                <a:spcPts val="0"/>
+              </a:spcAft>
+              <a:buClr>
+                <a:srgbClr val="374151"/>
+              </a:buClr>
+              <a:buSzPct val="100000"/>
+              <a:buFont typeface="Roboto"/>
+              <a:buNone/>
+            </a:pPr>
+            <a:r>
+              <a:rPr i="1" lang="en" sz="3771">
+                <a:solidFill>
+                  <a:srgbClr val="374151"/>
+                </a:solidFill>
+                <a:latin typeface="Roboto"/>
+                <a:ea typeface="Roboto"/>
+                <a:cs typeface="Roboto"/>
+                <a:sym typeface="Roboto"/>
+              </a:rPr>
+              <a:t>Hipótesis sobre la Aprobación del CEO:</a:t>
+            </a:r>
+            <a:endParaRPr i="1" sz="3771">
+              <a:solidFill>
+                <a:srgbClr val="374151"/>
+              </a:solidFill>
+              <a:latin typeface="Roboto"/>
+              <a:ea typeface="Roboto"/>
+              <a:cs typeface="Roboto"/>
+              <a:sym typeface="Roboto"/>
+            </a:endParaRPr>
+          </a:p>
+          <a:p>
+            <a:pPr indent="0" lvl="0" marL="914400" rtl="0" algn="l">
+              <a:spcBef>
+                <a:spcPts val="1500"/>
+              </a:spcBef>
+              <a:spcAft>
+                <a:spcPts val="0"/>
+              </a:spcAft>
+              <a:buClr>
+                <a:schemeClr val="dk1"/>
+              </a:buClr>
+              <a:buSzPct val="29169"/>
+              <a:buFont typeface="Arial"/>
+              <a:buNone/>
+            </a:pPr>
+            <a:r>
+              <a:rPr b="1" lang="en" sz="3771">
+                <a:solidFill>
+                  <a:srgbClr val="374151"/>
+                </a:solidFill>
+                <a:latin typeface="Roboto"/>
+                <a:ea typeface="Roboto"/>
+                <a:cs typeface="Roboto"/>
+                <a:sym typeface="Roboto"/>
+              </a:rPr>
+              <a:t>Hipótesis 5:</a:t>
+            </a:r>
+            <a:r>
+              <a:rPr lang="en" sz="3771">
+                <a:solidFill>
+                  <a:srgbClr val="374151"/>
+                </a:solidFill>
+                <a:latin typeface="Roboto"/>
+                <a:ea typeface="Roboto"/>
+                <a:cs typeface="Roboto"/>
+                <a:sym typeface="Roboto"/>
+              </a:rPr>
+              <a:t> La aprobación del CEO (ceo_approv) tiene un impacto en la percepción general de la empresa. Las empresas con altas calificaciones en la aprobación del CEO tienden a tener mejores puntuaciones generales.</a:t>
+            </a:r>
+            <a:endParaRPr sz="3771">
+              <a:solidFill>
+                <a:srgbClr val="374151"/>
+              </a:solidFill>
+              <a:latin typeface="Roboto"/>
+              <a:ea typeface="Roboto"/>
+              <a:cs typeface="Roboto"/>
+              <a:sym typeface="Roboto"/>
+            </a:endParaRPr>
+          </a:p>
+          <a:p>
+            <a:pPr indent="-228600" lvl="0" marL="457200" rtl="0" algn="l">
+              <a:spcBef>
+                <a:spcPts val="1500"/>
+              </a:spcBef>
+              <a:spcAft>
+                <a:spcPts val="0"/>
+              </a:spcAft>
+              <a:buClr>
+                <a:srgbClr val="374151"/>
+              </a:buClr>
+              <a:buSzPct val="100000"/>
+              <a:buFont typeface="Roboto"/>
+              <a:buNone/>
+            </a:pPr>
+            <a:r>
+              <a:rPr i="1" lang="en" sz="3771">
+                <a:solidFill>
+                  <a:srgbClr val="374151"/>
+                </a:solidFill>
+                <a:latin typeface="Roboto"/>
+                <a:ea typeface="Roboto"/>
+                <a:cs typeface="Roboto"/>
+                <a:sym typeface="Roboto"/>
+              </a:rPr>
+              <a:t>Hipótesis sobre Comentarios Positivos y Negativos:</a:t>
+            </a:r>
+            <a:endParaRPr i="1" sz="3771">
+              <a:solidFill>
+                <a:srgbClr val="374151"/>
+              </a:solidFill>
+              <a:latin typeface="Roboto"/>
+              <a:ea typeface="Roboto"/>
+              <a:cs typeface="Roboto"/>
+              <a:sym typeface="Roboto"/>
+            </a:endParaRPr>
+          </a:p>
+          <a:p>
+            <a:pPr indent="0" lvl="0" marL="914400" rtl="0" algn="l">
+              <a:spcBef>
+                <a:spcPts val="1500"/>
+              </a:spcBef>
+              <a:spcAft>
+                <a:spcPts val="0"/>
+              </a:spcAft>
+              <a:buClr>
+                <a:schemeClr val="dk1"/>
+              </a:buClr>
+              <a:buSzPct val="29169"/>
+              <a:buFont typeface="Arial"/>
+              <a:buNone/>
+            </a:pPr>
+            <a:r>
+              <a:rPr b="1" lang="en" sz="3771">
+                <a:solidFill>
+                  <a:srgbClr val="374151"/>
+                </a:solidFill>
+                <a:latin typeface="Roboto"/>
+                <a:ea typeface="Roboto"/>
+                <a:cs typeface="Roboto"/>
+                <a:sym typeface="Roboto"/>
+              </a:rPr>
+              <a:t>Hipótesis 6:</a:t>
+            </a:r>
+            <a:r>
+              <a:rPr lang="en" sz="3771">
+                <a:solidFill>
+                  <a:srgbClr val="374151"/>
+                </a:solidFill>
+                <a:latin typeface="Roboto"/>
+                <a:ea typeface="Roboto"/>
+                <a:cs typeface="Roboto"/>
+                <a:sym typeface="Roboto"/>
+              </a:rPr>
+              <a:t> La presencia de comentarios positivos (pros) y negativos (cons) en las reseñas afecta la puntuación general. Empresas con un equilibrio positivo tienden a tener mejores calificaciones.</a:t>
+            </a:r>
+            <a:endParaRPr sz="3771">
+              <a:solidFill>
+                <a:srgbClr val="374151"/>
+              </a:solidFill>
+              <a:latin typeface="Roboto"/>
+              <a:ea typeface="Roboto"/>
+              <a:cs typeface="Roboto"/>
+              <a:sym typeface="Roboto"/>
+            </a:endParaRPr>
+          </a:p>
+          <a:p>
+            <a:pPr indent="-228600" lvl="0" marL="457200" rtl="0" algn="l">
+              <a:spcBef>
+                <a:spcPts val="1500"/>
+              </a:spcBef>
+              <a:spcAft>
+                <a:spcPts val="0"/>
+              </a:spcAft>
+              <a:buClr>
+                <a:srgbClr val="374151"/>
+              </a:buClr>
+              <a:buSzPct val="100000"/>
+              <a:buFont typeface="Roboto"/>
+              <a:buNone/>
+            </a:pPr>
+            <a:r>
+              <a:rPr i="1" lang="en" sz="3771">
+                <a:solidFill>
+                  <a:srgbClr val="374151"/>
+                </a:solidFill>
+                <a:latin typeface="Roboto"/>
+                <a:ea typeface="Roboto"/>
+                <a:cs typeface="Roboto"/>
+                <a:sym typeface="Roboto"/>
+              </a:rPr>
+              <a:t>Hipótesis sobre Diversidad e Inclusión:</a:t>
+            </a:r>
+            <a:endParaRPr i="1" sz="3771">
+              <a:solidFill>
+                <a:srgbClr val="374151"/>
+              </a:solidFill>
+              <a:latin typeface="Roboto"/>
+              <a:ea typeface="Roboto"/>
+              <a:cs typeface="Roboto"/>
+              <a:sym typeface="Roboto"/>
+            </a:endParaRPr>
+          </a:p>
+          <a:p>
+            <a:pPr indent="0" lvl="0" marL="914400" rtl="0" algn="l">
+              <a:spcBef>
+                <a:spcPts val="1500"/>
+              </a:spcBef>
+              <a:spcAft>
+                <a:spcPts val="0"/>
+              </a:spcAft>
+              <a:buClr>
+                <a:schemeClr val="dk1"/>
+              </a:buClr>
+              <a:buSzPct val="29169"/>
+              <a:buFont typeface="Arial"/>
+              <a:buNone/>
+            </a:pPr>
+            <a:r>
+              <a:rPr b="1" lang="en" sz="3771">
+                <a:solidFill>
+                  <a:srgbClr val="374151"/>
+                </a:solidFill>
+                <a:latin typeface="Roboto"/>
+                <a:ea typeface="Roboto"/>
+                <a:cs typeface="Roboto"/>
+                <a:sym typeface="Roboto"/>
+              </a:rPr>
+              <a:t>Hipótesis 7:</a:t>
+            </a:r>
+            <a:r>
+              <a:rPr lang="en" sz="3771">
+                <a:solidFill>
+                  <a:srgbClr val="374151"/>
+                </a:solidFill>
+                <a:latin typeface="Roboto"/>
+                <a:ea typeface="Roboto"/>
+                <a:cs typeface="Roboto"/>
+                <a:sym typeface="Roboto"/>
+              </a:rPr>
+              <a:t> La percepción de diversidad e inclusión (diversity_inclusion) está relacionada con la satisfacción laboral. Empresas que son percibidas como inclusivas tienden a tener empleados más satisfechos.</a:t>
+            </a:r>
+            <a:endParaRPr sz="3771">
+              <a:solidFill>
+                <a:srgbClr val="374151"/>
+              </a:solidFill>
+              <a:latin typeface="Roboto"/>
+              <a:ea typeface="Roboto"/>
+              <a:cs typeface="Roboto"/>
+              <a:sym typeface="Roboto"/>
+            </a:endParaRPr>
+          </a:p>
+          <a:p>
+            <a:pPr indent="-228600" lvl="0" marL="457200" rtl="0" algn="l">
+              <a:spcBef>
+                <a:spcPts val="1500"/>
+              </a:spcBef>
+              <a:spcAft>
+                <a:spcPts val="0"/>
+              </a:spcAft>
+              <a:buClr>
+                <a:srgbClr val="374151"/>
+              </a:buClr>
+              <a:buSzPct val="100000"/>
+              <a:buFont typeface="Roboto"/>
+              <a:buNone/>
+            </a:pPr>
+            <a:r>
+              <a:rPr i="1" lang="en" sz="3771">
+                <a:solidFill>
+                  <a:srgbClr val="374151"/>
+                </a:solidFill>
+                <a:latin typeface="Roboto"/>
+                <a:ea typeface="Roboto"/>
+                <a:cs typeface="Roboto"/>
+                <a:sym typeface="Roboto"/>
+              </a:rPr>
+              <a:t>Hipótesis sobre Balance Entre Trabajo y Vida:</a:t>
+            </a:r>
+            <a:endParaRPr i="1" sz="3771">
+              <a:solidFill>
+                <a:srgbClr val="374151"/>
+              </a:solidFill>
+              <a:latin typeface="Roboto"/>
+              <a:ea typeface="Roboto"/>
+              <a:cs typeface="Roboto"/>
+              <a:sym typeface="Roboto"/>
+            </a:endParaRPr>
+          </a:p>
+          <a:p>
+            <a:pPr indent="0" lvl="0" marL="914400" rtl="0" algn="l">
+              <a:spcBef>
+                <a:spcPts val="1500"/>
+              </a:spcBef>
+              <a:spcAft>
+                <a:spcPts val="0"/>
+              </a:spcAft>
+              <a:buClr>
+                <a:schemeClr val="dk1"/>
+              </a:buClr>
+              <a:buSzPct val="29169"/>
+              <a:buFont typeface="Arial"/>
+              <a:buNone/>
+            </a:pPr>
+            <a:r>
+              <a:rPr b="1" lang="en" sz="3771">
+                <a:solidFill>
+                  <a:srgbClr val="374151"/>
+                </a:solidFill>
+                <a:latin typeface="Roboto"/>
+                <a:ea typeface="Roboto"/>
+                <a:cs typeface="Roboto"/>
+                <a:sym typeface="Roboto"/>
+              </a:rPr>
+              <a:t>Hipótesis 8:</a:t>
+            </a:r>
+            <a:r>
+              <a:rPr lang="en" sz="3771">
+                <a:solidFill>
+                  <a:srgbClr val="374151"/>
+                </a:solidFill>
+                <a:latin typeface="Roboto"/>
+                <a:ea typeface="Roboto"/>
+                <a:cs typeface="Roboto"/>
+                <a:sym typeface="Roboto"/>
+              </a:rPr>
+              <a:t> La opinión sobre el equilibrio entre trabajo y vida (work_life_balance) está asociada con la satisfacción laboral general. Un mejor equilibrio se correlaciona con mayores puntuaciones.</a:t>
+            </a:r>
+            <a:endParaRPr sz="3771">
+              <a:solidFill>
+                <a:srgbClr val="374151"/>
+              </a:solidFill>
+              <a:latin typeface="Roboto"/>
+              <a:ea typeface="Roboto"/>
+              <a:cs typeface="Roboto"/>
+              <a:sym typeface="Roboto"/>
+            </a:endParaRPr>
+          </a:p>
+          <a:p>
+            <a:pPr indent="0" lvl="0" marL="0" rtl="0" algn="l">
+              <a:spcBef>
+                <a:spcPts val="1500"/>
+              </a:spcBef>
+              <a:spcAft>
+                <a:spcPts val="1200"/>
+              </a:spcAft>
+              <a:buNone/>
+            </a:pPr>
+            <a:r>
+              <a:t/>
+            </a:r>
+            <a:endParaRPr/>
+          </a:p>
+        </p:txBody>
+      </p:sp>
+    </p:spTree>
+  </p:cSld>
+  <p:clrMapOvr>
+    <a:masterClrMapping/>
+  </p:clrMapOvr>
+</p:sld>
+</file>
+
+<file path=ppt/slides/slide9.xml><?xml version="1.0" encoding="utf-8"?>
+<p:sld xmlns:a="http://schemas.openxmlformats.org/drawingml/2006/main" xmlns:r="http://schemas.openxmlformats.org/officeDocument/2006/relationships" xmlns:mc="http://schemas.openxmlformats.org/markup-compatibility/2006" xmlns:mv="urn:schemas-microsoft-com:mac:vml" xmlns:p="http://schemas.openxmlformats.org/presentationml/2006/main" xmlns:c="http://schemas.openxmlformats.org/drawingml/2006/chart" xmlns:dgm="http://schemas.openxmlformats.org/drawingml/2006/diagram" xmlns:o="urn:schemas-microsoft-com:office:office" xmlns:v="urn:schemas-microsoft-com:vml" xmlns:pvml="urn:schemas-microsoft-com:office:powerpoint" xmlns:com="http://schemas.openxmlformats.org/drawingml/2006/compatibility" xmlns:p14="http://schemas.microsoft.com/office/powerpoint/2010/main" xmlns:p15="http://schemas.microsoft.com/office/powerpoint/2012/main" xmlns:ahyp="http://schemas.microsoft.com/office/drawing/2018/hyperlinkcolor">
+  <p:cSld>
+    <p:spTree>
+      <p:nvGrpSpPr>
+        <p:cNvPr id="101" name="Shape 101"/>
+        <p:cNvGrpSpPr/>
+        <p:nvPr/>
+      </p:nvGrpSpPr>
+      <p:grpSpPr>
+        <a:xfrm>
+          <a:off x="0" y="0"/>
+          <a:ext cx="0" cy="0"/>
+          <a:chOff x="0" y="0"/>
+          <a:chExt cx="0" cy="0"/>
+        </a:xfrm>
+      </p:grpSpPr>
+      <p:sp>
+        <p:nvSpPr>
+          <p:cNvPr id="102" name="Google Shape;102;p21"/>
+          <p:cNvSpPr txBox="1"/>
+          <p:nvPr>
+            <p:ph type="title"/>
+          </p:nvPr>
+        </p:nvSpPr>
+        <p:spPr>
+          <a:xfrm>
+            <a:off x="311700" y="445025"/>
+            <a:ext cx="8520600" cy="572700"/>
+          </a:xfrm>
+          <a:prstGeom prst="rect">
+            <a:avLst/>
+          </a:prstGeom>
+        </p:spPr>
+        <p:txBody>
+          <a:bodyPr anchorCtr="0" anchor="t" bIns="91425" lIns="91425" spcFirstLastPara="1" rIns="91425" wrap="square" tIns="91425">
+            <a:normAutofit fontScale="90000"/>
+          </a:bodyPr>
+          <a:lstStyle/>
+          <a:p>
+            <a:pPr indent="457200" lvl="0" marL="0" rtl="0" algn="l">
+              <a:spcBef>
+                <a:spcPts val="0"/>
+              </a:spcBef>
+              <a:spcAft>
+                <a:spcPts val="0"/>
+              </a:spcAft>
+              <a:buNone/>
+            </a:pPr>
+            <a:r>
+              <a:rPr lang="en"/>
+              <a:t>Algunas consideraciones:</a:t>
+            </a:r>
+            <a:endParaRPr/>
+          </a:p>
+        </p:txBody>
+      </p:sp>
+      <p:sp>
+        <p:nvSpPr>
+          <p:cNvPr id="103" name="Google Shape;103;p21"/>
+          <p:cNvSpPr txBox="1"/>
+          <p:nvPr>
+            <p:ph idx="1" type="body"/>
+          </p:nvPr>
+        </p:nvSpPr>
+        <p:spPr>
+          <a:xfrm>
+            <a:off x="311700" y="1152475"/>
+            <a:ext cx="8520600" cy="3416400"/>
+          </a:xfrm>
+          <a:prstGeom prst="rect">
+            <a:avLst/>
+          </a:prstGeom>
+        </p:spPr>
+        <p:txBody>
+          <a:bodyPr anchorCtr="0" anchor="t" bIns="91425" lIns="91425" spcFirstLastPara="1" rIns="91425" wrap="square" tIns="91425">
+            <a:normAutofit/>
+          </a:bodyPr>
+          <a:lstStyle/>
+          <a:p>
+            <a:pPr indent="-342900" lvl="0" marL="457200" rtl="0" algn="l">
+              <a:spcBef>
+                <a:spcPts val="0"/>
+              </a:spcBef>
+              <a:spcAft>
+                <a:spcPts val="0"/>
+              </a:spcAft>
+              <a:buSzPts val="1800"/>
+              <a:buChar char="●"/>
+            </a:pPr>
+            <a:r>
+              <a:rPr lang="en"/>
+              <a:t>Distribución</a:t>
+            </a:r>
+            <a:r>
+              <a:rPr lang="en"/>
+              <a:t> de la muestra por </a:t>
             </a:r>
             <a:endParaRPr/>
           </a:p>
